--- a/docs/diagrams/AttachmentSequenceDiagram.pptx
+++ b/docs/diagrams/AttachmentSequenceDiagram.pptx
@@ -924,7 +924,7 @@
           <a:p>
             <a:fld id="{F5CC4B3F-88C1-4FFA-B1B6-F41C21DC6924}" type="datetimeFigureOut">
               <a:rPr lang="en-US" smtClean="0"/>
-              <a:t>10/28/2018</a:t>
+              <a:t>11/11/2018</a:t>
             </a:fld>
             <a:endParaRPr lang="en-US"/>
           </a:p>
@@ -1454,7 +1454,7 @@
           <a:p>
             <a:fld id="{78C97017-6FC3-485B-9764-EAC9E56C1D49}" type="datetimeFigureOut">
               <a:rPr lang="en-US" smtClean="0"/>
-              <a:t>10/28/2018</a:t>
+              <a:t>11/11/2018</a:t>
             </a:fld>
             <a:endParaRPr lang="en-US"/>
           </a:p>
@@ -1622,7 +1622,7 @@
           <a:p>
             <a:fld id="{78C97017-6FC3-485B-9764-EAC9E56C1D49}" type="datetimeFigureOut">
               <a:rPr lang="en-US" smtClean="0"/>
-              <a:t>10/28/2018</a:t>
+              <a:t>11/11/2018</a:t>
             </a:fld>
             <a:endParaRPr lang="en-US"/>
           </a:p>
@@ -1800,7 +1800,7 @@
           <a:p>
             <a:fld id="{78C97017-6FC3-485B-9764-EAC9E56C1D49}" type="datetimeFigureOut">
               <a:rPr lang="en-US" smtClean="0"/>
-              <a:t>10/28/2018</a:t>
+              <a:t>11/11/2018</a:t>
             </a:fld>
             <a:endParaRPr lang="en-US"/>
           </a:p>
@@ -1968,7 +1968,7 @@
           <a:p>
             <a:fld id="{78C97017-6FC3-485B-9764-EAC9E56C1D49}" type="datetimeFigureOut">
               <a:rPr lang="en-US" smtClean="0"/>
-              <a:t>10/28/2018</a:t>
+              <a:t>11/11/2018</a:t>
             </a:fld>
             <a:endParaRPr lang="en-US"/>
           </a:p>
@@ -2213,7 +2213,7 @@
           <a:p>
             <a:fld id="{78C97017-6FC3-485B-9764-EAC9E56C1D49}" type="datetimeFigureOut">
               <a:rPr lang="en-US" smtClean="0"/>
-              <a:t>10/28/2018</a:t>
+              <a:t>11/11/2018</a:t>
             </a:fld>
             <a:endParaRPr lang="en-US"/>
           </a:p>
@@ -2498,7 +2498,7 @@
           <a:p>
             <a:fld id="{78C97017-6FC3-485B-9764-EAC9E56C1D49}" type="datetimeFigureOut">
               <a:rPr lang="en-US" smtClean="0"/>
-              <a:t>10/28/2018</a:t>
+              <a:t>11/11/2018</a:t>
             </a:fld>
             <a:endParaRPr lang="en-US"/>
           </a:p>
@@ -2917,7 +2917,7 @@
           <a:p>
             <a:fld id="{78C97017-6FC3-485B-9764-EAC9E56C1D49}" type="datetimeFigureOut">
               <a:rPr lang="en-US" smtClean="0"/>
-              <a:t>10/28/2018</a:t>
+              <a:t>11/11/2018</a:t>
             </a:fld>
             <a:endParaRPr lang="en-US"/>
           </a:p>
@@ -3034,7 +3034,7 @@
           <a:p>
             <a:fld id="{78C97017-6FC3-485B-9764-EAC9E56C1D49}" type="datetimeFigureOut">
               <a:rPr lang="en-US" smtClean="0"/>
-              <a:t>10/28/2018</a:t>
+              <a:t>11/11/2018</a:t>
             </a:fld>
             <a:endParaRPr lang="en-US"/>
           </a:p>
@@ -3129,7 +3129,7 @@
           <a:p>
             <a:fld id="{78C97017-6FC3-485B-9764-EAC9E56C1D49}" type="datetimeFigureOut">
               <a:rPr lang="en-US" smtClean="0"/>
-              <a:t>10/28/2018</a:t>
+              <a:t>11/11/2018</a:t>
             </a:fld>
             <a:endParaRPr lang="en-US"/>
           </a:p>
@@ -3404,7 +3404,7 @@
           <a:p>
             <a:fld id="{78C97017-6FC3-485B-9764-EAC9E56C1D49}" type="datetimeFigureOut">
               <a:rPr lang="en-US" smtClean="0"/>
-              <a:t>10/28/2018</a:t>
+              <a:t>11/11/2018</a:t>
             </a:fld>
             <a:endParaRPr lang="en-US"/>
           </a:p>
@@ -3656,7 +3656,7 @@
           <a:p>
             <a:fld id="{78C97017-6FC3-485B-9764-EAC9E56C1D49}" type="datetimeFigureOut">
               <a:rPr lang="en-US" smtClean="0"/>
-              <a:t>10/28/2018</a:t>
+              <a:t>11/11/2018</a:t>
             </a:fld>
             <a:endParaRPr lang="en-US"/>
           </a:p>
@@ -3867,7 +3867,7 @@
           <a:p>
             <a:fld id="{78C97017-6FC3-485B-9764-EAC9E56C1D49}" type="datetimeFigureOut">
               <a:rPr lang="en-US" smtClean="0"/>
-              <a:t>10/28/2018</a:t>
+              <a:t>11/11/2018</a:t>
             </a:fld>
             <a:endParaRPr lang="en-US"/>
           </a:p>
@@ -4244,10 +4244,10 @@
       </p:grpSpPr>
       <p:grpSp>
         <p:nvGrpSpPr>
-          <p:cNvPr id="13" name="Group 12">
+          <p:cNvPr id="2" name="Group 1">
             <a:extLst>
               <a:ext uri="{FF2B5EF4-FFF2-40B4-BE49-F238E27FC236}">
-                <a16:creationId xmlns:a16="http://schemas.microsoft.com/office/drawing/2014/main" id="{7AF36B91-6CC6-4892-8A20-DF6D74BF2620}"/>
+                <a16:creationId xmlns:a16="http://schemas.microsoft.com/office/drawing/2014/main" id="{CD40D259-0650-4BF1-89FB-3FD74C08CDF2}"/>
               </a:ext>
             </a:extLst>
           </p:cNvPr>
@@ -4258,16 +4258,69 @@
           <a:xfrm>
             <a:off x="152400" y="628564"/>
             <a:ext cx="8865382" cy="3105236"/>
-            <a:chOff x="202418" y="628564"/>
+            <a:chOff x="152400" y="628564"/>
             <a:chExt cx="8865382" cy="3105236"/>
           </a:xfrm>
         </p:grpSpPr>
+        <p:sp>
+          <p:nvSpPr>
+            <p:cNvPr id="43" name="TextBox 42">
+              <a:extLst>
+                <a:ext uri="{FF2B5EF4-FFF2-40B4-BE49-F238E27FC236}">
+                  <a16:creationId xmlns:a16="http://schemas.microsoft.com/office/drawing/2014/main" id="{0B3679E6-6315-4649-9BE6-C759DA88351A}"/>
+                </a:ext>
+              </a:extLst>
+            </p:cNvPr>
+            <p:cNvSpPr txBox="1"/>
+            <p:nvPr/>
+          </p:nvSpPr>
+          <p:spPr>
+            <a:xfrm>
+              <a:off x="3037511" y="1705768"/>
+              <a:ext cx="2600418" cy="215444"/>
+            </a:xfrm>
+            <a:prstGeom prst="rect">
+              <a:avLst/>
+            </a:prstGeom>
+            <a:noFill/>
+          </p:spPr>
+          <p:txBody>
+            <a:bodyPr wrap="square" lIns="0" tIns="0" rIns="0" bIns="0" rtlCol="0">
+              <a:spAutoFit/>
+            </a:bodyPr>
+            <a:lstStyle/>
+            <a:p>
+              <a:pPr algn="ctr"/>
+              <a:r>
+                <a:rPr lang="en-US" sz="1400" dirty="0">
+                  <a:solidFill>
+                    <a:srgbClr val="7030A0"/>
+                  </a:solidFill>
+                </a:rPr>
+                <a:t>Currently displayed </a:t>
+              </a:r>
+              <a:r>
+                <a:rPr lang="en-US" sz="1400" dirty="0" err="1">
+                  <a:solidFill>
+                    <a:srgbClr val="7030A0"/>
+                  </a:solidFill>
+                </a:rPr>
+                <a:t>TaskList</a:t>
+              </a:r>
+              <a:endParaRPr lang="en-US" sz="1400" dirty="0">
+                <a:solidFill>
+                  <a:srgbClr val="7030A0"/>
+                </a:solidFill>
+              </a:endParaRPr>
+            </a:p>
+          </p:txBody>
+        </p:sp>
         <p:grpSp>
           <p:nvGrpSpPr>
-            <p:cNvPr id="7" name="Group 6">
+            <p:cNvPr id="13" name="Group 12">
               <a:extLst>
                 <a:ext uri="{FF2B5EF4-FFF2-40B4-BE49-F238E27FC236}">
-                  <a16:creationId xmlns:a16="http://schemas.microsoft.com/office/drawing/2014/main" id="{382D308B-3153-4C6D-88C2-888ECE25F100}"/>
+                  <a16:creationId xmlns:a16="http://schemas.microsoft.com/office/drawing/2014/main" id="{7AF36B91-6CC6-4892-8A20-DF6D74BF2620}"/>
                 </a:ext>
               </a:extLst>
             </p:cNvPr>
@@ -4276,27 +4329,365 @@
           </p:nvGrpSpPr>
           <p:grpSpPr>
             <a:xfrm>
-              <a:off x="3048000" y="2819400"/>
-              <a:ext cx="2602899" cy="215444"/>
-              <a:chOff x="3076495" y="3442156"/>
-              <a:chExt cx="2602899" cy="215444"/>
+              <a:off x="152400" y="628564"/>
+              <a:ext cx="8865382" cy="3105236"/>
+              <a:chOff x="202418" y="628564"/>
+              <a:chExt cx="8865382" cy="3105236"/>
             </a:xfrm>
           </p:grpSpPr>
-          <p:sp>
-            <p:nvSpPr>
-              <p:cNvPr id="105" name="TextBox 104">
+          <p:grpSp>
+            <p:nvGrpSpPr>
+              <p:cNvPr id="7" name="Group 6">
                 <a:extLst>
                   <a:ext uri="{FF2B5EF4-FFF2-40B4-BE49-F238E27FC236}">
-                    <a16:creationId xmlns:a16="http://schemas.microsoft.com/office/drawing/2014/main" id="{1E0BE64C-CD63-4795-ACC6-0AB1C50EAC49}"/>
+                    <a16:creationId xmlns:a16="http://schemas.microsoft.com/office/drawing/2014/main" id="{382D308B-3153-4C6D-88C2-888ECE25F100}"/>
                   </a:ext>
                 </a:extLst>
               </p:cNvPr>
+              <p:cNvGrpSpPr/>
+              <p:nvPr/>
+            </p:nvGrpSpPr>
+            <p:grpSpPr>
+              <a:xfrm>
+                <a:off x="3048000" y="2984956"/>
+                <a:ext cx="2602899" cy="215444"/>
+                <a:chOff x="3076495" y="3607712"/>
+                <a:chExt cx="2602899" cy="215444"/>
+              </a:xfrm>
+            </p:grpSpPr>
+            <p:sp>
+              <p:nvSpPr>
+                <p:cNvPr id="105" name="TextBox 104">
+                  <a:extLst>
+                    <a:ext uri="{FF2B5EF4-FFF2-40B4-BE49-F238E27FC236}">
+                      <a16:creationId xmlns:a16="http://schemas.microsoft.com/office/drawing/2014/main" id="{1E0BE64C-CD63-4795-ACC6-0AB1C50EAC49}"/>
+                    </a:ext>
+                  </a:extLst>
+                </p:cNvPr>
+                <p:cNvSpPr txBox="1"/>
+                <p:nvPr/>
+              </p:nvSpPr>
+              <p:spPr>
+                <a:xfrm>
+                  <a:off x="3240994" y="3607712"/>
+                  <a:ext cx="2438400" cy="215444"/>
+                </a:xfrm>
+                <a:prstGeom prst="rect">
+                  <a:avLst/>
+                </a:prstGeom>
+                <a:noFill/>
+              </p:spPr>
+              <p:txBody>
+                <a:bodyPr wrap="square" lIns="0" tIns="0" rIns="0" bIns="0" rtlCol="0">
+                  <a:spAutoFit/>
+                </a:bodyPr>
+                <a:lstStyle/>
+                <a:p>
+                  <a:pPr algn="ctr"/>
+                  <a:r>
+                    <a:rPr lang="en-US" sz="1400" dirty="0" err="1">
+                      <a:solidFill>
+                        <a:schemeClr val="accent5">
+                          <a:lumMod val="75000"/>
+                        </a:schemeClr>
+                      </a:solidFill>
+                    </a:rPr>
+                    <a:t>commitTaskCollection</a:t>
+                  </a:r>
+                  <a:r>
+                    <a:rPr lang="en-US" sz="1400" dirty="0">
+                      <a:solidFill>
+                        <a:schemeClr val="accent5">
+                          <a:lumMod val="75000"/>
+                        </a:schemeClr>
+                      </a:solidFill>
+                    </a:rPr>
+                    <a:t>(…)</a:t>
+                  </a:r>
+                </a:p>
+              </p:txBody>
+            </p:sp>
+            <p:cxnSp>
+              <p:nvCxnSpPr>
+                <p:cNvPr id="106" name="Straight Arrow Connector 105">
+                  <a:extLst>
+                    <a:ext uri="{FF2B5EF4-FFF2-40B4-BE49-F238E27FC236}">
+                      <a16:creationId xmlns:a16="http://schemas.microsoft.com/office/drawing/2014/main" id="{A050C0EA-7D24-4A1D-8372-BFFA8DB982F3}"/>
+                    </a:ext>
+                  </a:extLst>
+                </p:cNvPr>
+                <p:cNvCxnSpPr/>
+                <p:nvPr/>
+              </p:nvCxnSpPr>
+              <p:spPr>
+                <a:xfrm>
+                  <a:off x="3076495" y="3823156"/>
+                  <a:ext cx="2568438" cy="0"/>
+                </a:xfrm>
+                <a:prstGeom prst="straightConnector1">
+                  <a:avLst/>
+                </a:prstGeom>
+                <a:ln w="19050">
+                  <a:solidFill>
+                    <a:srgbClr val="7030A0"/>
+                  </a:solidFill>
+                  <a:tailEnd type="arrow"/>
+                </a:ln>
+              </p:spPr>
+              <p:style>
+                <a:lnRef idx="1">
+                  <a:schemeClr val="accent1"/>
+                </a:lnRef>
+                <a:fillRef idx="0">
+                  <a:schemeClr val="accent1"/>
+                </a:fillRef>
+                <a:effectRef idx="0">
+                  <a:schemeClr val="accent1"/>
+                </a:effectRef>
+                <a:fontRef idx="minor">
+                  <a:schemeClr val="tx1"/>
+                </a:fontRef>
+              </p:style>
+            </p:cxnSp>
+          </p:grpSp>
+          <p:sp>
+            <p:nvSpPr>
+              <p:cNvPr id="19" name="Rectangle 62"/>
+              <p:cNvSpPr/>
+              <p:nvPr/>
+            </p:nvSpPr>
+            <p:spPr>
+              <a:xfrm>
+                <a:off x="1913121" y="628564"/>
+                <a:ext cx="2057393" cy="344660"/>
+              </a:xfrm>
+              <a:prstGeom prst="rect">
+                <a:avLst/>
+              </a:prstGeom>
+              <a:solidFill>
+                <a:srgbClr val="7030A0"/>
+              </a:solidFill>
+              <a:ln w="19050">
+                <a:solidFill>
+                  <a:srgbClr val="7030A0"/>
+                </a:solidFill>
+              </a:ln>
+              <a:effectLst/>
+            </p:spPr>
+            <p:style>
+              <a:lnRef idx="1">
+                <a:schemeClr val="accent2"/>
+              </a:lnRef>
+              <a:fillRef idx="2">
+                <a:schemeClr val="accent2"/>
+              </a:fillRef>
+              <a:effectRef idx="1">
+                <a:schemeClr val="accent2"/>
+              </a:effectRef>
+              <a:fontRef idx="minor">
+                <a:schemeClr val="dk1"/>
+              </a:fontRef>
+            </p:style>
+            <p:txBody>
+              <a:bodyPr rtlCol="0" anchor="ctr"/>
+              <a:lstStyle/>
+              <a:p>
+                <a:pPr algn="ctr"/>
+                <a:r>
+                  <a:rPr lang="en-US" sz="1600" dirty="0">
+                    <a:solidFill>
+                      <a:schemeClr val="bg1"/>
+                    </a:solidFill>
+                  </a:rPr>
+                  <a:t>:</a:t>
+                </a:r>
+                <a:r>
+                  <a:rPr lang="en-US" sz="1600" dirty="0" err="1">
+                    <a:solidFill>
+                      <a:schemeClr val="bg1"/>
+                    </a:solidFill>
+                  </a:rPr>
+                  <a:t>AttachmentCommand</a:t>
+                </a:r>
+                <a:endParaRPr lang="en-SG" sz="1600" dirty="0">
+                  <a:solidFill>
+                    <a:schemeClr val="bg1"/>
+                  </a:solidFill>
+                </a:endParaRPr>
+              </a:p>
+            </p:txBody>
+          </p:sp>
+          <p:cxnSp>
+            <p:nvCxnSpPr>
+              <p:cNvPr id="20" name="Straight Connector 19"/>
+              <p:cNvCxnSpPr>
+                <a:cxnSpLocks/>
+              </p:cNvCxnSpPr>
+              <p:nvPr/>
+            </p:nvCxnSpPr>
+            <p:spPr>
+              <a:xfrm>
+                <a:off x="2941818" y="999453"/>
+                <a:ext cx="0" cy="2734347"/>
+              </a:xfrm>
+              <a:prstGeom prst="line">
+                <a:avLst/>
+              </a:prstGeom>
+              <a:ln w="19050">
+                <a:solidFill>
+                  <a:srgbClr val="7030A0"/>
+                </a:solidFill>
+                <a:prstDash val="sysDash"/>
+              </a:ln>
+              <a:effectLst/>
+            </p:spPr>
+            <p:style>
+              <a:lnRef idx="1">
+                <a:schemeClr val="accent1"/>
+              </a:lnRef>
+              <a:fillRef idx="2">
+                <a:schemeClr val="accent1"/>
+              </a:fillRef>
+              <a:effectRef idx="1">
+                <a:schemeClr val="accent1"/>
+              </a:effectRef>
+              <a:fontRef idx="minor">
+                <a:schemeClr val="dk1"/>
+              </a:fontRef>
+            </p:style>
+          </p:cxnSp>
+          <p:sp>
+            <p:nvSpPr>
+              <p:cNvPr id="21" name="Rectangle 20"/>
+              <p:cNvSpPr/>
+              <p:nvPr/>
+            </p:nvSpPr>
+            <p:spPr>
+              <a:xfrm>
+                <a:off x="2869810" y="1566262"/>
+                <a:ext cx="130290" cy="2015109"/>
+              </a:xfrm>
+              <a:prstGeom prst="rect">
+                <a:avLst/>
+              </a:prstGeom>
+              <a:solidFill>
+                <a:srgbClr val="7030A0"/>
+              </a:solidFill>
+              <a:ln>
+                <a:solidFill>
+                  <a:srgbClr val="7030A0"/>
+                </a:solidFill>
+              </a:ln>
+              <a:effectLst/>
+            </p:spPr>
+            <p:style>
+              <a:lnRef idx="1">
+                <a:schemeClr val="accent3"/>
+              </a:lnRef>
+              <a:fillRef idx="2">
+                <a:schemeClr val="accent3"/>
+              </a:fillRef>
+              <a:effectRef idx="1">
+                <a:schemeClr val="accent3"/>
+              </a:effectRef>
+              <a:fontRef idx="minor">
+                <a:schemeClr val="dk1"/>
+              </a:fontRef>
+            </p:style>
+            <p:txBody>
+              <a:bodyPr rtlCol="0" anchor="ctr"/>
+              <a:lstStyle/>
+              <a:p>
+                <a:pPr algn="ctr"/>
+                <a:endParaRPr lang="en-SG" sz="1400">
+                  <a:solidFill>
+                    <a:schemeClr val="dk1"/>
+                  </a:solidFill>
+                </a:endParaRPr>
+              </a:p>
+            </p:txBody>
+          </p:sp>
+          <p:cxnSp>
+            <p:nvCxnSpPr>
+              <p:cNvPr id="28" name="Straight Arrow Connector 27"/>
+              <p:cNvCxnSpPr>
+                <a:cxnSpLocks/>
+              </p:cNvCxnSpPr>
+              <p:nvPr/>
+            </p:nvCxnSpPr>
+            <p:spPr>
+              <a:xfrm>
+                <a:off x="202418" y="1566265"/>
+                <a:ext cx="2667392" cy="0"/>
+              </a:xfrm>
+              <a:prstGeom prst="straightConnector1">
+                <a:avLst/>
+              </a:prstGeom>
+              <a:ln w="19050">
+                <a:solidFill>
+                  <a:srgbClr val="0070C0"/>
+                </a:solidFill>
+                <a:tailEnd type="arrow"/>
+              </a:ln>
+            </p:spPr>
+            <p:style>
+              <a:lnRef idx="1">
+                <a:schemeClr val="accent1"/>
+              </a:lnRef>
+              <a:fillRef idx="0">
+                <a:schemeClr val="accent1"/>
+              </a:fillRef>
+              <a:effectRef idx="0">
+                <a:schemeClr val="accent1"/>
+              </a:effectRef>
+              <a:fontRef idx="minor">
+                <a:schemeClr val="tx1"/>
+              </a:fontRef>
+            </p:style>
+          </p:cxnSp>
+          <p:sp>
+            <p:nvSpPr>
+              <p:cNvPr id="29" name="TextBox 28"/>
               <p:cNvSpPr txBox="1"/>
               <p:nvPr/>
             </p:nvSpPr>
             <p:spPr>
               <a:xfrm>
-                <a:off x="3240994" y="3442156"/>
+                <a:off x="202418" y="1295400"/>
+                <a:ext cx="2600418" cy="215444"/>
+              </a:xfrm>
+              <a:prstGeom prst="rect">
+                <a:avLst/>
+              </a:prstGeom>
+              <a:noFill/>
+            </p:spPr>
+            <p:txBody>
+              <a:bodyPr wrap="square" lIns="0" tIns="0" rIns="0" bIns="0" rtlCol="0">
+                <a:spAutoFit/>
+              </a:bodyPr>
+              <a:lstStyle/>
+              <a:p>
+                <a:pPr algn="ctr"/>
+                <a:r>
+                  <a:rPr lang="en-US" sz="1400" dirty="0">
+                    <a:solidFill>
+                      <a:srgbClr val="7030A0"/>
+                    </a:solidFill>
+                  </a:rPr>
+                  <a:t>execute(model, history)</a:t>
+                </a:r>
+              </a:p>
+            </p:txBody>
+          </p:sp>
+          <p:sp>
+            <p:nvSpPr>
+              <p:cNvPr id="33" name="TextBox 32"/>
+              <p:cNvSpPr txBox="1"/>
+              <p:nvPr/>
+            </p:nvSpPr>
+            <p:spPr>
+              <a:xfrm>
+                <a:off x="3200400" y="1441318"/>
                 <a:ext cx="2438400" cy="215444"/>
               </a:xfrm>
               <a:prstGeom prst="rect">
@@ -4319,7 +4710,7 @@
                       </a:schemeClr>
                     </a:solidFill>
                   </a:rPr>
-                  <a:t>commitTaskCollection</a:t>
+                  <a:t>getFilteredTaskList</a:t>
                 </a:r>
                 <a:r>
                   <a:rPr lang="en-US" sz="1400" dirty="0">
@@ -4329,26 +4720,217 @@
                       </a:schemeClr>
                     </a:solidFill>
                   </a:rPr>
-                  <a:t>(…)</a:t>
+                  <a:t>()</a:t>
                 </a:r>
               </a:p>
             </p:txBody>
           </p:sp>
           <p:cxnSp>
             <p:nvCxnSpPr>
-              <p:cNvPr id="106" name="Straight Arrow Connector 105">
-                <a:extLst>
-                  <a:ext uri="{FF2B5EF4-FFF2-40B4-BE49-F238E27FC236}">
-                    <a16:creationId xmlns:a16="http://schemas.microsoft.com/office/drawing/2014/main" id="{A050C0EA-7D24-4A1D-8372-BFFA8DB982F3}"/>
-                  </a:ext>
-                </a:extLst>
-              </p:cNvPr>
+              <p:cNvPr id="34" name="Straight Arrow Connector 33"/>
               <p:cNvCxnSpPr/>
               <p:nvPr/>
             </p:nvCxnSpPr>
             <p:spPr>
               <a:xfrm>
-                <a:off x="3076495" y="3657600"/>
+                <a:off x="1042052" y="3581400"/>
+                <a:ext cx="1837184" cy="0"/>
+              </a:xfrm>
+              <a:prstGeom prst="straightConnector1">
+                <a:avLst/>
+              </a:prstGeom>
+              <a:ln w="19050">
+                <a:solidFill>
+                  <a:srgbClr val="7030A0"/>
+                </a:solidFill>
+                <a:prstDash val="sysDash"/>
+                <a:headEnd type="arrow" w="med" len="med"/>
+                <a:tailEnd type="none" w="med" len="med"/>
+              </a:ln>
+            </p:spPr>
+            <p:style>
+              <a:lnRef idx="1">
+                <a:schemeClr val="accent1"/>
+              </a:lnRef>
+              <a:fillRef idx="0">
+                <a:schemeClr val="accent1"/>
+              </a:fillRef>
+              <a:effectRef idx="0">
+                <a:schemeClr val="accent1"/>
+              </a:effectRef>
+              <a:fontRef idx="minor">
+                <a:schemeClr val="tx1"/>
+              </a:fontRef>
+            </p:style>
+          </p:cxnSp>
+          <p:sp>
+            <p:nvSpPr>
+              <p:cNvPr id="39" name="Rectangle 62"/>
+              <p:cNvSpPr/>
+              <p:nvPr/>
+            </p:nvSpPr>
+            <p:spPr>
+              <a:xfrm>
+                <a:off x="4740759" y="635782"/>
+                <a:ext cx="1812439" cy="346760"/>
+              </a:xfrm>
+              <a:prstGeom prst="rect">
+                <a:avLst/>
+              </a:prstGeom>
+              <a:solidFill>
+                <a:schemeClr val="accent5">
+                  <a:lumMod val="75000"/>
+                </a:schemeClr>
+              </a:solidFill>
+              <a:ln w="19050">
+                <a:solidFill>
+                  <a:schemeClr val="accent5">
+                    <a:lumMod val="75000"/>
+                  </a:schemeClr>
+                </a:solidFill>
+              </a:ln>
+              <a:effectLst/>
+            </p:spPr>
+            <p:style>
+              <a:lnRef idx="1">
+                <a:schemeClr val="accent2"/>
+              </a:lnRef>
+              <a:fillRef idx="2">
+                <a:schemeClr val="accent2"/>
+              </a:fillRef>
+              <a:effectRef idx="1">
+                <a:schemeClr val="accent2"/>
+              </a:effectRef>
+              <a:fontRef idx="minor">
+                <a:schemeClr val="dk1"/>
+              </a:fontRef>
+            </p:style>
+            <p:txBody>
+              <a:bodyPr rtlCol="0" anchor="ctr"/>
+              <a:lstStyle/>
+              <a:p>
+                <a:pPr algn="ctr"/>
+                <a:r>
+                  <a:rPr lang="en-US" sz="1600" dirty="0">
+                    <a:solidFill>
+                      <a:schemeClr val="bg1"/>
+                    </a:solidFill>
+                  </a:rPr>
+                  <a:t>:Model</a:t>
+                </a:r>
+                <a:endParaRPr lang="en-SG" sz="1600" dirty="0">
+                  <a:solidFill>
+                    <a:schemeClr val="bg1"/>
+                  </a:solidFill>
+                </a:endParaRPr>
+              </a:p>
+            </p:txBody>
+          </p:sp>
+          <p:cxnSp>
+            <p:nvCxnSpPr>
+              <p:cNvPr id="40" name="Straight Connector 39"/>
+              <p:cNvCxnSpPr>
+                <a:cxnSpLocks/>
+              </p:cNvCxnSpPr>
+              <p:nvPr/>
+            </p:nvCxnSpPr>
+            <p:spPr>
+              <a:xfrm>
+                <a:off x="5661362" y="988836"/>
+                <a:ext cx="0" cy="2744964"/>
+              </a:xfrm>
+              <a:prstGeom prst="line">
+                <a:avLst/>
+              </a:prstGeom>
+              <a:ln w="19050">
+                <a:solidFill>
+                  <a:schemeClr val="accent5">
+                    <a:lumMod val="75000"/>
+                  </a:schemeClr>
+                </a:solidFill>
+                <a:prstDash val="sysDash"/>
+              </a:ln>
+              <a:effectLst/>
+            </p:spPr>
+            <p:style>
+              <a:lnRef idx="1">
+                <a:schemeClr val="accent1"/>
+              </a:lnRef>
+              <a:fillRef idx="2">
+                <a:schemeClr val="accent1"/>
+              </a:fillRef>
+              <a:effectRef idx="1">
+                <a:schemeClr val="accent1"/>
+              </a:effectRef>
+              <a:fontRef idx="minor">
+                <a:schemeClr val="dk1"/>
+              </a:fontRef>
+            </p:style>
+          </p:cxnSp>
+          <p:sp>
+            <p:nvSpPr>
+              <p:cNvPr id="41" name="Rectangle 40"/>
+              <p:cNvSpPr/>
+              <p:nvPr/>
+            </p:nvSpPr>
+            <p:spPr>
+              <a:xfrm>
+                <a:off x="5594704" y="1676401"/>
+                <a:ext cx="143637" cy="215440"/>
+              </a:xfrm>
+              <a:prstGeom prst="rect">
+                <a:avLst/>
+              </a:prstGeom>
+              <a:solidFill>
+                <a:schemeClr val="accent5">
+                  <a:lumMod val="75000"/>
+                </a:schemeClr>
+              </a:solidFill>
+              <a:ln>
+                <a:solidFill>
+                  <a:schemeClr val="accent5">
+                    <a:lumMod val="75000"/>
+                  </a:schemeClr>
+                </a:solidFill>
+              </a:ln>
+              <a:effectLst/>
+            </p:spPr>
+            <p:style>
+              <a:lnRef idx="1">
+                <a:schemeClr val="accent3"/>
+              </a:lnRef>
+              <a:fillRef idx="2">
+                <a:schemeClr val="accent3"/>
+              </a:fillRef>
+              <a:effectRef idx="1">
+                <a:schemeClr val="accent3"/>
+              </a:effectRef>
+              <a:fontRef idx="minor">
+                <a:schemeClr val="dk1"/>
+              </a:fontRef>
+            </p:style>
+            <p:txBody>
+              <a:bodyPr rtlCol="0" anchor="ctr"/>
+              <a:lstStyle/>
+              <a:p>
+                <a:pPr algn="ctr"/>
+                <a:endParaRPr lang="en-SG" sz="1400">
+                  <a:solidFill>
+                    <a:schemeClr val="dk1"/>
+                  </a:solidFill>
+                </a:endParaRPr>
+              </a:p>
+            </p:txBody>
+          </p:sp>
+          <p:cxnSp>
+            <p:nvCxnSpPr>
+              <p:cNvPr id="42" name="Straight Arrow Connector 41"/>
+              <p:cNvCxnSpPr/>
+              <p:nvPr/>
+            </p:nvCxnSpPr>
+            <p:spPr>
+              <a:xfrm>
+                <a:off x="3007406" y="1704681"/>
                 <a:ext cx="2568438" cy="0"/>
               </a:xfrm>
               <a:prstGeom prst="straightConnector1">
@@ -4376,774 +4958,416 @@
               </a:fontRef>
             </p:style>
           </p:cxnSp>
-        </p:grpSp>
-        <p:sp>
-          <p:nvSpPr>
-            <p:cNvPr id="19" name="Rectangle 62"/>
-            <p:cNvSpPr/>
-            <p:nvPr/>
-          </p:nvSpPr>
-          <p:spPr>
-            <a:xfrm>
-              <a:off x="1913121" y="628564"/>
-              <a:ext cx="2057393" cy="344660"/>
-            </a:xfrm>
-            <a:prstGeom prst="rect">
-              <a:avLst/>
-            </a:prstGeom>
-            <a:solidFill>
-              <a:srgbClr val="7030A0"/>
-            </a:solidFill>
-            <a:ln w="19050">
-              <a:solidFill>
-                <a:srgbClr val="7030A0"/>
-              </a:solidFill>
-            </a:ln>
-            <a:effectLst/>
-          </p:spPr>
-          <p:style>
-            <a:lnRef idx="1">
-              <a:schemeClr val="accent2"/>
-            </a:lnRef>
-            <a:fillRef idx="2">
-              <a:schemeClr val="accent2"/>
-            </a:fillRef>
-            <a:effectRef idx="1">
-              <a:schemeClr val="accent2"/>
-            </a:effectRef>
-            <a:fontRef idx="minor">
-              <a:schemeClr val="dk1"/>
-            </a:fontRef>
-          </p:style>
-          <p:txBody>
-            <a:bodyPr rtlCol="0" anchor="ctr"/>
-            <a:lstStyle/>
-            <a:p>
-              <a:pPr algn="ctr"/>
-              <a:r>
-                <a:rPr lang="en-US" sz="1600" dirty="0">
-                  <a:solidFill>
-                    <a:schemeClr val="bg1"/>
-                  </a:solidFill>
-                </a:rPr>
-                <a:t>:</a:t>
-              </a:r>
-              <a:r>
-                <a:rPr lang="en-US" sz="1600" dirty="0" err="1">
-                  <a:solidFill>
-                    <a:schemeClr val="bg1"/>
-                  </a:solidFill>
-                </a:rPr>
-                <a:t>AttachmentCommand</a:t>
-              </a:r>
-              <a:endParaRPr lang="en-SG" sz="1600" dirty="0">
-                <a:solidFill>
-                  <a:schemeClr val="bg1"/>
-                </a:solidFill>
-              </a:endParaRPr>
-            </a:p>
-          </p:txBody>
-        </p:sp>
-        <p:cxnSp>
-          <p:nvCxnSpPr>
-            <p:cNvPr id="20" name="Straight Connector 19"/>
-            <p:cNvCxnSpPr>
-              <a:cxnSpLocks/>
-            </p:cNvCxnSpPr>
-            <p:nvPr/>
-          </p:nvCxnSpPr>
-          <p:spPr>
-            <a:xfrm>
-              <a:off x="2941818" y="999453"/>
-              <a:ext cx="0" cy="2734347"/>
-            </a:xfrm>
-            <a:prstGeom prst="line">
-              <a:avLst/>
-            </a:prstGeom>
-            <a:ln w="19050">
-              <a:solidFill>
-                <a:srgbClr val="7030A0"/>
-              </a:solidFill>
-              <a:prstDash val="sysDash"/>
-            </a:ln>
-            <a:effectLst/>
-          </p:spPr>
-          <p:style>
-            <a:lnRef idx="1">
-              <a:schemeClr val="accent1"/>
-            </a:lnRef>
-            <a:fillRef idx="2">
-              <a:schemeClr val="accent1"/>
-            </a:fillRef>
-            <a:effectRef idx="1">
-              <a:schemeClr val="accent1"/>
-            </a:effectRef>
-            <a:fontRef idx="minor">
-              <a:schemeClr val="dk1"/>
-            </a:fontRef>
-          </p:style>
-        </p:cxnSp>
-        <p:sp>
-          <p:nvSpPr>
-            <p:cNvPr id="21" name="Rectangle 20"/>
-            <p:cNvSpPr/>
-            <p:nvPr/>
-          </p:nvSpPr>
-          <p:spPr>
-            <a:xfrm>
-              <a:off x="2869809" y="1566263"/>
-              <a:ext cx="153111" cy="1699347"/>
-            </a:xfrm>
-            <a:prstGeom prst="rect">
-              <a:avLst/>
-            </a:prstGeom>
-            <a:solidFill>
-              <a:srgbClr val="7030A0"/>
-            </a:solidFill>
-            <a:ln>
-              <a:solidFill>
-                <a:srgbClr val="7030A0"/>
-              </a:solidFill>
-            </a:ln>
-            <a:effectLst/>
-          </p:spPr>
-          <p:style>
-            <a:lnRef idx="1">
-              <a:schemeClr val="accent3"/>
-            </a:lnRef>
-            <a:fillRef idx="2">
-              <a:schemeClr val="accent3"/>
-            </a:fillRef>
-            <a:effectRef idx="1">
-              <a:schemeClr val="accent3"/>
-            </a:effectRef>
-            <a:fontRef idx="minor">
-              <a:schemeClr val="dk1"/>
-            </a:fontRef>
-          </p:style>
-          <p:txBody>
-            <a:bodyPr rtlCol="0" anchor="ctr"/>
-            <a:lstStyle/>
-            <a:p>
-              <a:pPr algn="ctr"/>
-              <a:endParaRPr lang="en-SG" sz="1400">
-                <a:solidFill>
-                  <a:schemeClr val="dk1"/>
-                </a:solidFill>
-              </a:endParaRPr>
-            </a:p>
-          </p:txBody>
-        </p:sp>
-        <p:cxnSp>
-          <p:nvCxnSpPr>
-            <p:cNvPr id="28" name="Straight Arrow Connector 27"/>
-            <p:cNvCxnSpPr>
-              <a:cxnSpLocks/>
-            </p:cNvCxnSpPr>
-            <p:nvPr/>
-          </p:nvCxnSpPr>
-          <p:spPr>
-            <a:xfrm>
-              <a:off x="202418" y="1566265"/>
-              <a:ext cx="2667392" cy="0"/>
-            </a:xfrm>
-            <a:prstGeom prst="straightConnector1">
-              <a:avLst/>
-            </a:prstGeom>
-            <a:ln w="19050">
-              <a:solidFill>
-                <a:srgbClr val="0070C0"/>
-              </a:solidFill>
-              <a:tailEnd type="arrow"/>
-            </a:ln>
-          </p:spPr>
-          <p:style>
-            <a:lnRef idx="1">
-              <a:schemeClr val="accent1"/>
-            </a:lnRef>
-            <a:fillRef idx="0">
-              <a:schemeClr val="accent1"/>
-            </a:fillRef>
-            <a:effectRef idx="0">
-              <a:schemeClr val="accent1"/>
-            </a:effectRef>
-            <a:fontRef idx="minor">
-              <a:schemeClr val="tx1"/>
-            </a:fontRef>
-          </p:style>
-        </p:cxnSp>
-        <p:sp>
-          <p:nvSpPr>
-            <p:cNvPr id="29" name="TextBox 28"/>
-            <p:cNvSpPr txBox="1"/>
-            <p:nvPr/>
-          </p:nvSpPr>
-          <p:spPr>
-            <a:xfrm>
-              <a:off x="202418" y="1295400"/>
-              <a:ext cx="2600418" cy="215444"/>
-            </a:xfrm>
-            <a:prstGeom prst="rect">
-              <a:avLst/>
-            </a:prstGeom>
-            <a:noFill/>
-          </p:spPr>
-          <p:txBody>
-            <a:bodyPr wrap="square" lIns="0" tIns="0" rIns="0" bIns="0" rtlCol="0">
-              <a:spAutoFit/>
-            </a:bodyPr>
-            <a:lstStyle/>
-            <a:p>
-              <a:pPr algn="ctr"/>
-              <a:r>
-                <a:rPr lang="en-US" sz="1400" dirty="0">
-                  <a:solidFill>
-                    <a:srgbClr val="7030A0"/>
-                  </a:solidFill>
-                </a:rPr>
-                <a:t>execute(model, history)</a:t>
-              </a:r>
-            </a:p>
-          </p:txBody>
-        </p:sp>
-        <p:sp>
-          <p:nvSpPr>
-            <p:cNvPr id="33" name="TextBox 32"/>
-            <p:cNvSpPr txBox="1"/>
-            <p:nvPr/>
-          </p:nvSpPr>
-          <p:spPr>
-            <a:xfrm>
-              <a:off x="3200400" y="1441318"/>
-              <a:ext cx="2438400" cy="215444"/>
-            </a:xfrm>
-            <a:prstGeom prst="rect">
-              <a:avLst/>
-            </a:prstGeom>
-            <a:noFill/>
-          </p:spPr>
-          <p:txBody>
-            <a:bodyPr wrap="square" lIns="0" tIns="0" rIns="0" bIns="0" rtlCol="0">
-              <a:spAutoFit/>
-            </a:bodyPr>
-            <a:lstStyle/>
-            <a:p>
-              <a:pPr algn="ctr"/>
-              <a:r>
-                <a:rPr lang="en-US" sz="1400" dirty="0" err="1">
-                  <a:solidFill>
-                    <a:schemeClr val="accent5">
-                      <a:lumMod val="75000"/>
-                    </a:schemeClr>
-                  </a:solidFill>
-                </a:rPr>
-                <a:t>getFilteredTaskList</a:t>
-              </a:r>
-              <a:r>
-                <a:rPr lang="en-US" sz="1400" dirty="0">
-                  <a:solidFill>
-                    <a:schemeClr val="accent5">
-                      <a:lumMod val="75000"/>
-                    </a:schemeClr>
-                  </a:solidFill>
-                </a:rPr>
-                <a:t>()</a:t>
-              </a:r>
-            </a:p>
-          </p:txBody>
-        </p:sp>
-        <p:cxnSp>
-          <p:nvCxnSpPr>
-            <p:cNvPr id="34" name="Straight Arrow Connector 33"/>
-            <p:cNvCxnSpPr/>
-            <p:nvPr/>
-          </p:nvCxnSpPr>
-          <p:spPr>
-            <a:xfrm>
-              <a:off x="1042052" y="3244400"/>
-              <a:ext cx="1837184" cy="0"/>
-            </a:xfrm>
-            <a:prstGeom prst="straightConnector1">
-              <a:avLst/>
-            </a:prstGeom>
-            <a:ln w="19050">
-              <a:solidFill>
-                <a:srgbClr val="7030A0"/>
-              </a:solidFill>
-              <a:prstDash val="sysDash"/>
-              <a:headEnd type="arrow" w="med" len="med"/>
-              <a:tailEnd type="none" w="med" len="med"/>
-            </a:ln>
-          </p:spPr>
-          <p:style>
-            <a:lnRef idx="1">
-              <a:schemeClr val="accent1"/>
-            </a:lnRef>
-            <a:fillRef idx="0">
-              <a:schemeClr val="accent1"/>
-            </a:fillRef>
-            <a:effectRef idx="0">
-              <a:schemeClr val="accent1"/>
-            </a:effectRef>
-            <a:fontRef idx="minor">
-              <a:schemeClr val="tx1"/>
-            </a:fontRef>
-          </p:style>
-        </p:cxnSp>
-        <p:sp>
-          <p:nvSpPr>
-            <p:cNvPr id="39" name="Rectangle 62"/>
-            <p:cNvSpPr/>
-            <p:nvPr/>
-          </p:nvSpPr>
-          <p:spPr>
-            <a:xfrm>
-              <a:off x="4740759" y="635782"/>
-              <a:ext cx="1812439" cy="346760"/>
-            </a:xfrm>
-            <a:prstGeom prst="rect">
-              <a:avLst/>
-            </a:prstGeom>
-            <a:solidFill>
-              <a:schemeClr val="accent5">
-                <a:lumMod val="75000"/>
-              </a:schemeClr>
-            </a:solidFill>
-            <a:ln w="19050">
-              <a:solidFill>
-                <a:schemeClr val="accent5">
-                  <a:lumMod val="75000"/>
-                </a:schemeClr>
-              </a:solidFill>
-            </a:ln>
-            <a:effectLst/>
-          </p:spPr>
-          <p:style>
-            <a:lnRef idx="1">
-              <a:schemeClr val="accent2"/>
-            </a:lnRef>
-            <a:fillRef idx="2">
-              <a:schemeClr val="accent2"/>
-            </a:fillRef>
-            <a:effectRef idx="1">
-              <a:schemeClr val="accent2"/>
-            </a:effectRef>
-            <a:fontRef idx="minor">
-              <a:schemeClr val="dk1"/>
-            </a:fontRef>
-          </p:style>
-          <p:txBody>
-            <a:bodyPr rtlCol="0" anchor="ctr"/>
-            <a:lstStyle/>
-            <a:p>
-              <a:pPr algn="ctr"/>
-              <a:r>
-                <a:rPr lang="en-US" sz="1600" dirty="0">
-                  <a:solidFill>
-                    <a:schemeClr val="bg1"/>
-                  </a:solidFill>
-                </a:rPr>
-                <a:t>:Model</a:t>
-              </a:r>
-              <a:endParaRPr lang="en-SG" sz="1600" dirty="0">
-                <a:solidFill>
-                  <a:schemeClr val="bg1"/>
-                </a:solidFill>
-              </a:endParaRPr>
-            </a:p>
-          </p:txBody>
-        </p:sp>
-        <p:cxnSp>
-          <p:nvCxnSpPr>
-            <p:cNvPr id="40" name="Straight Connector 39"/>
-            <p:cNvCxnSpPr>
-              <a:cxnSpLocks/>
-            </p:cNvCxnSpPr>
-            <p:nvPr/>
-          </p:nvCxnSpPr>
-          <p:spPr>
-            <a:xfrm>
-              <a:off x="5661362" y="988836"/>
-              <a:ext cx="0" cy="2744964"/>
-            </a:xfrm>
-            <a:prstGeom prst="line">
-              <a:avLst/>
-            </a:prstGeom>
-            <a:ln w="19050">
-              <a:solidFill>
-                <a:schemeClr val="accent5">
-                  <a:lumMod val="75000"/>
-                </a:schemeClr>
-              </a:solidFill>
-              <a:prstDash val="sysDash"/>
-            </a:ln>
-            <a:effectLst/>
-          </p:spPr>
-          <p:style>
-            <a:lnRef idx="1">
-              <a:schemeClr val="accent1"/>
-            </a:lnRef>
-            <a:fillRef idx="2">
-              <a:schemeClr val="accent1"/>
-            </a:fillRef>
-            <a:effectRef idx="1">
-              <a:schemeClr val="accent1"/>
-            </a:effectRef>
-            <a:fontRef idx="minor">
-              <a:schemeClr val="dk1"/>
-            </a:fontRef>
-          </p:style>
-        </p:cxnSp>
-        <p:sp>
-          <p:nvSpPr>
-            <p:cNvPr id="41" name="Rectangle 40"/>
-            <p:cNvSpPr/>
-            <p:nvPr/>
-          </p:nvSpPr>
-          <p:spPr>
-            <a:xfrm>
-              <a:off x="5594704" y="1676401"/>
-              <a:ext cx="143637" cy="215440"/>
-            </a:xfrm>
-            <a:prstGeom prst="rect">
-              <a:avLst/>
-            </a:prstGeom>
-            <a:solidFill>
-              <a:schemeClr val="accent5">
-                <a:lumMod val="75000"/>
-              </a:schemeClr>
-            </a:solidFill>
-            <a:ln>
-              <a:solidFill>
-                <a:schemeClr val="accent5">
-                  <a:lumMod val="75000"/>
-                </a:schemeClr>
-              </a:solidFill>
-            </a:ln>
-            <a:effectLst/>
-          </p:spPr>
-          <p:style>
-            <a:lnRef idx="1">
-              <a:schemeClr val="accent3"/>
-            </a:lnRef>
-            <a:fillRef idx="2">
-              <a:schemeClr val="accent3"/>
-            </a:fillRef>
-            <a:effectRef idx="1">
-              <a:schemeClr val="accent3"/>
-            </a:effectRef>
-            <a:fontRef idx="minor">
-              <a:schemeClr val="dk1"/>
-            </a:fontRef>
-          </p:style>
-          <p:txBody>
-            <a:bodyPr rtlCol="0" anchor="ctr"/>
-            <a:lstStyle/>
-            <a:p>
-              <a:pPr algn="ctr"/>
-              <a:endParaRPr lang="en-SG" sz="1400">
-                <a:solidFill>
-                  <a:schemeClr val="dk1"/>
-                </a:solidFill>
-              </a:endParaRPr>
-            </a:p>
-          </p:txBody>
-        </p:sp>
-        <p:cxnSp>
-          <p:nvCxnSpPr>
-            <p:cNvPr id="42" name="Straight Arrow Connector 41"/>
-            <p:cNvCxnSpPr/>
-            <p:nvPr/>
-          </p:nvCxnSpPr>
-          <p:spPr>
-            <a:xfrm>
-              <a:off x="3007406" y="1704681"/>
-              <a:ext cx="2568438" cy="0"/>
-            </a:xfrm>
-            <a:prstGeom prst="straightConnector1">
-              <a:avLst/>
-            </a:prstGeom>
-            <a:ln w="19050">
-              <a:solidFill>
-                <a:srgbClr val="7030A0"/>
-              </a:solidFill>
-              <a:tailEnd type="arrow"/>
-            </a:ln>
-          </p:spPr>
-          <p:style>
-            <a:lnRef idx="1">
-              <a:schemeClr val="accent1"/>
-            </a:lnRef>
-            <a:fillRef idx="0">
-              <a:schemeClr val="accent1"/>
-            </a:fillRef>
-            <a:effectRef idx="0">
-              <a:schemeClr val="accent1"/>
-            </a:effectRef>
-            <a:fontRef idx="minor">
-              <a:schemeClr val="tx1"/>
-            </a:fontRef>
-          </p:style>
-        </p:cxnSp>
-        <p:sp>
-          <p:nvSpPr>
-            <p:cNvPr id="53" name="Rectangle 62"/>
-            <p:cNvSpPr/>
-            <p:nvPr/>
-          </p:nvSpPr>
-          <p:spPr>
-            <a:xfrm>
-              <a:off x="7162800" y="643840"/>
-              <a:ext cx="1812438" cy="346760"/>
-            </a:xfrm>
-            <a:prstGeom prst="rect">
-              <a:avLst/>
-            </a:prstGeom>
-            <a:solidFill>
-              <a:schemeClr val="accent6">
-                <a:lumMod val="75000"/>
-              </a:schemeClr>
-            </a:solidFill>
-            <a:ln w="19050">
+          <p:sp>
+            <p:nvSpPr>
+              <p:cNvPr id="53" name="Rectangle 62"/>
+              <p:cNvSpPr/>
+              <p:nvPr/>
+            </p:nvSpPr>
+            <p:spPr>
+              <a:xfrm>
+                <a:off x="7162800" y="643840"/>
+                <a:ext cx="1812438" cy="346760"/>
+              </a:xfrm>
+              <a:prstGeom prst="rect">
+                <a:avLst/>
+              </a:prstGeom>
               <a:solidFill>
                 <a:schemeClr val="accent6">
                   <a:lumMod val="75000"/>
                 </a:schemeClr>
               </a:solidFill>
-            </a:ln>
-            <a:effectLst/>
-          </p:spPr>
-          <p:style>
-            <a:lnRef idx="1">
-              <a:schemeClr val="accent2"/>
-            </a:lnRef>
-            <a:fillRef idx="2">
-              <a:schemeClr val="accent2"/>
-            </a:fillRef>
-            <a:effectRef idx="1">
-              <a:schemeClr val="accent2"/>
-            </a:effectRef>
-            <a:fontRef idx="minor">
-              <a:schemeClr val="dk1"/>
-            </a:fontRef>
-          </p:style>
-          <p:txBody>
-            <a:bodyPr rtlCol="0" anchor="ctr"/>
-            <a:lstStyle/>
-            <a:p>
-              <a:pPr algn="ctr"/>
-              <a:r>
-                <a:rPr lang="en-US" sz="1600" dirty="0">
+              <a:ln w="19050">
+                <a:solidFill>
+                  <a:schemeClr val="accent6">
+                    <a:lumMod val="75000"/>
+                  </a:schemeClr>
+                </a:solidFill>
+              </a:ln>
+              <a:effectLst/>
+            </p:spPr>
+            <p:style>
+              <a:lnRef idx="1">
+                <a:schemeClr val="accent2"/>
+              </a:lnRef>
+              <a:fillRef idx="2">
+                <a:schemeClr val="accent2"/>
+              </a:fillRef>
+              <a:effectRef idx="1">
+                <a:schemeClr val="accent2"/>
+              </a:effectRef>
+              <a:fontRef idx="minor">
+                <a:schemeClr val="dk1"/>
+              </a:fontRef>
+            </p:style>
+            <p:txBody>
+              <a:bodyPr rtlCol="0" anchor="ctr"/>
+              <a:lstStyle/>
+              <a:p>
+                <a:pPr algn="ctr"/>
+                <a:r>
+                  <a:rPr lang="en-US" sz="1600" dirty="0">
+                    <a:solidFill>
+                      <a:schemeClr val="bg1"/>
+                    </a:solidFill>
+                  </a:rPr>
+                  <a:t>:</a:t>
+                </a:r>
+                <a:r>
+                  <a:rPr lang="en-US" sz="1600" dirty="0" err="1">
+                    <a:solidFill>
+                      <a:schemeClr val="bg1"/>
+                    </a:solidFill>
+                  </a:rPr>
+                  <a:t>AttachmentAction</a:t>
+                </a:r>
+                <a:endParaRPr lang="en-SG" sz="1600" dirty="0">
                   <a:solidFill>
                     <a:schemeClr val="bg1"/>
                   </a:solidFill>
-                </a:rPr>
-                <a:t>:</a:t>
-              </a:r>
-              <a:r>
-                <a:rPr lang="en-US" sz="1600" dirty="0" err="1">
-                  <a:solidFill>
-                    <a:schemeClr val="bg1"/>
-                  </a:solidFill>
-                </a:rPr>
-                <a:t>AttachmentAction</a:t>
-              </a:r>
-              <a:endParaRPr lang="en-SG" sz="1600" dirty="0">
+                </a:endParaRPr>
+              </a:p>
+            </p:txBody>
+          </p:sp>
+          <p:cxnSp>
+            <p:nvCxnSpPr>
+              <p:cNvPr id="54" name="Straight Connector 53"/>
+              <p:cNvCxnSpPr>
+                <a:cxnSpLocks/>
+              </p:cNvCxnSpPr>
+              <p:nvPr/>
+            </p:nvCxnSpPr>
+            <p:spPr>
+              <a:xfrm>
+                <a:off x="8073963" y="947652"/>
+                <a:ext cx="0" cy="2786148"/>
+              </a:xfrm>
+              <a:prstGeom prst="line">
+                <a:avLst/>
+              </a:prstGeom>
+              <a:ln w="19050">
                 <a:solidFill>
-                  <a:schemeClr val="bg1"/>
+                  <a:schemeClr val="accent6">
+                    <a:lumMod val="75000"/>
+                  </a:schemeClr>
                 </a:solidFill>
-              </a:endParaRPr>
-            </a:p>
-          </p:txBody>
-        </p:sp>
-        <p:cxnSp>
-          <p:nvCxnSpPr>
-            <p:cNvPr id="54" name="Straight Connector 53"/>
-            <p:cNvCxnSpPr>
-              <a:cxnSpLocks/>
-            </p:cNvCxnSpPr>
-            <p:nvPr/>
-          </p:nvCxnSpPr>
-          <p:spPr>
-            <a:xfrm>
-              <a:off x="8073963" y="947652"/>
-              <a:ext cx="0" cy="2786148"/>
-            </a:xfrm>
-            <a:prstGeom prst="line">
-              <a:avLst/>
-            </a:prstGeom>
-            <a:ln w="19050">
+                <a:prstDash val="sysDash"/>
+              </a:ln>
+              <a:effectLst/>
+            </p:spPr>
+            <p:style>
+              <a:lnRef idx="1">
+                <a:schemeClr val="accent1"/>
+              </a:lnRef>
+              <a:fillRef idx="2">
+                <a:schemeClr val="accent1"/>
+              </a:fillRef>
+              <a:effectRef idx="1">
+                <a:schemeClr val="accent1"/>
+              </a:effectRef>
+              <a:fontRef idx="minor">
+                <a:schemeClr val="dk1"/>
+              </a:fontRef>
+            </p:style>
+          </p:cxnSp>
+          <p:sp>
+            <p:nvSpPr>
+              <p:cNvPr id="55" name="Rectangle 54"/>
+              <p:cNvSpPr/>
+              <p:nvPr/>
+            </p:nvSpPr>
+            <p:spPr>
+              <a:xfrm>
+                <a:off x="8028922" y="2028817"/>
+                <a:ext cx="124478" cy="287409"/>
+              </a:xfrm>
+              <a:prstGeom prst="rect">
+                <a:avLst/>
+              </a:prstGeom>
               <a:solidFill>
                 <a:schemeClr val="accent6">
                   <a:lumMod val="75000"/>
                 </a:schemeClr>
               </a:solidFill>
-              <a:prstDash val="sysDash"/>
-            </a:ln>
-            <a:effectLst/>
-          </p:spPr>
-          <p:style>
-            <a:lnRef idx="1">
-              <a:schemeClr val="accent1"/>
-            </a:lnRef>
-            <a:fillRef idx="2">
-              <a:schemeClr val="accent1"/>
-            </a:fillRef>
-            <a:effectRef idx="1">
-              <a:schemeClr val="accent1"/>
-            </a:effectRef>
-            <a:fontRef idx="minor">
-              <a:schemeClr val="dk1"/>
-            </a:fontRef>
-          </p:style>
-        </p:cxnSp>
-        <p:sp>
-          <p:nvSpPr>
-            <p:cNvPr id="55" name="Rectangle 54"/>
-            <p:cNvSpPr/>
-            <p:nvPr/>
-          </p:nvSpPr>
-          <p:spPr>
-            <a:xfrm>
-              <a:off x="8028922" y="2028817"/>
-              <a:ext cx="124478" cy="287409"/>
-            </a:xfrm>
-            <a:prstGeom prst="rect">
-              <a:avLst/>
-            </a:prstGeom>
-            <a:solidFill>
-              <a:schemeClr val="accent6">
-                <a:lumMod val="75000"/>
-              </a:schemeClr>
-            </a:solidFill>
-            <a:ln>
-              <a:solidFill>
-                <a:schemeClr val="accent6">
-                  <a:lumMod val="75000"/>
-                </a:schemeClr>
-              </a:solidFill>
-            </a:ln>
-            <a:effectLst/>
-          </p:spPr>
-          <p:style>
-            <a:lnRef idx="1">
-              <a:schemeClr val="accent3"/>
-            </a:lnRef>
-            <a:fillRef idx="2">
-              <a:schemeClr val="accent3"/>
-            </a:fillRef>
-            <a:effectRef idx="1">
-              <a:schemeClr val="accent3"/>
-            </a:effectRef>
-            <a:fontRef idx="minor">
-              <a:schemeClr val="dk1"/>
-            </a:fontRef>
-          </p:style>
-          <p:txBody>
-            <a:bodyPr rtlCol="0" anchor="ctr"/>
-            <a:lstStyle/>
-            <a:p>
-              <a:pPr algn="ctr"/>
-              <a:endParaRPr lang="en-SG" sz="1400">
+              <a:ln>
                 <a:solidFill>
-                  <a:schemeClr val="dk1"/>
+                  <a:schemeClr val="accent6">
+                    <a:lumMod val="75000"/>
+                  </a:schemeClr>
                 </a:solidFill>
-              </a:endParaRPr>
-            </a:p>
-          </p:txBody>
-        </p:sp>
-        <p:grpSp>
-          <p:nvGrpSpPr>
-            <p:cNvPr id="31" name="Group 30">
-              <a:extLst>
-                <a:ext uri="{FF2B5EF4-FFF2-40B4-BE49-F238E27FC236}">
-                  <a16:creationId xmlns:a16="http://schemas.microsoft.com/office/drawing/2014/main" id="{2C5E074B-AFCD-42E8-9C10-B528EC520C56}"/>
-                </a:ext>
-              </a:extLst>
-            </p:cNvPr>
-            <p:cNvGrpSpPr/>
-            <p:nvPr/>
-          </p:nvGrpSpPr>
-          <p:grpSpPr>
-            <a:xfrm>
-              <a:off x="2942871" y="2434177"/>
-              <a:ext cx="217350" cy="690023"/>
-              <a:chOff x="2942871" y="2437650"/>
-              <a:chExt cx="217350" cy="690023"/>
-            </a:xfrm>
-          </p:grpSpPr>
-          <p:sp>
-            <p:nvSpPr>
-              <p:cNvPr id="71" name="Freeform 58">
+              </a:ln>
+              <a:effectLst/>
+            </p:spPr>
+            <p:style>
+              <a:lnRef idx="1">
+                <a:schemeClr val="accent3"/>
+              </a:lnRef>
+              <a:fillRef idx="2">
+                <a:schemeClr val="accent3"/>
+              </a:fillRef>
+              <a:effectRef idx="1">
+                <a:schemeClr val="accent3"/>
+              </a:effectRef>
+              <a:fontRef idx="minor">
+                <a:schemeClr val="dk1"/>
+              </a:fontRef>
+            </p:style>
+            <p:txBody>
+              <a:bodyPr rtlCol="0" anchor="ctr"/>
+              <a:lstStyle/>
+              <a:p>
+                <a:pPr algn="ctr"/>
+                <a:endParaRPr lang="en-SG" sz="1400">
+                  <a:solidFill>
+                    <a:schemeClr val="dk1"/>
+                  </a:solidFill>
+                </a:endParaRPr>
+              </a:p>
+            </p:txBody>
+          </p:sp>
+          <p:grpSp>
+            <p:nvGrpSpPr>
+              <p:cNvPr id="31" name="Group 30">
                 <a:extLst>
                   <a:ext uri="{FF2B5EF4-FFF2-40B4-BE49-F238E27FC236}">
-                    <a16:creationId xmlns:a16="http://schemas.microsoft.com/office/drawing/2014/main" id="{11D81225-E361-4653-9C06-31F3FDF98C02}"/>
+                    <a16:creationId xmlns:a16="http://schemas.microsoft.com/office/drawing/2014/main" id="{2C5E074B-AFCD-42E8-9C10-B528EC520C56}"/>
                   </a:ext>
                 </a:extLst>
               </p:cNvPr>
-              <p:cNvSpPr/>
+              <p:cNvGrpSpPr/>
+              <p:nvPr/>
+            </p:nvGrpSpPr>
+            <p:grpSpPr>
+              <a:xfrm>
+                <a:off x="2942870" y="2434177"/>
+                <a:ext cx="217351" cy="961027"/>
+                <a:chOff x="2942870" y="2437650"/>
+                <a:chExt cx="217351" cy="961027"/>
+              </a:xfrm>
+            </p:grpSpPr>
+            <p:sp>
+              <p:nvSpPr>
+                <p:cNvPr id="71" name="Freeform 58">
+                  <a:extLst>
+                    <a:ext uri="{FF2B5EF4-FFF2-40B4-BE49-F238E27FC236}">
+                      <a16:creationId xmlns:a16="http://schemas.microsoft.com/office/drawing/2014/main" id="{11D81225-E361-4653-9C06-31F3FDF98C02}"/>
+                    </a:ext>
+                  </a:extLst>
+                </p:cNvPr>
+                <p:cNvSpPr/>
+                <p:nvPr/>
+              </p:nvSpPr>
+              <p:spPr>
+                <a:xfrm rot="18999002" flipV="1">
+                  <a:off x="2992769" y="2437650"/>
+                  <a:ext cx="167452" cy="116880"/>
+                </a:xfrm>
+                <a:custGeom>
+                  <a:avLst/>
+                  <a:gdLst>
+                    <a:gd name="connsiteX0" fmla="*/ 0 w 226400"/>
+                    <a:gd name="connsiteY0" fmla="*/ 32920 h 171466"/>
+                    <a:gd name="connsiteX1" fmla="*/ 157018 w 226400"/>
+                    <a:gd name="connsiteY1" fmla="*/ 5211 h 171466"/>
+                    <a:gd name="connsiteX2" fmla="*/ 221673 w 226400"/>
+                    <a:gd name="connsiteY2" fmla="*/ 125284 h 171466"/>
+                    <a:gd name="connsiteX3" fmla="*/ 36945 w 226400"/>
+                    <a:gd name="connsiteY3" fmla="*/ 171466 h 171466"/>
+                  </a:gdLst>
+                  <a:ahLst/>
+                  <a:cxnLst>
+                    <a:cxn ang="0">
+                      <a:pos x="connsiteX0" y="connsiteY0"/>
+                    </a:cxn>
+                    <a:cxn ang="0">
+                      <a:pos x="connsiteX1" y="connsiteY1"/>
+                    </a:cxn>
+                    <a:cxn ang="0">
+                      <a:pos x="connsiteX2" y="connsiteY2"/>
+                    </a:cxn>
+                    <a:cxn ang="0">
+                      <a:pos x="connsiteX3" y="connsiteY3"/>
+                    </a:cxn>
+                  </a:cxnLst>
+                  <a:rect l="l" t="t" r="r" b="b"/>
+                  <a:pathLst>
+                    <a:path w="226400" h="171466">
+                      <a:moveTo>
+                        <a:pt x="0" y="32920"/>
+                      </a:moveTo>
+                      <a:cubicBezTo>
+                        <a:pt x="60036" y="11368"/>
+                        <a:pt x="120073" y="-10183"/>
+                        <a:pt x="157018" y="5211"/>
+                      </a:cubicBezTo>
+                      <a:cubicBezTo>
+                        <a:pt x="193963" y="20605"/>
+                        <a:pt x="241685" y="97575"/>
+                        <a:pt x="221673" y="125284"/>
+                      </a:cubicBezTo>
+                      <a:cubicBezTo>
+                        <a:pt x="201661" y="152993"/>
+                        <a:pt x="119303" y="162229"/>
+                        <a:pt x="36945" y="171466"/>
+                      </a:cubicBezTo>
+                    </a:path>
+                  </a:pathLst>
+                </a:custGeom>
+                <a:ln w="19050">
+                  <a:solidFill>
+                    <a:srgbClr val="7030A0"/>
+                  </a:solidFill>
+                  <a:headEnd type="arrow" w="med" len="med"/>
+                  <a:tailEnd type="none" w="med" len="med"/>
+                </a:ln>
+              </p:spPr>
+              <p:style>
+                <a:lnRef idx="1">
+                  <a:schemeClr val="accent1"/>
+                </a:lnRef>
+                <a:fillRef idx="0">
+                  <a:schemeClr val="accent1"/>
+                </a:fillRef>
+                <a:effectRef idx="0">
+                  <a:schemeClr val="accent1"/>
+                </a:effectRef>
+                <a:fontRef idx="minor">
+                  <a:schemeClr val="tx1"/>
+                </a:fontRef>
+              </p:style>
+              <p:txBody>
+                <a:bodyPr rtlCol="0" anchor="ctr"/>
+                <a:lstStyle/>
+                <a:p>
+                  <a:pPr algn="ctr"/>
+                  <a:endParaRPr lang="en-SG"/>
+                </a:p>
+              </p:txBody>
+            </p:sp>
+            <p:sp>
+              <p:nvSpPr>
+                <p:cNvPr id="73" name="Rectangle 72">
+                  <a:extLst>
+                    <a:ext uri="{FF2B5EF4-FFF2-40B4-BE49-F238E27FC236}">
+                      <a16:creationId xmlns:a16="http://schemas.microsoft.com/office/drawing/2014/main" id="{51092907-9B23-4940-8199-D931AB144E1A}"/>
+                    </a:ext>
+                  </a:extLst>
+                </p:cNvPr>
+                <p:cNvSpPr/>
+                <p:nvPr/>
+              </p:nvSpPr>
+              <p:spPr>
+                <a:xfrm flipH="1">
+                  <a:off x="2942870" y="2538130"/>
+                  <a:ext cx="113430" cy="860547"/>
+                </a:xfrm>
+                <a:prstGeom prst="rect">
+                  <a:avLst/>
+                </a:prstGeom>
+                <a:solidFill>
+                  <a:srgbClr val="7030A0"/>
+                </a:solidFill>
+                <a:ln>
+                  <a:solidFill>
+                    <a:schemeClr val="bg1"/>
+                  </a:solidFill>
+                </a:ln>
+                <a:effectLst/>
+              </p:spPr>
+              <p:style>
+                <a:lnRef idx="1">
+                  <a:schemeClr val="accent3"/>
+                </a:lnRef>
+                <a:fillRef idx="2">
+                  <a:schemeClr val="accent3"/>
+                </a:fillRef>
+                <a:effectRef idx="1">
+                  <a:schemeClr val="accent3"/>
+                </a:effectRef>
+                <a:fontRef idx="minor">
+                  <a:schemeClr val="dk1"/>
+                </a:fontRef>
+              </p:style>
+              <p:txBody>
+                <a:bodyPr rtlCol="0" anchor="ctr"/>
+                <a:lstStyle/>
+                <a:p>
+                  <a:pPr algn="ctr"/>
+                  <a:endParaRPr lang="en-SG" sz="1400">
+                    <a:solidFill>
+                      <a:schemeClr val="dk1"/>
+                    </a:solidFill>
+                  </a:endParaRPr>
+                </a:p>
+              </p:txBody>
+            </p:sp>
+          </p:grpSp>
+          <p:sp>
+            <p:nvSpPr>
+              <p:cNvPr id="75" name="TextBox 74">
+                <a:extLst>
+                  <a:ext uri="{FF2B5EF4-FFF2-40B4-BE49-F238E27FC236}">
+                    <a16:creationId xmlns:a16="http://schemas.microsoft.com/office/drawing/2014/main" id="{E6E38CAC-60CD-4573-A774-1361FF05C3C8}"/>
+                  </a:ext>
+                </a:extLst>
+              </p:cNvPr>
+              <p:cNvSpPr txBox="1"/>
               <p:nvPr/>
             </p:nvSpPr>
             <p:spPr>
-              <a:xfrm rot="18999002" flipV="1">
-                <a:off x="2992769" y="2437650"/>
-                <a:ext cx="167452" cy="116880"/>
+              <a:xfrm>
+                <a:off x="2279916" y="2523979"/>
+                <a:ext cx="680301" cy="430887"/>
               </a:xfrm>
-              <a:custGeom>
+              <a:prstGeom prst="rect">
                 <a:avLst/>
-                <a:gdLst>
-                  <a:gd name="connsiteX0" fmla="*/ 0 w 226400"/>
-                  <a:gd name="connsiteY0" fmla="*/ 32920 h 171466"/>
-                  <a:gd name="connsiteX1" fmla="*/ 157018 w 226400"/>
-                  <a:gd name="connsiteY1" fmla="*/ 5211 h 171466"/>
-                  <a:gd name="connsiteX2" fmla="*/ 221673 w 226400"/>
-                  <a:gd name="connsiteY2" fmla="*/ 125284 h 171466"/>
-                  <a:gd name="connsiteX3" fmla="*/ 36945 w 226400"/>
-                  <a:gd name="connsiteY3" fmla="*/ 171466 h 171466"/>
-                </a:gdLst>
-                <a:ahLst/>
-                <a:cxnLst>
-                  <a:cxn ang="0">
-                    <a:pos x="connsiteX0" y="connsiteY0"/>
-                  </a:cxn>
-                  <a:cxn ang="0">
-                    <a:pos x="connsiteX1" y="connsiteY1"/>
-                  </a:cxn>
-                  <a:cxn ang="0">
-                    <a:pos x="connsiteX2" y="connsiteY2"/>
-                  </a:cxn>
-                  <a:cxn ang="0">
-                    <a:pos x="connsiteX3" y="connsiteY3"/>
-                  </a:cxn>
-                </a:cxnLst>
-                <a:rect l="l" t="t" r="r" b="b"/>
-                <a:pathLst>
-                  <a:path w="226400" h="171466">
-                    <a:moveTo>
-                      <a:pt x="0" y="32920"/>
-                    </a:moveTo>
-                    <a:cubicBezTo>
-                      <a:pt x="60036" y="11368"/>
-                      <a:pt x="120073" y="-10183"/>
-                      <a:pt x="157018" y="5211"/>
-                    </a:cubicBezTo>
-                    <a:cubicBezTo>
-                      <a:pt x="193963" y="20605"/>
-                      <a:pt x="241685" y="97575"/>
-                      <a:pt x="221673" y="125284"/>
-                    </a:cubicBezTo>
-                    <a:cubicBezTo>
-                      <a:pt x="201661" y="152993"/>
-                      <a:pt x="119303" y="162229"/>
-                      <a:pt x="36945" y="171466"/>
-                    </a:cubicBezTo>
-                  </a:path>
-                </a:pathLst>
-              </a:custGeom>
+              </a:prstGeom>
+              <a:noFill/>
+            </p:spPr>
+            <p:txBody>
+              <a:bodyPr wrap="square" lIns="0" tIns="0" rIns="0" bIns="0" rtlCol="0">
+                <a:spAutoFit/>
+              </a:bodyPr>
+              <a:lstStyle/>
+              <a:p>
+                <a:r>
+                  <a:rPr lang="en-US" sz="1400" dirty="0">
+                    <a:solidFill>
+                      <a:srgbClr val="7030A0"/>
+                    </a:solidFill>
+                  </a:rPr>
+                  <a:t>Update Model</a:t>
+                </a:r>
+              </a:p>
+            </p:txBody>
+          </p:sp>
+          <p:cxnSp>
+            <p:nvCxnSpPr>
+              <p:cNvPr id="56" name="Straight Arrow Connector 55">
+                <a:extLst>
+                  <a:ext uri="{FF2B5EF4-FFF2-40B4-BE49-F238E27FC236}">
+                    <a16:creationId xmlns:a16="http://schemas.microsoft.com/office/drawing/2014/main" id="{26EA0FC8-EC7D-4D73-A592-DE223F0A31BF}"/>
+                  </a:ext>
+                </a:extLst>
+              </p:cNvPr>
+              <p:cNvCxnSpPr/>
+              <p:nvPr/>
+            </p:nvCxnSpPr>
+            <p:spPr>
+              <a:xfrm>
+                <a:off x="3048000" y="1905000"/>
+                <a:ext cx="2549946" cy="0"/>
+              </a:xfrm>
+              <a:prstGeom prst="straightConnector1">
+                <a:avLst/>
+              </a:prstGeom>
               <a:ln w="19050">
                 <a:solidFill>
-                  <a:srgbClr val="7030A0"/>
+                  <a:schemeClr val="accent5">
+                    <a:lumMod val="75000"/>
+                  </a:schemeClr>
                 </a:solidFill>
+                <a:prstDash val="sysDash"/>
                 <a:headEnd type="arrow" w="med" len="med"/>
                 <a:tailEnd type="none" w="med" len="med"/>
               </a:ln>
@@ -5162,21 +5386,712 @@
                 <a:schemeClr val="tx1"/>
               </a:fontRef>
             </p:style>
+          </p:cxnSp>
+          <p:cxnSp>
+            <p:nvCxnSpPr>
+              <p:cNvPr id="57" name="Straight Arrow Connector 56">
+                <a:extLst>
+                  <a:ext uri="{FF2B5EF4-FFF2-40B4-BE49-F238E27FC236}">
+                    <a16:creationId xmlns:a16="http://schemas.microsoft.com/office/drawing/2014/main" id="{32F3404B-1601-414B-95B2-7E3A6DAD2BF6}"/>
+                  </a:ext>
+                </a:extLst>
+              </p:cNvPr>
+              <p:cNvCxnSpPr>
+                <a:cxnSpLocks/>
+              </p:cNvCxnSpPr>
+              <p:nvPr/>
+            </p:nvCxnSpPr>
+            <p:spPr>
+              <a:xfrm>
+                <a:off x="2994162" y="2031583"/>
+                <a:ext cx="5034760" cy="0"/>
+              </a:xfrm>
+              <a:prstGeom prst="straightConnector1">
+                <a:avLst/>
+              </a:prstGeom>
+              <a:ln w="19050">
+                <a:solidFill>
+                  <a:srgbClr val="7030A0"/>
+                </a:solidFill>
+                <a:tailEnd type="arrow"/>
+              </a:ln>
+            </p:spPr>
+            <p:style>
+              <a:lnRef idx="1">
+                <a:schemeClr val="accent1"/>
+              </a:lnRef>
+              <a:fillRef idx="0">
+                <a:schemeClr val="accent1"/>
+              </a:fillRef>
+              <a:effectRef idx="0">
+                <a:schemeClr val="accent1"/>
+              </a:effectRef>
+              <a:fontRef idx="minor">
+                <a:schemeClr val="tx1"/>
+              </a:fontRef>
+            </p:style>
+          </p:cxnSp>
+          <p:sp>
+            <p:nvSpPr>
+              <p:cNvPr id="62" name="TextBox 61">
+                <a:extLst>
+                  <a:ext uri="{FF2B5EF4-FFF2-40B4-BE49-F238E27FC236}">
+                    <a16:creationId xmlns:a16="http://schemas.microsoft.com/office/drawing/2014/main" id="{ACFB368B-BE7F-49BC-BA12-BE0B2ABC5B05}"/>
+                  </a:ext>
+                </a:extLst>
+              </p:cNvPr>
+              <p:cNvSpPr txBox="1"/>
+              <p:nvPr/>
+            </p:nvSpPr>
+            <p:spPr>
+              <a:xfrm>
+                <a:off x="5773466" y="1752600"/>
+                <a:ext cx="2187568" cy="215444"/>
+              </a:xfrm>
+              <a:prstGeom prst="rect">
+                <a:avLst/>
+              </a:prstGeom>
+              <a:noFill/>
+            </p:spPr>
             <p:txBody>
-              <a:bodyPr rtlCol="0" anchor="ctr"/>
+              <a:bodyPr wrap="square" lIns="0" tIns="0" rIns="0" bIns="0" rtlCol="0">
+                <a:spAutoFit/>
+              </a:bodyPr>
               <a:lstStyle/>
               <a:p>
                 <a:pPr algn="ctr"/>
-                <a:endParaRPr lang="en-SG"/>
+                <a:r>
+                  <a:rPr lang="en-US" sz="1400" dirty="0">
+                    <a:solidFill>
+                      <a:schemeClr val="accent6">
+                        <a:lumMod val="75000"/>
+                      </a:schemeClr>
+                    </a:solidFill>
+                  </a:rPr>
+                  <a:t>perform(</a:t>
+                </a:r>
+                <a:r>
+                  <a:rPr lang="en-US" sz="1400" dirty="0" err="1">
+                    <a:solidFill>
+                      <a:schemeClr val="accent6">
+                        <a:lumMod val="75000"/>
+                      </a:schemeClr>
+                    </a:solidFill>
+                  </a:rPr>
+                  <a:t>taskToEdit</a:t>
+                </a:r>
+                <a:r>
+                  <a:rPr lang="en-US" sz="1400" dirty="0">
+                    <a:solidFill>
+                      <a:schemeClr val="accent6">
+                        <a:lumMod val="75000"/>
+                      </a:schemeClr>
+                    </a:solidFill>
+                  </a:rPr>
+                  <a:t>)</a:t>
+                </a:r>
+              </a:p>
+            </p:txBody>
+          </p:sp>
+          <p:cxnSp>
+            <p:nvCxnSpPr>
+              <p:cNvPr id="65" name="Straight Arrow Connector 64">
+                <a:extLst>
+                  <a:ext uri="{FF2B5EF4-FFF2-40B4-BE49-F238E27FC236}">
+                    <a16:creationId xmlns:a16="http://schemas.microsoft.com/office/drawing/2014/main" id="{CF31DB19-7F3D-4CEA-B282-5BEF38E55426}"/>
+                  </a:ext>
+                </a:extLst>
+              </p:cNvPr>
+              <p:cNvCxnSpPr>
+                <a:cxnSpLocks/>
+              </p:cNvCxnSpPr>
+              <p:nvPr/>
+            </p:nvCxnSpPr>
+            <p:spPr>
+              <a:xfrm flipH="1">
+                <a:off x="3023906" y="2286000"/>
+                <a:ext cx="5053294" cy="0"/>
+              </a:xfrm>
+              <a:prstGeom prst="straightConnector1">
+                <a:avLst/>
+              </a:prstGeom>
+              <a:ln w="19050">
+                <a:solidFill>
+                  <a:schemeClr val="accent6">
+                    <a:lumMod val="75000"/>
+                  </a:schemeClr>
+                </a:solidFill>
+                <a:prstDash val="sysDash"/>
+                <a:headEnd type="none" w="med" len="med"/>
+                <a:tailEnd type="arrow" w="med" len="med"/>
+              </a:ln>
+            </p:spPr>
+            <p:style>
+              <a:lnRef idx="1">
+                <a:schemeClr val="accent1"/>
+              </a:lnRef>
+              <a:fillRef idx="0">
+                <a:schemeClr val="accent1"/>
+              </a:fillRef>
+              <a:effectRef idx="0">
+                <a:schemeClr val="accent1"/>
+              </a:effectRef>
+              <a:fontRef idx="minor">
+                <a:schemeClr val="tx1"/>
+              </a:fontRef>
+            </p:style>
+          </p:cxnSp>
+          <p:sp>
+            <p:nvSpPr>
+              <p:cNvPr id="66" name="TextBox 65">
+                <a:extLst>
+                  <a:ext uri="{FF2B5EF4-FFF2-40B4-BE49-F238E27FC236}">
+                    <a16:creationId xmlns:a16="http://schemas.microsoft.com/office/drawing/2014/main" id="{A74463E8-F58A-4D6F-9F1F-2042E5F1BA22}"/>
+                  </a:ext>
+                </a:extLst>
+              </p:cNvPr>
+              <p:cNvSpPr txBox="1"/>
+              <p:nvPr/>
+            </p:nvSpPr>
+            <p:spPr>
+              <a:xfrm>
+                <a:off x="5612618" y="2070556"/>
+                <a:ext cx="2600418" cy="215444"/>
+              </a:xfrm>
+              <a:prstGeom prst="rect">
+                <a:avLst/>
+              </a:prstGeom>
+              <a:noFill/>
+            </p:spPr>
+            <p:txBody>
+              <a:bodyPr wrap="square" lIns="0" tIns="0" rIns="0" bIns="0" rtlCol="0">
+                <a:spAutoFit/>
+              </a:bodyPr>
+              <a:lstStyle/>
+              <a:p>
+                <a:pPr algn="ctr"/>
+                <a:r>
+                  <a:rPr lang="en-US" sz="1400" dirty="0" err="1">
+                    <a:solidFill>
+                      <a:srgbClr val="7030A0"/>
+                    </a:solidFill>
+                  </a:rPr>
+                  <a:t>ActionResult</a:t>
+                </a:r>
+                <a:endParaRPr lang="en-US" sz="1400" dirty="0">
+                  <a:solidFill>
+                    <a:srgbClr val="7030A0"/>
+                  </a:solidFill>
+                </a:endParaRPr>
+              </a:p>
+            </p:txBody>
+          </p:sp>
+          <p:grpSp>
+            <p:nvGrpSpPr>
+              <p:cNvPr id="67" name="Group 66">
+                <a:extLst>
+                  <a:ext uri="{FF2B5EF4-FFF2-40B4-BE49-F238E27FC236}">
+                    <a16:creationId xmlns:a16="http://schemas.microsoft.com/office/drawing/2014/main" id="{3EAF3E80-E694-444F-917B-3DA749D93492}"/>
+                  </a:ext>
+                </a:extLst>
+              </p:cNvPr>
+              <p:cNvGrpSpPr/>
+              <p:nvPr/>
+            </p:nvGrpSpPr>
+            <p:grpSpPr>
+              <a:xfrm flipH="1">
+                <a:off x="8089242" y="1981200"/>
+                <a:ext cx="217349" cy="270072"/>
+                <a:chOff x="1028134" y="5612032"/>
+                <a:chExt cx="217349" cy="270072"/>
+              </a:xfrm>
+            </p:grpSpPr>
+            <p:sp>
+              <p:nvSpPr>
+                <p:cNvPr id="68" name="Freeform 58">
+                  <a:extLst>
+                    <a:ext uri="{FF2B5EF4-FFF2-40B4-BE49-F238E27FC236}">
+                      <a16:creationId xmlns:a16="http://schemas.microsoft.com/office/drawing/2014/main" id="{A39D8D0C-3E82-4377-9F9B-066EDF1553B1}"/>
+                    </a:ext>
+                  </a:extLst>
+                </p:cNvPr>
+                <p:cNvSpPr/>
+                <p:nvPr/>
+              </p:nvSpPr>
+              <p:spPr>
+                <a:xfrm rot="2600998" flipH="1" flipV="1">
+                  <a:off x="1028134" y="5612032"/>
+                  <a:ext cx="167452" cy="116880"/>
+                </a:xfrm>
+                <a:custGeom>
+                  <a:avLst/>
+                  <a:gdLst>
+                    <a:gd name="connsiteX0" fmla="*/ 0 w 226400"/>
+                    <a:gd name="connsiteY0" fmla="*/ 32920 h 171466"/>
+                    <a:gd name="connsiteX1" fmla="*/ 157018 w 226400"/>
+                    <a:gd name="connsiteY1" fmla="*/ 5211 h 171466"/>
+                    <a:gd name="connsiteX2" fmla="*/ 221673 w 226400"/>
+                    <a:gd name="connsiteY2" fmla="*/ 125284 h 171466"/>
+                    <a:gd name="connsiteX3" fmla="*/ 36945 w 226400"/>
+                    <a:gd name="connsiteY3" fmla="*/ 171466 h 171466"/>
+                  </a:gdLst>
+                  <a:ahLst/>
+                  <a:cxnLst>
+                    <a:cxn ang="0">
+                      <a:pos x="connsiteX0" y="connsiteY0"/>
+                    </a:cxn>
+                    <a:cxn ang="0">
+                      <a:pos x="connsiteX1" y="connsiteY1"/>
+                    </a:cxn>
+                    <a:cxn ang="0">
+                      <a:pos x="connsiteX2" y="connsiteY2"/>
+                    </a:cxn>
+                    <a:cxn ang="0">
+                      <a:pos x="connsiteX3" y="connsiteY3"/>
+                    </a:cxn>
+                  </a:cxnLst>
+                  <a:rect l="l" t="t" r="r" b="b"/>
+                  <a:pathLst>
+                    <a:path w="226400" h="171466">
+                      <a:moveTo>
+                        <a:pt x="0" y="32920"/>
+                      </a:moveTo>
+                      <a:cubicBezTo>
+                        <a:pt x="60036" y="11368"/>
+                        <a:pt x="120073" y="-10183"/>
+                        <a:pt x="157018" y="5211"/>
+                      </a:cubicBezTo>
+                      <a:cubicBezTo>
+                        <a:pt x="193963" y="20605"/>
+                        <a:pt x="241685" y="97575"/>
+                        <a:pt x="221673" y="125284"/>
+                      </a:cubicBezTo>
+                      <a:cubicBezTo>
+                        <a:pt x="201661" y="152993"/>
+                        <a:pt x="119303" y="162229"/>
+                        <a:pt x="36945" y="171466"/>
+                      </a:cubicBezTo>
+                    </a:path>
+                  </a:pathLst>
+                </a:custGeom>
+                <a:ln w="19050">
+                  <a:solidFill>
+                    <a:schemeClr val="accent6">
+                      <a:lumMod val="75000"/>
+                    </a:schemeClr>
+                  </a:solidFill>
+                  <a:headEnd type="arrow" w="med" len="med"/>
+                  <a:tailEnd type="none" w="med" len="med"/>
+                </a:ln>
+              </p:spPr>
+              <p:style>
+                <a:lnRef idx="1">
+                  <a:schemeClr val="accent1"/>
+                </a:lnRef>
+                <a:fillRef idx="0">
+                  <a:schemeClr val="accent1"/>
+                </a:fillRef>
+                <a:effectRef idx="0">
+                  <a:schemeClr val="accent1"/>
+                </a:effectRef>
+                <a:fontRef idx="minor">
+                  <a:schemeClr val="tx1"/>
+                </a:fontRef>
+              </p:style>
+              <p:txBody>
+                <a:bodyPr rtlCol="0" anchor="ctr"/>
+                <a:lstStyle/>
+                <a:p>
+                  <a:pPr algn="ctr"/>
+                  <a:endParaRPr lang="en-SG"/>
+                </a:p>
+              </p:txBody>
+            </p:sp>
+            <p:sp>
+              <p:nvSpPr>
+                <p:cNvPr id="69" name="Rectangle 68">
+                  <a:extLst>
+                    <a:ext uri="{FF2B5EF4-FFF2-40B4-BE49-F238E27FC236}">
+                      <a16:creationId xmlns:a16="http://schemas.microsoft.com/office/drawing/2014/main" id="{384E82E8-ECF2-47A6-987A-ADC58D1530B9}"/>
+                    </a:ext>
+                  </a:extLst>
+                </p:cNvPr>
+                <p:cNvSpPr/>
+                <p:nvPr/>
+              </p:nvSpPr>
+              <p:spPr>
+                <a:xfrm>
+                  <a:off x="1147403" y="5712513"/>
+                  <a:ext cx="98080" cy="169591"/>
+                </a:xfrm>
+                <a:prstGeom prst="rect">
+                  <a:avLst/>
+                </a:prstGeom>
+                <a:solidFill>
+                  <a:schemeClr val="accent6">
+                    <a:lumMod val="75000"/>
+                  </a:schemeClr>
+                </a:solidFill>
+                <a:ln>
+                  <a:solidFill>
+                    <a:schemeClr val="bg1"/>
+                  </a:solidFill>
+                </a:ln>
+                <a:effectLst/>
+              </p:spPr>
+              <p:style>
+                <a:lnRef idx="1">
+                  <a:schemeClr val="accent3"/>
+                </a:lnRef>
+                <a:fillRef idx="2">
+                  <a:schemeClr val="accent3"/>
+                </a:fillRef>
+                <a:effectRef idx="1">
+                  <a:schemeClr val="accent3"/>
+                </a:effectRef>
+                <a:fontRef idx="minor">
+                  <a:schemeClr val="dk1"/>
+                </a:fontRef>
+              </p:style>
+              <p:txBody>
+                <a:bodyPr rtlCol="0" anchor="ctr"/>
+                <a:lstStyle/>
+                <a:p>
+                  <a:pPr algn="ctr"/>
+                  <a:endParaRPr lang="en-SG" sz="1400">
+                    <a:solidFill>
+                      <a:schemeClr val="dk1"/>
+                    </a:solidFill>
+                  </a:endParaRPr>
+                </a:p>
+              </p:txBody>
+            </p:sp>
+          </p:grpSp>
+          <p:sp>
+            <p:nvSpPr>
+              <p:cNvPr id="70" name="TextBox 69">
+                <a:extLst>
+                  <a:ext uri="{FF2B5EF4-FFF2-40B4-BE49-F238E27FC236}">
+                    <a16:creationId xmlns:a16="http://schemas.microsoft.com/office/drawing/2014/main" id="{EC13D990-E232-4908-BAFB-38A2A1F8F050}"/>
+                  </a:ext>
+                </a:extLst>
+              </p:cNvPr>
+              <p:cNvSpPr txBox="1"/>
+              <p:nvPr/>
+            </p:nvSpPr>
+            <p:spPr>
+              <a:xfrm>
+                <a:off x="8334205" y="1905000"/>
+                <a:ext cx="733595" cy="646331"/>
+              </a:xfrm>
+              <a:prstGeom prst="rect">
+                <a:avLst/>
+              </a:prstGeom>
+              <a:noFill/>
+            </p:spPr>
+            <p:txBody>
+              <a:bodyPr wrap="square" lIns="0" tIns="0" rIns="0" bIns="0" rtlCol="0">
+                <a:spAutoFit/>
+              </a:bodyPr>
+              <a:lstStyle/>
+              <a:p>
+                <a:r>
+                  <a:rPr lang="en-US" sz="1400" dirty="0">
+                    <a:solidFill>
+                      <a:schemeClr val="accent6">
+                        <a:lumMod val="75000"/>
+                      </a:schemeClr>
+                    </a:solidFill>
+                  </a:rPr>
+                  <a:t>Action Specific Methods</a:t>
+                </a:r>
               </a:p>
             </p:txBody>
           </p:sp>
           <p:sp>
             <p:nvSpPr>
-              <p:cNvPr id="73" name="Rectangle 72">
+              <p:cNvPr id="85" name="TextBox 84">
                 <a:extLst>
                   <a:ext uri="{FF2B5EF4-FFF2-40B4-BE49-F238E27FC236}">
-                    <a16:creationId xmlns:a16="http://schemas.microsoft.com/office/drawing/2014/main" id="{51092907-9B23-4940-8199-D931AB144E1A}"/>
+                    <a16:creationId xmlns:a16="http://schemas.microsoft.com/office/drawing/2014/main" id="{977E1736-072B-4DB2-BA29-88067856E6C5}"/>
+                  </a:ext>
+                </a:extLst>
+              </p:cNvPr>
+              <p:cNvSpPr txBox="1"/>
+              <p:nvPr/>
+            </p:nvSpPr>
+            <p:spPr>
+              <a:xfrm>
+                <a:off x="609600" y="3332167"/>
+                <a:ext cx="2600418" cy="215444"/>
+              </a:xfrm>
+              <a:prstGeom prst="rect">
+                <a:avLst/>
+              </a:prstGeom>
+              <a:noFill/>
+              <a:ln>
+                <a:noFill/>
+              </a:ln>
+            </p:spPr>
+            <p:txBody>
+              <a:bodyPr wrap="square" lIns="0" tIns="0" rIns="0" bIns="0" rtlCol="0">
+                <a:spAutoFit/>
+              </a:bodyPr>
+              <a:lstStyle/>
+              <a:p>
+                <a:pPr algn="ctr"/>
+                <a:r>
+                  <a:rPr lang="en-US" sz="1400" dirty="0" err="1">
+                    <a:solidFill>
+                      <a:srgbClr val="0070C0"/>
+                    </a:solidFill>
+                  </a:rPr>
+                  <a:t>CommandResult</a:t>
+                </a:r>
+                <a:endParaRPr lang="en-US" sz="1400" dirty="0">
+                  <a:solidFill>
+                    <a:srgbClr val="0070C0"/>
+                  </a:solidFill>
+                </a:endParaRPr>
+              </a:p>
+            </p:txBody>
+          </p:sp>
+          <p:grpSp>
+            <p:nvGrpSpPr>
+              <p:cNvPr id="109" name="Group 108">
+                <a:extLst>
+                  <a:ext uri="{FF2B5EF4-FFF2-40B4-BE49-F238E27FC236}">
+                    <a16:creationId xmlns:a16="http://schemas.microsoft.com/office/drawing/2014/main" id="{8D8295EB-DB8A-474E-B3F8-2FE62003792D}"/>
+                  </a:ext>
+                </a:extLst>
+              </p:cNvPr>
+              <p:cNvGrpSpPr/>
+              <p:nvPr/>
+            </p:nvGrpSpPr>
+            <p:grpSpPr>
+              <a:xfrm>
+                <a:off x="3048000" y="2375356"/>
+                <a:ext cx="2602899" cy="215444"/>
+                <a:chOff x="3076495" y="3442156"/>
+                <a:chExt cx="2602899" cy="215444"/>
+              </a:xfrm>
+            </p:grpSpPr>
+            <p:sp>
+              <p:nvSpPr>
+                <p:cNvPr id="110" name="TextBox 109">
+                  <a:extLst>
+                    <a:ext uri="{FF2B5EF4-FFF2-40B4-BE49-F238E27FC236}">
+                      <a16:creationId xmlns:a16="http://schemas.microsoft.com/office/drawing/2014/main" id="{1CBF52E4-56D8-4979-AB18-F56695BA0B5D}"/>
+                    </a:ext>
+                  </a:extLst>
+                </p:cNvPr>
+                <p:cNvSpPr txBox="1"/>
+                <p:nvPr/>
+              </p:nvSpPr>
+              <p:spPr>
+                <a:xfrm>
+                  <a:off x="3240994" y="3442156"/>
+                  <a:ext cx="2438400" cy="215444"/>
+                </a:xfrm>
+                <a:prstGeom prst="rect">
+                  <a:avLst/>
+                </a:prstGeom>
+                <a:noFill/>
+              </p:spPr>
+              <p:txBody>
+                <a:bodyPr wrap="square" lIns="0" tIns="0" rIns="0" bIns="0" rtlCol="0">
+                  <a:spAutoFit/>
+                </a:bodyPr>
+                <a:lstStyle/>
+                <a:p>
+                  <a:pPr algn="ctr"/>
+                  <a:r>
+                    <a:rPr lang="en-US" sz="1400" dirty="0" err="1">
+                      <a:solidFill>
+                        <a:schemeClr val="accent5">
+                          <a:lumMod val="75000"/>
+                        </a:schemeClr>
+                      </a:solidFill>
+                    </a:rPr>
+                    <a:t>updateTask</a:t>
+                  </a:r>
+                  <a:r>
+                    <a:rPr lang="en-US" sz="1400" dirty="0">
+                      <a:solidFill>
+                        <a:schemeClr val="accent5">
+                          <a:lumMod val="75000"/>
+                        </a:schemeClr>
+                      </a:solidFill>
+                    </a:rPr>
+                    <a:t>(…)</a:t>
+                  </a:r>
+                </a:p>
+              </p:txBody>
+            </p:sp>
+            <p:cxnSp>
+              <p:nvCxnSpPr>
+                <p:cNvPr id="111" name="Straight Arrow Connector 110">
+                  <a:extLst>
+                    <a:ext uri="{FF2B5EF4-FFF2-40B4-BE49-F238E27FC236}">
+                      <a16:creationId xmlns:a16="http://schemas.microsoft.com/office/drawing/2014/main" id="{166DED16-B1D3-406E-B121-081E05980D24}"/>
+                    </a:ext>
+                  </a:extLst>
+                </p:cNvPr>
+                <p:cNvCxnSpPr/>
+                <p:nvPr/>
+              </p:nvCxnSpPr>
+              <p:spPr>
+                <a:xfrm>
+                  <a:off x="3076495" y="3657600"/>
+                  <a:ext cx="2568438" cy="0"/>
+                </a:xfrm>
+                <a:prstGeom prst="straightConnector1">
+                  <a:avLst/>
+                </a:prstGeom>
+                <a:ln w="19050">
+                  <a:solidFill>
+                    <a:srgbClr val="7030A0"/>
+                  </a:solidFill>
+                  <a:tailEnd type="arrow"/>
+                </a:ln>
+              </p:spPr>
+              <p:style>
+                <a:lnRef idx="1">
+                  <a:schemeClr val="accent1"/>
+                </a:lnRef>
+                <a:fillRef idx="0">
+                  <a:schemeClr val="accent1"/>
+                </a:fillRef>
+                <a:effectRef idx="0">
+                  <a:schemeClr val="accent1"/>
+                </a:effectRef>
+                <a:fontRef idx="minor">
+                  <a:schemeClr val="tx1"/>
+                </a:fontRef>
+              </p:style>
+            </p:cxnSp>
+          </p:grpSp>
+          <p:grpSp>
+            <p:nvGrpSpPr>
+              <p:cNvPr id="112" name="Group 111">
+                <a:extLst>
+                  <a:ext uri="{FF2B5EF4-FFF2-40B4-BE49-F238E27FC236}">
+                    <a16:creationId xmlns:a16="http://schemas.microsoft.com/office/drawing/2014/main" id="{7BE142AE-4C03-40A7-9DDE-01626A6C0159}"/>
+                  </a:ext>
+                </a:extLst>
+              </p:cNvPr>
+              <p:cNvGrpSpPr/>
+              <p:nvPr/>
+            </p:nvGrpSpPr>
+            <p:grpSpPr>
+              <a:xfrm>
+                <a:off x="3048000" y="2680156"/>
+                <a:ext cx="2602899" cy="215444"/>
+                <a:chOff x="3076495" y="3531512"/>
+                <a:chExt cx="2602899" cy="215444"/>
+              </a:xfrm>
+            </p:grpSpPr>
+            <p:sp>
+              <p:nvSpPr>
+                <p:cNvPr id="113" name="TextBox 112">
+                  <a:extLst>
+                    <a:ext uri="{FF2B5EF4-FFF2-40B4-BE49-F238E27FC236}">
+                      <a16:creationId xmlns:a16="http://schemas.microsoft.com/office/drawing/2014/main" id="{2927C1E5-DA2E-4D55-ACEB-DCC191B49EDF}"/>
+                    </a:ext>
+                  </a:extLst>
+                </p:cNvPr>
+                <p:cNvSpPr txBox="1"/>
+                <p:nvPr/>
+              </p:nvSpPr>
+              <p:spPr>
+                <a:xfrm>
+                  <a:off x="3240994" y="3531512"/>
+                  <a:ext cx="2438400" cy="215444"/>
+                </a:xfrm>
+                <a:prstGeom prst="rect">
+                  <a:avLst/>
+                </a:prstGeom>
+                <a:noFill/>
+              </p:spPr>
+              <p:txBody>
+                <a:bodyPr wrap="square" lIns="0" tIns="0" rIns="0" bIns="0" rtlCol="0">
+                  <a:spAutoFit/>
+                </a:bodyPr>
+                <a:lstStyle/>
+                <a:p>
+                  <a:pPr algn="ctr"/>
+                  <a:r>
+                    <a:rPr lang="en-US" sz="1400" dirty="0" err="1">
+                      <a:solidFill>
+                        <a:schemeClr val="accent5">
+                          <a:lumMod val="75000"/>
+                        </a:schemeClr>
+                      </a:solidFill>
+                    </a:rPr>
+                    <a:t>updateFilteredTaskList</a:t>
+                  </a:r>
+                  <a:r>
+                    <a:rPr lang="en-US" sz="1400" dirty="0">
+                      <a:solidFill>
+                        <a:schemeClr val="accent5">
+                          <a:lumMod val="75000"/>
+                        </a:schemeClr>
+                      </a:solidFill>
+                    </a:rPr>
+                    <a:t>(…)</a:t>
+                  </a:r>
+                </a:p>
+              </p:txBody>
+            </p:sp>
+            <p:cxnSp>
+              <p:nvCxnSpPr>
+                <p:cNvPr id="114" name="Straight Arrow Connector 113">
+                  <a:extLst>
+                    <a:ext uri="{FF2B5EF4-FFF2-40B4-BE49-F238E27FC236}">
+                      <a16:creationId xmlns:a16="http://schemas.microsoft.com/office/drawing/2014/main" id="{9AA3BC36-99BF-4661-B824-09F5CF393EA5}"/>
+                    </a:ext>
+                  </a:extLst>
+                </p:cNvPr>
+                <p:cNvCxnSpPr/>
+                <p:nvPr/>
+              </p:nvCxnSpPr>
+              <p:spPr>
+                <a:xfrm>
+                  <a:off x="3076495" y="3746956"/>
+                  <a:ext cx="2568438" cy="0"/>
+                </a:xfrm>
+                <a:prstGeom prst="straightConnector1">
+                  <a:avLst/>
+                </a:prstGeom>
+                <a:ln w="19050">
+                  <a:solidFill>
+                    <a:srgbClr val="7030A0"/>
+                  </a:solidFill>
+                  <a:tailEnd type="arrow"/>
+                </a:ln>
+              </p:spPr>
+              <p:style>
+                <a:lnRef idx="1">
+                  <a:schemeClr val="accent1"/>
+                </a:lnRef>
+                <a:fillRef idx="0">
+                  <a:schemeClr val="accent1"/>
+                </a:fillRef>
+                <a:effectRef idx="0">
+                  <a:schemeClr val="accent1"/>
+                </a:effectRef>
+                <a:fontRef idx="minor">
+                  <a:schemeClr val="tx1"/>
+                </a:fontRef>
+              </p:style>
+            </p:cxnSp>
+          </p:grpSp>
+          <p:sp>
+            <p:nvSpPr>
+              <p:cNvPr id="116" name="Rectangle 115">
+                <a:extLst>
+                  <a:ext uri="{FF2B5EF4-FFF2-40B4-BE49-F238E27FC236}">
+                    <a16:creationId xmlns:a16="http://schemas.microsoft.com/office/drawing/2014/main" id="{198144D1-FA0B-499C-B8A2-62D8DF4ED90E}"/>
                   </a:ext>
                 </a:extLst>
               </p:cNvPr>
@@ -5184,19 +6099,145 @@
               <p:nvPr/>
             </p:nvSpPr>
             <p:spPr>
-              <a:xfrm flipH="1">
-                <a:off x="2942871" y="2538131"/>
-                <a:ext cx="113723" cy="589542"/>
+              <a:xfrm>
+                <a:off x="5600308" y="2590800"/>
+                <a:ext cx="143637" cy="108000"/>
               </a:xfrm>
               <a:prstGeom prst="rect">
                 <a:avLst/>
               </a:prstGeom>
               <a:solidFill>
-                <a:srgbClr val="7030A0"/>
+                <a:schemeClr val="accent5">
+                  <a:lumMod val="75000"/>
+                </a:schemeClr>
               </a:solidFill>
               <a:ln>
                 <a:solidFill>
-                  <a:schemeClr val="bg1"/>
+                  <a:schemeClr val="accent5">
+                    <a:lumMod val="75000"/>
+                  </a:schemeClr>
+                </a:solidFill>
+              </a:ln>
+              <a:effectLst/>
+            </p:spPr>
+            <p:style>
+              <a:lnRef idx="1">
+                <a:schemeClr val="accent3"/>
+              </a:lnRef>
+              <a:fillRef idx="2">
+                <a:schemeClr val="accent3"/>
+              </a:fillRef>
+              <a:effectRef idx="1">
+                <a:schemeClr val="accent3"/>
+              </a:effectRef>
+              <a:fontRef idx="minor">
+                <a:schemeClr val="dk1"/>
+              </a:fontRef>
+            </p:style>
+            <p:txBody>
+              <a:bodyPr rtlCol="0" anchor="ctr"/>
+              <a:lstStyle/>
+              <a:p>
+                <a:pPr algn="ctr"/>
+                <a:endParaRPr lang="en-SG" sz="1400">
+                  <a:solidFill>
+                    <a:schemeClr val="dk1"/>
+                  </a:solidFill>
+                </a:endParaRPr>
+              </a:p>
+            </p:txBody>
+          </p:sp>
+          <p:sp>
+            <p:nvSpPr>
+              <p:cNvPr id="117" name="Rectangle 116">
+                <a:extLst>
+                  <a:ext uri="{FF2B5EF4-FFF2-40B4-BE49-F238E27FC236}">
+                    <a16:creationId xmlns:a16="http://schemas.microsoft.com/office/drawing/2014/main" id="{EE40C86B-F218-4FB1-B9F3-0B23563950F6}"/>
+                  </a:ext>
+                </a:extLst>
+              </p:cNvPr>
+              <p:cNvSpPr/>
+              <p:nvPr/>
+            </p:nvSpPr>
+            <p:spPr>
+              <a:xfrm>
+                <a:off x="5601092" y="2875178"/>
+                <a:ext cx="143637" cy="108000"/>
+              </a:xfrm>
+              <a:prstGeom prst="rect">
+                <a:avLst/>
+              </a:prstGeom>
+              <a:solidFill>
+                <a:schemeClr val="accent5">
+                  <a:lumMod val="75000"/>
+                </a:schemeClr>
+              </a:solidFill>
+              <a:ln>
+                <a:solidFill>
+                  <a:schemeClr val="accent5">
+                    <a:lumMod val="75000"/>
+                  </a:schemeClr>
+                </a:solidFill>
+              </a:ln>
+              <a:effectLst/>
+            </p:spPr>
+            <p:style>
+              <a:lnRef idx="1">
+                <a:schemeClr val="accent3"/>
+              </a:lnRef>
+              <a:fillRef idx="2">
+                <a:schemeClr val="accent3"/>
+              </a:fillRef>
+              <a:effectRef idx="1">
+                <a:schemeClr val="accent3"/>
+              </a:effectRef>
+              <a:fontRef idx="minor">
+                <a:schemeClr val="dk1"/>
+              </a:fontRef>
+            </p:style>
+            <p:txBody>
+              <a:bodyPr rtlCol="0" anchor="ctr"/>
+              <a:lstStyle/>
+              <a:p>
+                <a:pPr algn="ctr"/>
+                <a:endParaRPr lang="en-SG" sz="1400">
+                  <a:solidFill>
+                    <a:schemeClr val="dk1"/>
+                  </a:solidFill>
+                </a:endParaRPr>
+              </a:p>
+            </p:txBody>
+          </p:sp>
+          <p:sp>
+            <p:nvSpPr>
+              <p:cNvPr id="118" name="Rectangle 117">
+                <a:extLst>
+                  <a:ext uri="{FF2B5EF4-FFF2-40B4-BE49-F238E27FC236}">
+                    <a16:creationId xmlns:a16="http://schemas.microsoft.com/office/drawing/2014/main" id="{6CDE3CA2-2E94-4B27-8F41-A2AE7551A3E4}"/>
+                  </a:ext>
+                </a:extLst>
+              </p:cNvPr>
+              <p:cNvSpPr/>
+              <p:nvPr/>
+            </p:nvSpPr>
+            <p:spPr>
+              <a:xfrm>
+                <a:off x="5600428" y="3204733"/>
+                <a:ext cx="143637" cy="108000"/>
+              </a:xfrm>
+              <a:prstGeom prst="rect">
+                <a:avLst/>
+              </a:prstGeom>
+              <a:solidFill>
+                <a:schemeClr val="accent5">
+                  <a:lumMod val="75000"/>
+                </a:schemeClr>
+              </a:solidFill>
+              <a:ln>
+                <a:solidFill>
+                  <a:schemeClr val="accent5">
+                    <a:lumMod val="75000"/>
+                  </a:schemeClr>
                 </a:solidFill>
               </a:ln>
               <a:effectLst/>
@@ -5229,974 +6270,145 @@
             </p:txBody>
           </p:sp>
         </p:grpSp>
-        <p:sp>
-          <p:nvSpPr>
-            <p:cNvPr id="75" name="TextBox 74">
-              <a:extLst>
-                <a:ext uri="{FF2B5EF4-FFF2-40B4-BE49-F238E27FC236}">
-                  <a16:creationId xmlns:a16="http://schemas.microsoft.com/office/drawing/2014/main" id="{E6E38CAC-60CD-4573-A774-1361FF05C3C8}"/>
-                </a:ext>
-              </a:extLst>
-            </p:cNvPr>
-            <p:cNvSpPr txBox="1"/>
-            <p:nvPr/>
-          </p:nvSpPr>
-          <p:spPr>
-            <a:xfrm>
-              <a:off x="2279916" y="2523979"/>
-              <a:ext cx="680301" cy="430887"/>
-            </a:xfrm>
-            <a:prstGeom prst="rect">
-              <a:avLst/>
-            </a:prstGeom>
-            <a:noFill/>
-          </p:spPr>
-          <p:txBody>
-            <a:bodyPr wrap="square" lIns="0" tIns="0" rIns="0" bIns="0" rtlCol="0">
-              <a:spAutoFit/>
-            </a:bodyPr>
-            <a:lstStyle/>
-            <a:p>
-              <a:r>
-                <a:rPr lang="en-US" sz="1400" dirty="0">
-                  <a:solidFill>
-                    <a:srgbClr val="7030A0"/>
-                  </a:solidFill>
-                </a:rPr>
-                <a:t>Update Model</a:t>
-              </a:r>
-            </a:p>
-          </p:txBody>
-        </p:sp>
-        <p:cxnSp>
-          <p:nvCxnSpPr>
-            <p:cNvPr id="56" name="Straight Arrow Connector 55">
-              <a:extLst>
-                <a:ext uri="{FF2B5EF4-FFF2-40B4-BE49-F238E27FC236}">
-                  <a16:creationId xmlns:a16="http://schemas.microsoft.com/office/drawing/2014/main" id="{26EA0FC8-EC7D-4D73-A592-DE223F0A31BF}"/>
-                </a:ext>
-              </a:extLst>
-            </p:cNvPr>
-            <p:cNvCxnSpPr/>
-            <p:nvPr/>
-          </p:nvCxnSpPr>
-          <p:spPr>
-            <a:xfrm>
-              <a:off x="3048000" y="1905000"/>
-              <a:ext cx="2549946" cy="0"/>
-            </a:xfrm>
-            <a:prstGeom prst="straightConnector1">
-              <a:avLst/>
-            </a:prstGeom>
-            <a:ln w="19050">
-              <a:solidFill>
-                <a:schemeClr val="accent5">
-                  <a:lumMod val="75000"/>
-                </a:schemeClr>
-              </a:solidFill>
-              <a:prstDash val="sysDash"/>
-              <a:headEnd type="arrow" w="med" len="med"/>
-              <a:tailEnd type="none" w="med" len="med"/>
-            </a:ln>
-          </p:spPr>
-          <p:style>
-            <a:lnRef idx="1">
-              <a:schemeClr val="accent1"/>
-            </a:lnRef>
-            <a:fillRef idx="0">
-              <a:schemeClr val="accent1"/>
-            </a:fillRef>
-            <a:effectRef idx="0">
-              <a:schemeClr val="accent1"/>
-            </a:effectRef>
-            <a:fontRef idx="minor">
-              <a:schemeClr val="tx1"/>
-            </a:fontRef>
-          </p:style>
-        </p:cxnSp>
-        <p:cxnSp>
-          <p:nvCxnSpPr>
-            <p:cNvPr id="57" name="Straight Arrow Connector 56">
-              <a:extLst>
-                <a:ext uri="{FF2B5EF4-FFF2-40B4-BE49-F238E27FC236}">
-                  <a16:creationId xmlns:a16="http://schemas.microsoft.com/office/drawing/2014/main" id="{32F3404B-1601-414B-95B2-7E3A6DAD2BF6}"/>
-                </a:ext>
-              </a:extLst>
-            </p:cNvPr>
-            <p:cNvCxnSpPr>
-              <a:cxnSpLocks/>
-            </p:cNvCxnSpPr>
-            <p:nvPr/>
-          </p:nvCxnSpPr>
-          <p:spPr>
-            <a:xfrm>
-              <a:off x="2994162" y="2031583"/>
-              <a:ext cx="5034760" cy="0"/>
-            </a:xfrm>
-            <a:prstGeom prst="straightConnector1">
-              <a:avLst/>
-            </a:prstGeom>
-            <a:ln w="19050">
-              <a:solidFill>
-                <a:srgbClr val="7030A0"/>
-              </a:solidFill>
-              <a:tailEnd type="arrow"/>
-            </a:ln>
-          </p:spPr>
-          <p:style>
-            <a:lnRef idx="1">
-              <a:schemeClr val="accent1"/>
-            </a:lnRef>
-            <a:fillRef idx="0">
-              <a:schemeClr val="accent1"/>
-            </a:fillRef>
-            <a:effectRef idx="0">
-              <a:schemeClr val="accent1"/>
-            </a:effectRef>
-            <a:fontRef idx="minor">
-              <a:schemeClr val="tx1"/>
-            </a:fontRef>
-          </p:style>
-        </p:cxnSp>
-        <p:sp>
-          <p:nvSpPr>
-            <p:cNvPr id="62" name="TextBox 61">
-              <a:extLst>
-                <a:ext uri="{FF2B5EF4-FFF2-40B4-BE49-F238E27FC236}">
-                  <a16:creationId xmlns:a16="http://schemas.microsoft.com/office/drawing/2014/main" id="{ACFB368B-BE7F-49BC-BA12-BE0B2ABC5B05}"/>
-                </a:ext>
-              </a:extLst>
-            </p:cNvPr>
-            <p:cNvSpPr txBox="1"/>
-            <p:nvPr/>
-          </p:nvSpPr>
-          <p:spPr>
-            <a:xfrm>
-              <a:off x="5773466" y="1752600"/>
-              <a:ext cx="2187568" cy="215444"/>
-            </a:xfrm>
-            <a:prstGeom prst="rect">
-              <a:avLst/>
-            </a:prstGeom>
-            <a:noFill/>
-          </p:spPr>
-          <p:txBody>
-            <a:bodyPr wrap="square" lIns="0" tIns="0" rIns="0" bIns="0" rtlCol="0">
-              <a:spAutoFit/>
-            </a:bodyPr>
-            <a:lstStyle/>
-            <a:p>
-              <a:pPr algn="ctr"/>
-              <a:r>
-                <a:rPr lang="en-US" sz="1400" dirty="0">
-                  <a:solidFill>
-                    <a:schemeClr val="accent6">
-                      <a:lumMod val="75000"/>
-                    </a:schemeClr>
-                  </a:solidFill>
-                </a:rPr>
-                <a:t>perform(</a:t>
-              </a:r>
-              <a:r>
-                <a:rPr lang="en-US" sz="1400" dirty="0" err="1">
-                  <a:solidFill>
-                    <a:schemeClr val="accent6">
-                      <a:lumMod val="75000"/>
-                    </a:schemeClr>
-                  </a:solidFill>
-                </a:rPr>
-                <a:t>taskToEdit</a:t>
-              </a:r>
-              <a:r>
-                <a:rPr lang="en-US" sz="1400" dirty="0">
-                  <a:solidFill>
-                    <a:schemeClr val="accent6">
-                      <a:lumMod val="75000"/>
-                    </a:schemeClr>
-                  </a:solidFill>
-                </a:rPr>
-                <a:t>)</a:t>
-              </a:r>
-            </a:p>
-          </p:txBody>
-        </p:sp>
-        <p:cxnSp>
-          <p:nvCxnSpPr>
-            <p:cNvPr id="65" name="Straight Arrow Connector 64">
-              <a:extLst>
-                <a:ext uri="{FF2B5EF4-FFF2-40B4-BE49-F238E27FC236}">
-                  <a16:creationId xmlns:a16="http://schemas.microsoft.com/office/drawing/2014/main" id="{CF31DB19-7F3D-4CEA-B282-5BEF38E55426}"/>
-                </a:ext>
-              </a:extLst>
-            </p:cNvPr>
-            <p:cNvCxnSpPr>
-              <a:cxnSpLocks/>
-            </p:cNvCxnSpPr>
-            <p:nvPr/>
-          </p:nvCxnSpPr>
-          <p:spPr>
-            <a:xfrm flipH="1">
-              <a:off x="3023906" y="2286000"/>
-              <a:ext cx="5053294" cy="0"/>
-            </a:xfrm>
-            <a:prstGeom prst="straightConnector1">
-              <a:avLst/>
-            </a:prstGeom>
-            <a:ln w="19050">
-              <a:solidFill>
-                <a:schemeClr val="accent6">
-                  <a:lumMod val="75000"/>
-                </a:schemeClr>
-              </a:solidFill>
-              <a:prstDash val="sysDash"/>
-              <a:headEnd type="none" w="med" len="med"/>
-              <a:tailEnd type="arrow" w="med" len="med"/>
-            </a:ln>
-          </p:spPr>
-          <p:style>
-            <a:lnRef idx="1">
-              <a:schemeClr val="accent1"/>
-            </a:lnRef>
-            <a:fillRef idx="0">
-              <a:schemeClr val="accent1"/>
-            </a:fillRef>
-            <a:effectRef idx="0">
-              <a:schemeClr val="accent1"/>
-            </a:effectRef>
-            <a:fontRef idx="minor">
-              <a:schemeClr val="tx1"/>
-            </a:fontRef>
-          </p:style>
-        </p:cxnSp>
-        <p:sp>
-          <p:nvSpPr>
-            <p:cNvPr id="66" name="TextBox 65">
-              <a:extLst>
-                <a:ext uri="{FF2B5EF4-FFF2-40B4-BE49-F238E27FC236}">
-                  <a16:creationId xmlns:a16="http://schemas.microsoft.com/office/drawing/2014/main" id="{A74463E8-F58A-4D6F-9F1F-2042E5F1BA22}"/>
-                </a:ext>
-              </a:extLst>
-            </p:cNvPr>
-            <p:cNvSpPr txBox="1"/>
-            <p:nvPr/>
-          </p:nvSpPr>
-          <p:spPr>
-            <a:xfrm>
-              <a:off x="5629182" y="2299156"/>
-              <a:ext cx="2600418" cy="215444"/>
-            </a:xfrm>
-            <a:prstGeom prst="rect">
-              <a:avLst/>
-            </a:prstGeom>
-            <a:noFill/>
-          </p:spPr>
-          <p:txBody>
-            <a:bodyPr wrap="square" lIns="0" tIns="0" rIns="0" bIns="0" rtlCol="0">
-              <a:spAutoFit/>
-            </a:bodyPr>
-            <a:lstStyle/>
-            <a:p>
-              <a:pPr algn="ctr"/>
-              <a:r>
-                <a:rPr lang="en-US" sz="1400" dirty="0" err="1">
-                  <a:solidFill>
-                    <a:srgbClr val="7030A0"/>
-                  </a:solidFill>
-                </a:rPr>
-                <a:t>ActionResult</a:t>
-              </a:r>
-              <a:endParaRPr lang="en-US" sz="1400" dirty="0">
-                <a:solidFill>
-                  <a:srgbClr val="7030A0"/>
-                </a:solidFill>
-              </a:endParaRPr>
-            </a:p>
-          </p:txBody>
-        </p:sp>
-        <p:grpSp>
-          <p:nvGrpSpPr>
-            <p:cNvPr id="67" name="Group 66">
-              <a:extLst>
-                <a:ext uri="{FF2B5EF4-FFF2-40B4-BE49-F238E27FC236}">
-                  <a16:creationId xmlns:a16="http://schemas.microsoft.com/office/drawing/2014/main" id="{3EAF3E80-E694-444F-917B-3DA749D93492}"/>
-                </a:ext>
-              </a:extLst>
-            </p:cNvPr>
-            <p:cNvGrpSpPr/>
-            <p:nvPr/>
-          </p:nvGrpSpPr>
-          <p:grpSpPr>
-            <a:xfrm flipH="1">
-              <a:off x="8089242" y="1981200"/>
-              <a:ext cx="217349" cy="270072"/>
-              <a:chOff x="1028134" y="5612032"/>
-              <a:chExt cx="217349" cy="270072"/>
-            </a:xfrm>
-          </p:grpSpPr>
-          <p:sp>
-            <p:nvSpPr>
-              <p:cNvPr id="68" name="Freeform 58">
-                <a:extLst>
-                  <a:ext uri="{FF2B5EF4-FFF2-40B4-BE49-F238E27FC236}">
-                    <a16:creationId xmlns:a16="http://schemas.microsoft.com/office/drawing/2014/main" id="{A39D8D0C-3E82-4377-9F9B-066EDF1553B1}"/>
-                  </a:ext>
-                </a:extLst>
-              </p:cNvPr>
-              <p:cNvSpPr/>
-              <p:nvPr/>
-            </p:nvSpPr>
-            <p:spPr>
-              <a:xfrm rot="2600998" flipH="1" flipV="1">
-                <a:off x="1028134" y="5612032"/>
-                <a:ext cx="167452" cy="116880"/>
-              </a:xfrm>
-              <a:custGeom>
-                <a:avLst/>
-                <a:gdLst>
-                  <a:gd name="connsiteX0" fmla="*/ 0 w 226400"/>
-                  <a:gd name="connsiteY0" fmla="*/ 32920 h 171466"/>
-                  <a:gd name="connsiteX1" fmla="*/ 157018 w 226400"/>
-                  <a:gd name="connsiteY1" fmla="*/ 5211 h 171466"/>
-                  <a:gd name="connsiteX2" fmla="*/ 221673 w 226400"/>
-                  <a:gd name="connsiteY2" fmla="*/ 125284 h 171466"/>
-                  <a:gd name="connsiteX3" fmla="*/ 36945 w 226400"/>
-                  <a:gd name="connsiteY3" fmla="*/ 171466 h 171466"/>
-                </a:gdLst>
-                <a:ahLst/>
-                <a:cxnLst>
-                  <a:cxn ang="0">
-                    <a:pos x="connsiteX0" y="connsiteY0"/>
-                  </a:cxn>
-                  <a:cxn ang="0">
-                    <a:pos x="connsiteX1" y="connsiteY1"/>
-                  </a:cxn>
-                  <a:cxn ang="0">
-                    <a:pos x="connsiteX2" y="connsiteY2"/>
-                  </a:cxn>
-                  <a:cxn ang="0">
-                    <a:pos x="connsiteX3" y="connsiteY3"/>
-                  </a:cxn>
-                </a:cxnLst>
-                <a:rect l="l" t="t" r="r" b="b"/>
-                <a:pathLst>
-                  <a:path w="226400" h="171466">
-                    <a:moveTo>
-                      <a:pt x="0" y="32920"/>
-                    </a:moveTo>
-                    <a:cubicBezTo>
-                      <a:pt x="60036" y="11368"/>
-                      <a:pt x="120073" y="-10183"/>
-                      <a:pt x="157018" y="5211"/>
-                    </a:cubicBezTo>
-                    <a:cubicBezTo>
-                      <a:pt x="193963" y="20605"/>
-                      <a:pt x="241685" y="97575"/>
-                      <a:pt x="221673" y="125284"/>
-                    </a:cubicBezTo>
-                    <a:cubicBezTo>
-                      <a:pt x="201661" y="152993"/>
-                      <a:pt x="119303" y="162229"/>
-                      <a:pt x="36945" y="171466"/>
-                    </a:cubicBezTo>
-                  </a:path>
-                </a:pathLst>
-              </a:custGeom>
-              <a:ln w="19050">
-                <a:solidFill>
-                  <a:schemeClr val="accent6">
-                    <a:lumMod val="75000"/>
-                  </a:schemeClr>
-                </a:solidFill>
-                <a:headEnd type="arrow" w="med" len="med"/>
-                <a:tailEnd type="none" w="med" len="med"/>
-              </a:ln>
-            </p:spPr>
-            <p:style>
-              <a:lnRef idx="1">
-                <a:schemeClr val="accent1"/>
-              </a:lnRef>
-              <a:fillRef idx="0">
-                <a:schemeClr val="accent1"/>
-              </a:fillRef>
-              <a:effectRef idx="0">
-                <a:schemeClr val="accent1"/>
-              </a:effectRef>
-              <a:fontRef idx="minor">
-                <a:schemeClr val="tx1"/>
-              </a:fontRef>
-            </p:style>
-            <p:txBody>
-              <a:bodyPr rtlCol="0" anchor="ctr"/>
-              <a:lstStyle/>
-              <a:p>
-                <a:pPr algn="ctr"/>
-                <a:endParaRPr lang="en-SG"/>
-              </a:p>
-            </p:txBody>
-          </p:sp>
-          <p:sp>
-            <p:nvSpPr>
-              <p:cNvPr id="69" name="Rectangle 68">
-                <a:extLst>
-                  <a:ext uri="{FF2B5EF4-FFF2-40B4-BE49-F238E27FC236}">
-                    <a16:creationId xmlns:a16="http://schemas.microsoft.com/office/drawing/2014/main" id="{384E82E8-ECF2-47A6-987A-ADC58D1530B9}"/>
-                  </a:ext>
-                </a:extLst>
-              </p:cNvPr>
-              <p:cNvSpPr/>
-              <p:nvPr/>
-            </p:nvSpPr>
-            <p:spPr>
-              <a:xfrm>
-                <a:off x="1147403" y="5712513"/>
-                <a:ext cx="98080" cy="169591"/>
-              </a:xfrm>
-              <a:prstGeom prst="rect">
-                <a:avLst/>
-              </a:prstGeom>
-              <a:solidFill>
-                <a:schemeClr val="accent6">
-                  <a:lumMod val="75000"/>
-                </a:schemeClr>
-              </a:solidFill>
-              <a:ln>
-                <a:solidFill>
-                  <a:schemeClr val="bg1"/>
-                </a:solidFill>
-              </a:ln>
-              <a:effectLst/>
-            </p:spPr>
-            <p:style>
-              <a:lnRef idx="1">
-                <a:schemeClr val="accent3"/>
-              </a:lnRef>
-              <a:fillRef idx="2">
-                <a:schemeClr val="accent3"/>
-              </a:fillRef>
-              <a:effectRef idx="1">
-                <a:schemeClr val="accent3"/>
-              </a:effectRef>
-              <a:fontRef idx="minor">
-                <a:schemeClr val="dk1"/>
-              </a:fontRef>
-            </p:style>
-            <p:txBody>
-              <a:bodyPr rtlCol="0" anchor="ctr"/>
-              <a:lstStyle/>
-              <a:p>
-                <a:pPr algn="ctr"/>
-                <a:endParaRPr lang="en-SG" sz="1400">
-                  <a:solidFill>
-                    <a:schemeClr val="dk1"/>
-                  </a:solidFill>
-                </a:endParaRPr>
-              </a:p>
-            </p:txBody>
-          </p:sp>
-        </p:grpSp>
-        <p:sp>
-          <p:nvSpPr>
-            <p:cNvPr id="70" name="TextBox 69">
-              <a:extLst>
-                <a:ext uri="{FF2B5EF4-FFF2-40B4-BE49-F238E27FC236}">
-                  <a16:creationId xmlns:a16="http://schemas.microsoft.com/office/drawing/2014/main" id="{EC13D990-E232-4908-BAFB-38A2A1F8F050}"/>
-                </a:ext>
-              </a:extLst>
-            </p:cNvPr>
-            <p:cNvSpPr txBox="1"/>
-            <p:nvPr/>
-          </p:nvSpPr>
-          <p:spPr>
-            <a:xfrm>
-              <a:off x="8334205" y="1905000"/>
-              <a:ext cx="733595" cy="646331"/>
-            </a:xfrm>
-            <a:prstGeom prst="rect">
-              <a:avLst/>
-            </a:prstGeom>
-            <a:noFill/>
-          </p:spPr>
-          <p:txBody>
-            <a:bodyPr wrap="square" lIns="0" tIns="0" rIns="0" bIns="0" rtlCol="0">
-              <a:spAutoFit/>
-            </a:bodyPr>
-            <a:lstStyle/>
-            <a:p>
-              <a:r>
-                <a:rPr lang="en-US" sz="1400" dirty="0">
-                  <a:solidFill>
-                    <a:schemeClr val="accent6">
-                      <a:lumMod val="75000"/>
-                    </a:schemeClr>
-                  </a:solidFill>
-                </a:rPr>
-                <a:t>Action Specific Methods</a:t>
-              </a:r>
-            </a:p>
-          </p:txBody>
-        </p:sp>
-        <p:sp>
-          <p:nvSpPr>
-            <p:cNvPr id="85" name="TextBox 84">
-              <a:extLst>
-                <a:ext uri="{FF2B5EF4-FFF2-40B4-BE49-F238E27FC236}">
-                  <a16:creationId xmlns:a16="http://schemas.microsoft.com/office/drawing/2014/main" id="{977E1736-072B-4DB2-BA29-88067856E6C5}"/>
-                </a:ext>
-              </a:extLst>
-            </p:cNvPr>
-            <p:cNvSpPr txBox="1"/>
-            <p:nvPr/>
-          </p:nvSpPr>
-          <p:spPr>
-            <a:xfrm>
-              <a:off x="609600" y="2995167"/>
-              <a:ext cx="2600418" cy="215444"/>
-            </a:xfrm>
-            <a:prstGeom prst="rect">
-              <a:avLst/>
-            </a:prstGeom>
-            <a:noFill/>
-            <a:ln>
-              <a:noFill/>
-            </a:ln>
-          </p:spPr>
-          <p:txBody>
-            <a:bodyPr wrap="square" lIns="0" tIns="0" rIns="0" bIns="0" rtlCol="0">
-              <a:spAutoFit/>
-            </a:bodyPr>
-            <a:lstStyle/>
-            <a:p>
-              <a:pPr algn="ctr"/>
-              <a:r>
-                <a:rPr lang="en-US" sz="1400" dirty="0" err="1">
-                  <a:solidFill>
-                    <a:srgbClr val="0070C0"/>
-                  </a:solidFill>
-                </a:rPr>
-                <a:t>CommandResult</a:t>
-              </a:r>
-              <a:endParaRPr lang="en-US" sz="1400" dirty="0">
-                <a:solidFill>
-                  <a:srgbClr val="0070C0"/>
-                </a:solidFill>
-              </a:endParaRPr>
-            </a:p>
-          </p:txBody>
-        </p:sp>
-        <p:grpSp>
-          <p:nvGrpSpPr>
-            <p:cNvPr id="109" name="Group 108">
-              <a:extLst>
-                <a:ext uri="{FF2B5EF4-FFF2-40B4-BE49-F238E27FC236}">
-                  <a16:creationId xmlns:a16="http://schemas.microsoft.com/office/drawing/2014/main" id="{8D8295EB-DB8A-474E-B3F8-2FE62003792D}"/>
-                </a:ext>
-              </a:extLst>
-            </p:cNvPr>
-            <p:cNvGrpSpPr/>
-            <p:nvPr/>
-          </p:nvGrpSpPr>
-          <p:grpSpPr>
-            <a:xfrm>
-              <a:off x="3048000" y="2375356"/>
-              <a:ext cx="2602899" cy="215444"/>
-              <a:chOff x="3076495" y="3442156"/>
-              <a:chExt cx="2602899" cy="215444"/>
-            </a:xfrm>
-          </p:grpSpPr>
-          <p:sp>
-            <p:nvSpPr>
-              <p:cNvPr id="110" name="TextBox 109">
-                <a:extLst>
-                  <a:ext uri="{FF2B5EF4-FFF2-40B4-BE49-F238E27FC236}">
-                    <a16:creationId xmlns:a16="http://schemas.microsoft.com/office/drawing/2014/main" id="{1CBF52E4-56D8-4979-AB18-F56695BA0B5D}"/>
-                  </a:ext>
-                </a:extLst>
-              </p:cNvPr>
-              <p:cNvSpPr txBox="1"/>
-              <p:nvPr/>
-            </p:nvSpPr>
-            <p:spPr>
-              <a:xfrm>
-                <a:off x="3240994" y="3442156"/>
-                <a:ext cx="2438400" cy="215444"/>
-              </a:xfrm>
-              <a:prstGeom prst="rect">
-                <a:avLst/>
-              </a:prstGeom>
-              <a:noFill/>
-            </p:spPr>
-            <p:txBody>
-              <a:bodyPr wrap="square" lIns="0" tIns="0" rIns="0" bIns="0" rtlCol="0">
-                <a:spAutoFit/>
-              </a:bodyPr>
-              <a:lstStyle/>
-              <a:p>
-                <a:pPr algn="ctr"/>
-                <a:r>
-                  <a:rPr lang="en-US" sz="1400" dirty="0" err="1">
-                    <a:solidFill>
-                      <a:schemeClr val="accent5">
-                        <a:lumMod val="75000"/>
-                      </a:schemeClr>
-                    </a:solidFill>
-                  </a:rPr>
-                  <a:t>updateTask</a:t>
-                </a:r>
-                <a:r>
-                  <a:rPr lang="en-US" sz="1400" dirty="0">
-                    <a:solidFill>
-                      <a:schemeClr val="accent5">
-                        <a:lumMod val="75000"/>
-                      </a:schemeClr>
-                    </a:solidFill>
-                  </a:rPr>
-                  <a:t>(…)</a:t>
-                </a:r>
-              </a:p>
-            </p:txBody>
-          </p:sp>
-          <p:cxnSp>
-            <p:nvCxnSpPr>
-              <p:cNvPr id="111" name="Straight Arrow Connector 110">
-                <a:extLst>
-                  <a:ext uri="{FF2B5EF4-FFF2-40B4-BE49-F238E27FC236}">
-                    <a16:creationId xmlns:a16="http://schemas.microsoft.com/office/drawing/2014/main" id="{166DED16-B1D3-406E-B121-081E05980D24}"/>
-                  </a:ext>
-                </a:extLst>
-              </p:cNvPr>
-              <p:cNvCxnSpPr/>
-              <p:nvPr/>
-            </p:nvCxnSpPr>
-            <p:spPr>
-              <a:xfrm>
-                <a:off x="3076495" y="3657600"/>
-                <a:ext cx="2568438" cy="0"/>
-              </a:xfrm>
-              <a:prstGeom prst="straightConnector1">
-                <a:avLst/>
-              </a:prstGeom>
-              <a:ln w="19050">
-                <a:solidFill>
-                  <a:srgbClr val="7030A0"/>
-                </a:solidFill>
-                <a:tailEnd type="arrow"/>
-              </a:ln>
-            </p:spPr>
-            <p:style>
-              <a:lnRef idx="1">
-                <a:schemeClr val="accent1"/>
-              </a:lnRef>
-              <a:fillRef idx="0">
-                <a:schemeClr val="accent1"/>
-              </a:fillRef>
-              <a:effectRef idx="0">
-                <a:schemeClr val="accent1"/>
-              </a:effectRef>
-              <a:fontRef idx="minor">
-                <a:schemeClr val="tx1"/>
-              </a:fontRef>
-            </p:style>
-          </p:cxnSp>
-        </p:grpSp>
-        <p:grpSp>
-          <p:nvGrpSpPr>
-            <p:cNvPr id="112" name="Group 111">
-              <a:extLst>
-                <a:ext uri="{FF2B5EF4-FFF2-40B4-BE49-F238E27FC236}">
-                  <a16:creationId xmlns:a16="http://schemas.microsoft.com/office/drawing/2014/main" id="{7BE142AE-4C03-40A7-9DDE-01626A6C0159}"/>
-                </a:ext>
-              </a:extLst>
-            </p:cNvPr>
-            <p:cNvGrpSpPr/>
-            <p:nvPr/>
-          </p:nvGrpSpPr>
-          <p:grpSpPr>
-            <a:xfrm>
-              <a:off x="3048000" y="2590800"/>
-              <a:ext cx="2602899" cy="215444"/>
-              <a:chOff x="3076495" y="3442156"/>
-              <a:chExt cx="2602899" cy="215444"/>
-            </a:xfrm>
-          </p:grpSpPr>
-          <p:sp>
-            <p:nvSpPr>
-              <p:cNvPr id="113" name="TextBox 112">
-                <a:extLst>
-                  <a:ext uri="{FF2B5EF4-FFF2-40B4-BE49-F238E27FC236}">
-                    <a16:creationId xmlns:a16="http://schemas.microsoft.com/office/drawing/2014/main" id="{2927C1E5-DA2E-4D55-ACEB-DCC191B49EDF}"/>
-                  </a:ext>
-                </a:extLst>
-              </p:cNvPr>
-              <p:cNvSpPr txBox="1"/>
-              <p:nvPr/>
-            </p:nvSpPr>
-            <p:spPr>
-              <a:xfrm>
-                <a:off x="3240994" y="3442156"/>
-                <a:ext cx="2438400" cy="215444"/>
-              </a:xfrm>
-              <a:prstGeom prst="rect">
-                <a:avLst/>
-              </a:prstGeom>
-              <a:noFill/>
-            </p:spPr>
-            <p:txBody>
-              <a:bodyPr wrap="square" lIns="0" tIns="0" rIns="0" bIns="0" rtlCol="0">
-                <a:spAutoFit/>
-              </a:bodyPr>
-              <a:lstStyle/>
-              <a:p>
-                <a:pPr algn="ctr"/>
-                <a:r>
-                  <a:rPr lang="en-US" sz="1400" dirty="0" err="1">
-                    <a:solidFill>
-                      <a:schemeClr val="accent5">
-                        <a:lumMod val="75000"/>
-                      </a:schemeClr>
-                    </a:solidFill>
-                  </a:rPr>
-                  <a:t>updateFilteredTaskList</a:t>
-                </a:r>
-                <a:r>
-                  <a:rPr lang="en-US" sz="1400" dirty="0">
-                    <a:solidFill>
-                      <a:schemeClr val="accent5">
-                        <a:lumMod val="75000"/>
-                      </a:schemeClr>
-                    </a:solidFill>
-                  </a:rPr>
-                  <a:t>(…)</a:t>
-                </a:r>
-              </a:p>
-            </p:txBody>
-          </p:sp>
-          <p:cxnSp>
-            <p:nvCxnSpPr>
-              <p:cNvPr id="114" name="Straight Arrow Connector 113">
-                <a:extLst>
-                  <a:ext uri="{FF2B5EF4-FFF2-40B4-BE49-F238E27FC236}">
-                    <a16:creationId xmlns:a16="http://schemas.microsoft.com/office/drawing/2014/main" id="{9AA3BC36-99BF-4661-B824-09F5CF393EA5}"/>
-                  </a:ext>
-                </a:extLst>
-              </p:cNvPr>
-              <p:cNvCxnSpPr/>
-              <p:nvPr/>
-            </p:nvCxnSpPr>
-            <p:spPr>
-              <a:xfrm>
-                <a:off x="3076495" y="3657600"/>
-                <a:ext cx="2568438" cy="0"/>
-              </a:xfrm>
-              <a:prstGeom prst="straightConnector1">
-                <a:avLst/>
-              </a:prstGeom>
-              <a:ln w="19050">
-                <a:solidFill>
-                  <a:srgbClr val="7030A0"/>
-                </a:solidFill>
-                <a:tailEnd type="arrow"/>
-              </a:ln>
-            </p:spPr>
-            <p:style>
-              <a:lnRef idx="1">
-                <a:schemeClr val="accent1"/>
-              </a:lnRef>
-              <a:fillRef idx="0">
-                <a:schemeClr val="accent1"/>
-              </a:fillRef>
-              <a:effectRef idx="0">
-                <a:schemeClr val="accent1"/>
-              </a:effectRef>
-              <a:fontRef idx="minor">
-                <a:schemeClr val="tx1"/>
-              </a:fontRef>
-            </p:style>
-          </p:cxnSp>
-        </p:grpSp>
-        <p:sp>
-          <p:nvSpPr>
-            <p:cNvPr id="116" name="Rectangle 115">
-              <a:extLst>
-                <a:ext uri="{FF2B5EF4-FFF2-40B4-BE49-F238E27FC236}">
-                  <a16:creationId xmlns:a16="http://schemas.microsoft.com/office/drawing/2014/main" id="{198144D1-FA0B-499C-B8A2-62D8DF4ED90E}"/>
-                </a:ext>
-              </a:extLst>
-            </p:cNvPr>
-            <p:cNvSpPr/>
-            <p:nvPr/>
-          </p:nvSpPr>
-          <p:spPr>
-            <a:xfrm>
-              <a:off x="5600308" y="2590800"/>
-              <a:ext cx="143637" cy="108000"/>
-            </a:xfrm>
-            <a:prstGeom prst="rect">
-              <a:avLst/>
-            </a:prstGeom>
+      </p:grpSp>
+      <p:cxnSp>
+        <p:nvCxnSpPr>
+          <p:cNvPr id="46" name="Straight Arrow Connector 45">
+            <a:extLst>
+              <a:ext uri="{FF2B5EF4-FFF2-40B4-BE49-F238E27FC236}">
+                <a16:creationId xmlns:a16="http://schemas.microsoft.com/office/drawing/2014/main" id="{398BFE20-E806-4DC1-8620-BC2B6A672809}"/>
+              </a:ext>
+            </a:extLst>
+          </p:cNvPr>
+          <p:cNvCxnSpPr/>
+          <p:nvPr/>
+        </p:nvCxnSpPr>
+        <p:spPr>
+          <a:xfrm>
+            <a:off x="3048000" y="2685854"/>
+            <a:ext cx="2549946" cy="0"/>
+          </a:xfrm>
+          <a:prstGeom prst="straightConnector1">
+            <a:avLst/>
+          </a:prstGeom>
+          <a:ln w="19050">
             <a:solidFill>
               <a:schemeClr val="accent5">
                 <a:lumMod val="75000"/>
               </a:schemeClr>
             </a:solidFill>
-            <a:ln>
-              <a:solidFill>
-                <a:schemeClr val="accent5">
-                  <a:lumMod val="75000"/>
-                </a:schemeClr>
-              </a:solidFill>
-            </a:ln>
-            <a:effectLst/>
-          </p:spPr>
-          <p:style>
-            <a:lnRef idx="1">
-              <a:schemeClr val="accent3"/>
-            </a:lnRef>
-            <a:fillRef idx="2">
-              <a:schemeClr val="accent3"/>
-            </a:fillRef>
-            <a:effectRef idx="1">
-              <a:schemeClr val="accent3"/>
-            </a:effectRef>
-            <a:fontRef idx="minor">
-              <a:schemeClr val="dk1"/>
-            </a:fontRef>
-          </p:style>
-          <p:txBody>
-            <a:bodyPr rtlCol="0" anchor="ctr"/>
-            <a:lstStyle/>
-            <a:p>
-              <a:pPr algn="ctr"/>
-              <a:endParaRPr lang="en-SG" sz="1400">
-                <a:solidFill>
-                  <a:schemeClr val="dk1"/>
-                </a:solidFill>
-              </a:endParaRPr>
-            </a:p>
-          </p:txBody>
-        </p:sp>
-        <p:sp>
-          <p:nvSpPr>
-            <p:cNvPr id="117" name="Rectangle 116">
-              <a:extLst>
-                <a:ext uri="{FF2B5EF4-FFF2-40B4-BE49-F238E27FC236}">
-                  <a16:creationId xmlns:a16="http://schemas.microsoft.com/office/drawing/2014/main" id="{EE40C86B-F218-4FB1-B9F3-0B23563950F6}"/>
-                </a:ext>
-              </a:extLst>
-            </p:cNvPr>
-            <p:cNvSpPr/>
-            <p:nvPr/>
-          </p:nvSpPr>
-          <p:spPr>
-            <a:xfrm>
-              <a:off x="5601092" y="2790335"/>
-              <a:ext cx="143637" cy="108000"/>
-            </a:xfrm>
-            <a:prstGeom prst="rect">
-              <a:avLst/>
-            </a:prstGeom>
+            <a:prstDash val="sysDash"/>
+            <a:headEnd type="arrow" w="med" len="med"/>
+            <a:tailEnd type="none" w="med" len="med"/>
+          </a:ln>
+        </p:spPr>
+        <p:style>
+          <a:lnRef idx="1">
+            <a:schemeClr val="accent1"/>
+          </a:lnRef>
+          <a:fillRef idx="0">
+            <a:schemeClr val="accent1"/>
+          </a:fillRef>
+          <a:effectRef idx="0">
+            <a:schemeClr val="accent1"/>
+          </a:effectRef>
+          <a:fontRef idx="minor">
+            <a:schemeClr val="tx1"/>
+          </a:fontRef>
+        </p:style>
+      </p:cxnSp>
+      <p:cxnSp>
+        <p:nvCxnSpPr>
+          <p:cNvPr id="47" name="Straight Arrow Connector 46">
+            <a:extLst>
+              <a:ext uri="{FF2B5EF4-FFF2-40B4-BE49-F238E27FC236}">
+                <a16:creationId xmlns:a16="http://schemas.microsoft.com/office/drawing/2014/main" id="{45973CC0-B92D-4CDE-B99B-ACF7A6333276}"/>
+              </a:ext>
+            </a:extLst>
+          </p:cNvPr>
+          <p:cNvCxnSpPr/>
+          <p:nvPr/>
+        </p:nvCxnSpPr>
+        <p:spPr>
+          <a:xfrm>
+            <a:off x="3048000" y="2971800"/>
+            <a:ext cx="2549946" cy="0"/>
+          </a:xfrm>
+          <a:prstGeom prst="straightConnector1">
+            <a:avLst/>
+          </a:prstGeom>
+          <a:ln w="19050">
             <a:solidFill>
               <a:schemeClr val="accent5">
                 <a:lumMod val="75000"/>
               </a:schemeClr>
             </a:solidFill>
-            <a:ln>
-              <a:solidFill>
-                <a:schemeClr val="accent5">
-                  <a:lumMod val="75000"/>
-                </a:schemeClr>
-              </a:solidFill>
-            </a:ln>
-            <a:effectLst/>
-          </p:spPr>
-          <p:style>
-            <a:lnRef idx="1">
-              <a:schemeClr val="accent3"/>
-            </a:lnRef>
-            <a:fillRef idx="2">
-              <a:schemeClr val="accent3"/>
-            </a:fillRef>
-            <a:effectRef idx="1">
-              <a:schemeClr val="accent3"/>
-            </a:effectRef>
-            <a:fontRef idx="minor">
-              <a:schemeClr val="dk1"/>
-            </a:fontRef>
-          </p:style>
-          <p:txBody>
-            <a:bodyPr rtlCol="0" anchor="ctr"/>
-            <a:lstStyle/>
-            <a:p>
-              <a:pPr algn="ctr"/>
-              <a:endParaRPr lang="en-SG" sz="1400">
-                <a:solidFill>
-                  <a:schemeClr val="dk1"/>
-                </a:solidFill>
-              </a:endParaRPr>
-            </a:p>
-          </p:txBody>
-        </p:sp>
-        <p:sp>
-          <p:nvSpPr>
-            <p:cNvPr id="118" name="Rectangle 117">
-              <a:extLst>
-                <a:ext uri="{FF2B5EF4-FFF2-40B4-BE49-F238E27FC236}">
-                  <a16:creationId xmlns:a16="http://schemas.microsoft.com/office/drawing/2014/main" id="{6CDE3CA2-2E94-4B27-8F41-A2AE7551A3E4}"/>
-                </a:ext>
-              </a:extLst>
-            </p:cNvPr>
-            <p:cNvSpPr/>
-            <p:nvPr/>
-          </p:nvSpPr>
-          <p:spPr>
-            <a:xfrm>
-              <a:off x="5600428" y="3016200"/>
-              <a:ext cx="143637" cy="108000"/>
-            </a:xfrm>
-            <a:prstGeom prst="rect">
-              <a:avLst/>
-            </a:prstGeom>
+            <a:prstDash val="sysDash"/>
+            <a:headEnd type="arrow" w="med" len="med"/>
+            <a:tailEnd type="none" w="med" len="med"/>
+          </a:ln>
+        </p:spPr>
+        <p:style>
+          <a:lnRef idx="1">
+            <a:schemeClr val="accent1"/>
+          </a:lnRef>
+          <a:fillRef idx="0">
+            <a:schemeClr val="accent1"/>
+          </a:fillRef>
+          <a:effectRef idx="0">
+            <a:schemeClr val="accent1"/>
+          </a:effectRef>
+          <a:fontRef idx="minor">
+            <a:schemeClr val="tx1"/>
+          </a:fontRef>
+        </p:style>
+      </p:cxnSp>
+      <p:cxnSp>
+        <p:nvCxnSpPr>
+          <p:cNvPr id="48" name="Straight Arrow Connector 47">
+            <a:extLst>
+              <a:ext uri="{FF2B5EF4-FFF2-40B4-BE49-F238E27FC236}">
+                <a16:creationId xmlns:a16="http://schemas.microsoft.com/office/drawing/2014/main" id="{76C07624-5A18-4352-8724-1C7D2C6887F2}"/>
+              </a:ext>
+            </a:extLst>
+          </p:cNvPr>
+          <p:cNvCxnSpPr/>
+          <p:nvPr/>
+        </p:nvCxnSpPr>
+        <p:spPr>
+          <a:xfrm>
+            <a:off x="3048000" y="3295454"/>
+            <a:ext cx="2549946" cy="0"/>
+          </a:xfrm>
+          <a:prstGeom prst="straightConnector1">
+            <a:avLst/>
+          </a:prstGeom>
+          <a:ln w="19050">
             <a:solidFill>
               <a:schemeClr val="accent5">
                 <a:lumMod val="75000"/>
               </a:schemeClr>
             </a:solidFill>
-            <a:ln>
-              <a:solidFill>
-                <a:schemeClr val="accent5">
-                  <a:lumMod val="75000"/>
-                </a:schemeClr>
-              </a:solidFill>
-            </a:ln>
-            <a:effectLst/>
-          </p:spPr>
-          <p:style>
-            <a:lnRef idx="1">
-              <a:schemeClr val="accent3"/>
-            </a:lnRef>
-            <a:fillRef idx="2">
-              <a:schemeClr val="accent3"/>
-            </a:fillRef>
-            <a:effectRef idx="1">
-              <a:schemeClr val="accent3"/>
-            </a:effectRef>
-            <a:fontRef idx="minor">
-              <a:schemeClr val="dk1"/>
-            </a:fontRef>
-          </p:style>
-          <p:txBody>
-            <a:bodyPr rtlCol="0" anchor="ctr"/>
-            <a:lstStyle/>
-            <a:p>
-              <a:pPr algn="ctr"/>
-              <a:endParaRPr lang="en-SG" sz="1400">
-                <a:solidFill>
-                  <a:schemeClr val="dk1"/>
-                </a:solidFill>
-              </a:endParaRPr>
-            </a:p>
-          </p:txBody>
-        </p:sp>
-      </p:grpSp>
+            <a:prstDash val="sysDash"/>
+            <a:headEnd type="arrow" w="med" len="med"/>
+            <a:tailEnd type="none" w="med" len="med"/>
+          </a:ln>
+        </p:spPr>
+        <p:style>
+          <a:lnRef idx="1">
+            <a:schemeClr val="accent1"/>
+          </a:lnRef>
+          <a:fillRef idx="0">
+            <a:schemeClr val="accent1"/>
+          </a:fillRef>
+          <a:effectRef idx="0">
+            <a:schemeClr val="accent1"/>
+          </a:effectRef>
+          <a:fontRef idx="minor">
+            <a:schemeClr val="tx1"/>
+          </a:fontRef>
+        </p:style>
+      </p:cxnSp>
     </p:spTree>
     <p:extLst>
       <p:ext uri="{BB962C8B-B14F-4D97-AF65-F5344CB8AC3E}">

--- a/docs/diagrams/AttachmentSequenceDiagram.pptx
+++ b/docs/diagrams/AttachmentSequenceDiagram.pptx
@@ -4244,10 +4244,10 @@
       </p:grpSpPr>
       <p:grpSp>
         <p:nvGrpSpPr>
-          <p:cNvPr id="2" name="Group 1">
+          <p:cNvPr id="3" name="Group 2">
             <a:extLst>
               <a:ext uri="{FF2B5EF4-FFF2-40B4-BE49-F238E27FC236}">
-                <a16:creationId xmlns:a16="http://schemas.microsoft.com/office/drawing/2014/main" id="{CD40D259-0650-4BF1-89FB-3FD74C08CDF2}"/>
+                <a16:creationId xmlns:a16="http://schemas.microsoft.com/office/drawing/2014/main" id="{A78E2C37-BE83-4E8B-B091-CC60BBCA0AEA}"/>
               </a:ext>
             </a:extLst>
           </p:cNvPr>
@@ -4262,65 +4262,12 @@
             <a:chExt cx="8865382" cy="3105236"/>
           </a:xfrm>
         </p:grpSpPr>
-        <p:sp>
-          <p:nvSpPr>
-            <p:cNvPr id="43" name="TextBox 42">
+        <p:grpSp>
+          <p:nvGrpSpPr>
+            <p:cNvPr id="2" name="Group 1">
               <a:extLst>
                 <a:ext uri="{FF2B5EF4-FFF2-40B4-BE49-F238E27FC236}">
-                  <a16:creationId xmlns:a16="http://schemas.microsoft.com/office/drawing/2014/main" id="{0B3679E6-6315-4649-9BE6-C759DA88351A}"/>
-                </a:ext>
-              </a:extLst>
-            </p:cNvPr>
-            <p:cNvSpPr txBox="1"/>
-            <p:nvPr/>
-          </p:nvSpPr>
-          <p:spPr>
-            <a:xfrm>
-              <a:off x="3037511" y="1705768"/>
-              <a:ext cx="2600418" cy="215444"/>
-            </a:xfrm>
-            <a:prstGeom prst="rect">
-              <a:avLst/>
-            </a:prstGeom>
-            <a:noFill/>
-          </p:spPr>
-          <p:txBody>
-            <a:bodyPr wrap="square" lIns="0" tIns="0" rIns="0" bIns="0" rtlCol="0">
-              <a:spAutoFit/>
-            </a:bodyPr>
-            <a:lstStyle/>
-            <a:p>
-              <a:pPr algn="ctr"/>
-              <a:r>
-                <a:rPr lang="en-US" sz="1400" dirty="0">
-                  <a:solidFill>
-                    <a:srgbClr val="7030A0"/>
-                  </a:solidFill>
-                </a:rPr>
-                <a:t>Currently displayed </a:t>
-              </a:r>
-              <a:r>
-                <a:rPr lang="en-US" sz="1400" dirty="0" err="1">
-                  <a:solidFill>
-                    <a:srgbClr val="7030A0"/>
-                  </a:solidFill>
-                </a:rPr>
-                <a:t>TaskList</a:t>
-              </a:r>
-              <a:endParaRPr lang="en-US" sz="1400" dirty="0">
-                <a:solidFill>
-                  <a:srgbClr val="7030A0"/>
-                </a:solidFill>
-              </a:endParaRPr>
-            </a:p>
-          </p:txBody>
-        </p:sp>
-        <p:grpSp>
-          <p:nvGrpSpPr>
-            <p:cNvPr id="13" name="Group 12">
-              <a:extLst>
-                <a:ext uri="{FF2B5EF4-FFF2-40B4-BE49-F238E27FC236}">
-                  <a16:creationId xmlns:a16="http://schemas.microsoft.com/office/drawing/2014/main" id="{7AF36B91-6CC6-4892-8A20-DF6D74BF2620}"/>
+                  <a16:creationId xmlns:a16="http://schemas.microsoft.com/office/drawing/2014/main" id="{CD40D259-0650-4BF1-89FB-3FD74C08CDF2}"/>
                 </a:ext>
               </a:extLst>
             </p:cNvPr>
@@ -4331,16 +4278,69 @@
             <a:xfrm>
               <a:off x="152400" y="628564"/>
               <a:ext cx="8865382" cy="3105236"/>
-              <a:chOff x="202418" y="628564"/>
+              <a:chOff x="152400" y="628564"/>
               <a:chExt cx="8865382" cy="3105236"/>
             </a:xfrm>
           </p:grpSpPr>
+          <p:sp>
+            <p:nvSpPr>
+              <p:cNvPr id="43" name="TextBox 42">
+                <a:extLst>
+                  <a:ext uri="{FF2B5EF4-FFF2-40B4-BE49-F238E27FC236}">
+                    <a16:creationId xmlns:a16="http://schemas.microsoft.com/office/drawing/2014/main" id="{0B3679E6-6315-4649-9BE6-C759DA88351A}"/>
+                  </a:ext>
+                </a:extLst>
+              </p:cNvPr>
+              <p:cNvSpPr txBox="1"/>
+              <p:nvPr/>
+            </p:nvSpPr>
+            <p:spPr>
+              <a:xfrm>
+                <a:off x="3037511" y="1705768"/>
+                <a:ext cx="2600418" cy="215444"/>
+              </a:xfrm>
+              <a:prstGeom prst="rect">
+                <a:avLst/>
+              </a:prstGeom>
+              <a:noFill/>
+            </p:spPr>
+            <p:txBody>
+              <a:bodyPr wrap="square" lIns="0" tIns="0" rIns="0" bIns="0" rtlCol="0">
+                <a:spAutoFit/>
+              </a:bodyPr>
+              <a:lstStyle/>
+              <a:p>
+                <a:pPr algn="ctr"/>
+                <a:r>
+                  <a:rPr lang="en-US" sz="1400" dirty="0">
+                    <a:solidFill>
+                      <a:srgbClr val="7030A0"/>
+                    </a:solidFill>
+                  </a:rPr>
+                  <a:t>Currently displayed </a:t>
+                </a:r>
+                <a:r>
+                  <a:rPr lang="en-US" sz="1400" dirty="0" err="1">
+                    <a:solidFill>
+                      <a:srgbClr val="7030A0"/>
+                    </a:solidFill>
+                  </a:rPr>
+                  <a:t>TaskList</a:t>
+                </a:r>
+                <a:endParaRPr lang="en-US" sz="1400" dirty="0">
+                  <a:solidFill>
+                    <a:srgbClr val="7030A0"/>
+                  </a:solidFill>
+                </a:endParaRPr>
+              </a:p>
+            </p:txBody>
+          </p:sp>
           <p:grpSp>
             <p:nvGrpSpPr>
-              <p:cNvPr id="7" name="Group 6">
+              <p:cNvPr id="13" name="Group 12">
                 <a:extLst>
                   <a:ext uri="{FF2B5EF4-FFF2-40B4-BE49-F238E27FC236}">
-                    <a16:creationId xmlns:a16="http://schemas.microsoft.com/office/drawing/2014/main" id="{382D308B-3153-4C6D-88C2-888ECE25F100}"/>
+                    <a16:creationId xmlns:a16="http://schemas.microsoft.com/office/drawing/2014/main" id="{7AF36B91-6CC6-4892-8A20-DF6D74BF2620}"/>
                   </a:ext>
                 </a:extLst>
               </p:cNvPr>
@@ -4349,27 +4349,365 @@
             </p:nvGrpSpPr>
             <p:grpSpPr>
               <a:xfrm>
-                <a:off x="3048000" y="2984956"/>
-                <a:ext cx="2602899" cy="215444"/>
-                <a:chOff x="3076495" y="3607712"/>
-                <a:chExt cx="2602899" cy="215444"/>
+                <a:off x="152400" y="628564"/>
+                <a:ext cx="8865382" cy="3105236"/>
+                <a:chOff x="202418" y="628564"/>
+                <a:chExt cx="8865382" cy="3105236"/>
               </a:xfrm>
             </p:grpSpPr>
-            <p:sp>
-              <p:nvSpPr>
-                <p:cNvPr id="105" name="TextBox 104">
+            <p:grpSp>
+              <p:nvGrpSpPr>
+                <p:cNvPr id="7" name="Group 6">
                   <a:extLst>
                     <a:ext uri="{FF2B5EF4-FFF2-40B4-BE49-F238E27FC236}">
-                      <a16:creationId xmlns:a16="http://schemas.microsoft.com/office/drawing/2014/main" id="{1E0BE64C-CD63-4795-ACC6-0AB1C50EAC49}"/>
+                      <a16:creationId xmlns:a16="http://schemas.microsoft.com/office/drawing/2014/main" id="{382D308B-3153-4C6D-88C2-888ECE25F100}"/>
                     </a:ext>
                   </a:extLst>
                 </p:cNvPr>
+                <p:cNvGrpSpPr/>
+                <p:nvPr/>
+              </p:nvGrpSpPr>
+              <p:grpSpPr>
+                <a:xfrm>
+                  <a:off x="3048000" y="2984956"/>
+                  <a:ext cx="2602899" cy="215444"/>
+                  <a:chOff x="3076495" y="3607712"/>
+                  <a:chExt cx="2602899" cy="215444"/>
+                </a:xfrm>
+              </p:grpSpPr>
+              <p:sp>
+                <p:nvSpPr>
+                  <p:cNvPr id="105" name="TextBox 104">
+                    <a:extLst>
+                      <a:ext uri="{FF2B5EF4-FFF2-40B4-BE49-F238E27FC236}">
+                        <a16:creationId xmlns:a16="http://schemas.microsoft.com/office/drawing/2014/main" id="{1E0BE64C-CD63-4795-ACC6-0AB1C50EAC49}"/>
+                      </a:ext>
+                    </a:extLst>
+                  </p:cNvPr>
+                  <p:cNvSpPr txBox="1"/>
+                  <p:nvPr/>
+                </p:nvSpPr>
+                <p:spPr>
+                  <a:xfrm>
+                    <a:off x="3240994" y="3607712"/>
+                    <a:ext cx="2438400" cy="215444"/>
+                  </a:xfrm>
+                  <a:prstGeom prst="rect">
+                    <a:avLst/>
+                  </a:prstGeom>
+                  <a:noFill/>
+                </p:spPr>
+                <p:txBody>
+                  <a:bodyPr wrap="square" lIns="0" tIns="0" rIns="0" bIns="0" rtlCol="0">
+                    <a:spAutoFit/>
+                  </a:bodyPr>
+                  <a:lstStyle/>
+                  <a:p>
+                    <a:pPr algn="ctr"/>
+                    <a:r>
+                      <a:rPr lang="en-US" sz="1400" dirty="0" err="1">
+                        <a:solidFill>
+                          <a:schemeClr val="accent5">
+                            <a:lumMod val="75000"/>
+                          </a:schemeClr>
+                        </a:solidFill>
+                      </a:rPr>
+                      <a:t>commitTaskCollection</a:t>
+                    </a:r>
+                    <a:r>
+                      <a:rPr lang="en-US" sz="1400" dirty="0">
+                        <a:solidFill>
+                          <a:schemeClr val="accent5">
+                            <a:lumMod val="75000"/>
+                          </a:schemeClr>
+                        </a:solidFill>
+                      </a:rPr>
+                      <a:t>(…)</a:t>
+                    </a:r>
+                  </a:p>
+                </p:txBody>
+              </p:sp>
+              <p:cxnSp>
+                <p:nvCxnSpPr>
+                  <p:cNvPr id="106" name="Straight Arrow Connector 105">
+                    <a:extLst>
+                      <a:ext uri="{FF2B5EF4-FFF2-40B4-BE49-F238E27FC236}">
+                        <a16:creationId xmlns:a16="http://schemas.microsoft.com/office/drawing/2014/main" id="{A050C0EA-7D24-4A1D-8372-BFFA8DB982F3}"/>
+                      </a:ext>
+                    </a:extLst>
+                  </p:cNvPr>
+                  <p:cNvCxnSpPr/>
+                  <p:nvPr/>
+                </p:nvCxnSpPr>
+                <p:spPr>
+                  <a:xfrm>
+                    <a:off x="3076495" y="3823156"/>
+                    <a:ext cx="2568438" cy="0"/>
+                  </a:xfrm>
+                  <a:prstGeom prst="straightConnector1">
+                    <a:avLst/>
+                  </a:prstGeom>
+                  <a:ln w="19050">
+                    <a:solidFill>
+                      <a:srgbClr val="7030A0"/>
+                    </a:solidFill>
+                    <a:tailEnd type="arrow"/>
+                  </a:ln>
+                </p:spPr>
+                <p:style>
+                  <a:lnRef idx="1">
+                    <a:schemeClr val="accent1"/>
+                  </a:lnRef>
+                  <a:fillRef idx="0">
+                    <a:schemeClr val="accent1"/>
+                  </a:fillRef>
+                  <a:effectRef idx="0">
+                    <a:schemeClr val="accent1"/>
+                  </a:effectRef>
+                  <a:fontRef idx="minor">
+                    <a:schemeClr val="tx1"/>
+                  </a:fontRef>
+                </p:style>
+              </p:cxnSp>
+            </p:grpSp>
+            <p:sp>
+              <p:nvSpPr>
+                <p:cNvPr id="19" name="Rectangle 62"/>
+                <p:cNvSpPr/>
+                <p:nvPr/>
+              </p:nvSpPr>
+              <p:spPr>
+                <a:xfrm>
+                  <a:off x="1913121" y="628564"/>
+                  <a:ext cx="2057393" cy="344660"/>
+                </a:xfrm>
+                <a:prstGeom prst="rect">
+                  <a:avLst/>
+                </a:prstGeom>
+                <a:solidFill>
+                  <a:srgbClr val="7030A0"/>
+                </a:solidFill>
+                <a:ln w="19050">
+                  <a:solidFill>
+                    <a:srgbClr val="7030A0"/>
+                  </a:solidFill>
+                </a:ln>
+                <a:effectLst/>
+              </p:spPr>
+              <p:style>
+                <a:lnRef idx="1">
+                  <a:schemeClr val="accent2"/>
+                </a:lnRef>
+                <a:fillRef idx="2">
+                  <a:schemeClr val="accent2"/>
+                </a:fillRef>
+                <a:effectRef idx="1">
+                  <a:schemeClr val="accent2"/>
+                </a:effectRef>
+                <a:fontRef idx="minor">
+                  <a:schemeClr val="dk1"/>
+                </a:fontRef>
+              </p:style>
+              <p:txBody>
+                <a:bodyPr rtlCol="0" anchor="ctr"/>
+                <a:lstStyle/>
+                <a:p>
+                  <a:pPr algn="ctr"/>
+                  <a:r>
+                    <a:rPr lang="en-US" sz="1600" dirty="0">
+                      <a:solidFill>
+                        <a:schemeClr val="bg1"/>
+                      </a:solidFill>
+                    </a:rPr>
+                    <a:t>:</a:t>
+                  </a:r>
+                  <a:r>
+                    <a:rPr lang="en-US" sz="1600" dirty="0" err="1">
+                      <a:solidFill>
+                        <a:schemeClr val="bg1"/>
+                      </a:solidFill>
+                    </a:rPr>
+                    <a:t>AttachmentCommand</a:t>
+                  </a:r>
+                  <a:endParaRPr lang="en-SG" sz="1600" dirty="0">
+                    <a:solidFill>
+                      <a:schemeClr val="bg1"/>
+                    </a:solidFill>
+                  </a:endParaRPr>
+                </a:p>
+              </p:txBody>
+            </p:sp>
+            <p:cxnSp>
+              <p:nvCxnSpPr>
+                <p:cNvPr id="20" name="Straight Connector 19"/>
+                <p:cNvCxnSpPr>
+                  <a:cxnSpLocks/>
+                </p:cNvCxnSpPr>
+                <p:nvPr/>
+              </p:nvCxnSpPr>
+              <p:spPr>
+                <a:xfrm>
+                  <a:off x="2941818" y="999453"/>
+                  <a:ext cx="0" cy="2734347"/>
+                </a:xfrm>
+                <a:prstGeom prst="line">
+                  <a:avLst/>
+                </a:prstGeom>
+                <a:ln w="19050">
+                  <a:solidFill>
+                    <a:srgbClr val="7030A0"/>
+                  </a:solidFill>
+                  <a:prstDash val="sysDash"/>
+                </a:ln>
+                <a:effectLst/>
+              </p:spPr>
+              <p:style>
+                <a:lnRef idx="1">
+                  <a:schemeClr val="accent1"/>
+                </a:lnRef>
+                <a:fillRef idx="2">
+                  <a:schemeClr val="accent1"/>
+                </a:fillRef>
+                <a:effectRef idx="1">
+                  <a:schemeClr val="accent1"/>
+                </a:effectRef>
+                <a:fontRef idx="minor">
+                  <a:schemeClr val="dk1"/>
+                </a:fontRef>
+              </p:style>
+            </p:cxnSp>
+            <p:sp>
+              <p:nvSpPr>
+                <p:cNvPr id="21" name="Rectangle 20"/>
+                <p:cNvSpPr/>
+                <p:nvPr/>
+              </p:nvSpPr>
+              <p:spPr>
+                <a:xfrm>
+                  <a:off x="2869810" y="1566262"/>
+                  <a:ext cx="130290" cy="2015109"/>
+                </a:xfrm>
+                <a:prstGeom prst="rect">
+                  <a:avLst/>
+                </a:prstGeom>
+                <a:solidFill>
+                  <a:srgbClr val="7030A0"/>
+                </a:solidFill>
+                <a:ln>
+                  <a:solidFill>
+                    <a:srgbClr val="7030A0"/>
+                  </a:solidFill>
+                </a:ln>
+                <a:effectLst/>
+              </p:spPr>
+              <p:style>
+                <a:lnRef idx="1">
+                  <a:schemeClr val="accent3"/>
+                </a:lnRef>
+                <a:fillRef idx="2">
+                  <a:schemeClr val="accent3"/>
+                </a:fillRef>
+                <a:effectRef idx="1">
+                  <a:schemeClr val="accent3"/>
+                </a:effectRef>
+                <a:fontRef idx="minor">
+                  <a:schemeClr val="dk1"/>
+                </a:fontRef>
+              </p:style>
+              <p:txBody>
+                <a:bodyPr rtlCol="0" anchor="ctr"/>
+                <a:lstStyle/>
+                <a:p>
+                  <a:pPr algn="ctr"/>
+                  <a:endParaRPr lang="en-SG" sz="1400">
+                    <a:solidFill>
+                      <a:schemeClr val="dk1"/>
+                    </a:solidFill>
+                  </a:endParaRPr>
+                </a:p>
+              </p:txBody>
+            </p:sp>
+            <p:cxnSp>
+              <p:nvCxnSpPr>
+                <p:cNvPr id="28" name="Straight Arrow Connector 27"/>
+                <p:cNvCxnSpPr>
+                  <a:cxnSpLocks/>
+                </p:cNvCxnSpPr>
+                <p:nvPr/>
+              </p:nvCxnSpPr>
+              <p:spPr>
+                <a:xfrm>
+                  <a:off x="202418" y="1566265"/>
+                  <a:ext cx="2667392" cy="0"/>
+                </a:xfrm>
+                <a:prstGeom prst="straightConnector1">
+                  <a:avLst/>
+                </a:prstGeom>
+                <a:ln w="19050">
+                  <a:solidFill>
+                    <a:srgbClr val="0070C0"/>
+                  </a:solidFill>
+                  <a:tailEnd type="arrow"/>
+                </a:ln>
+              </p:spPr>
+              <p:style>
+                <a:lnRef idx="1">
+                  <a:schemeClr val="accent1"/>
+                </a:lnRef>
+                <a:fillRef idx="0">
+                  <a:schemeClr val="accent1"/>
+                </a:fillRef>
+                <a:effectRef idx="0">
+                  <a:schemeClr val="accent1"/>
+                </a:effectRef>
+                <a:fontRef idx="minor">
+                  <a:schemeClr val="tx1"/>
+                </a:fontRef>
+              </p:style>
+            </p:cxnSp>
+            <p:sp>
+              <p:nvSpPr>
+                <p:cNvPr id="29" name="TextBox 28"/>
                 <p:cNvSpPr txBox="1"/>
                 <p:nvPr/>
               </p:nvSpPr>
               <p:spPr>
                 <a:xfrm>
-                  <a:off x="3240994" y="3607712"/>
+                  <a:off x="202418" y="1295400"/>
+                  <a:ext cx="2600418" cy="215444"/>
+                </a:xfrm>
+                <a:prstGeom prst="rect">
+                  <a:avLst/>
+                </a:prstGeom>
+                <a:noFill/>
+              </p:spPr>
+              <p:txBody>
+                <a:bodyPr wrap="square" lIns="0" tIns="0" rIns="0" bIns="0" rtlCol="0">
+                  <a:spAutoFit/>
+                </a:bodyPr>
+                <a:lstStyle/>
+                <a:p>
+                  <a:pPr algn="ctr"/>
+                  <a:r>
+                    <a:rPr lang="en-US" sz="1400" dirty="0">
+                      <a:solidFill>
+                        <a:srgbClr val="7030A0"/>
+                      </a:solidFill>
+                    </a:rPr>
+                    <a:t>execute(model, history)</a:t>
+                  </a:r>
+                </a:p>
+              </p:txBody>
+            </p:sp>
+            <p:sp>
+              <p:nvSpPr>
+                <p:cNvPr id="33" name="TextBox 32"/>
+                <p:cNvSpPr txBox="1"/>
+                <p:nvPr/>
+              </p:nvSpPr>
+              <p:spPr>
+                <a:xfrm>
+                  <a:off x="3200400" y="1441318"/>
                   <a:ext cx="2438400" cy="215444"/>
                 </a:xfrm>
                 <a:prstGeom prst="rect">
@@ -4392,7 +4730,7 @@
                         </a:schemeClr>
                       </a:solidFill>
                     </a:rPr>
-                    <a:t>commitTaskCollection</a:t>
+                    <a:t>getFilteredTaskList</a:t>
                   </a:r>
                   <a:r>
                     <a:rPr lang="en-US" sz="1400" dirty="0">
@@ -4402,26 +4740,217 @@
                         </a:schemeClr>
                       </a:solidFill>
                     </a:rPr>
-                    <a:t>(…)</a:t>
+                    <a:t>()</a:t>
                   </a:r>
                 </a:p>
               </p:txBody>
             </p:sp>
             <p:cxnSp>
               <p:nvCxnSpPr>
-                <p:cNvPr id="106" name="Straight Arrow Connector 105">
-                  <a:extLst>
-                    <a:ext uri="{FF2B5EF4-FFF2-40B4-BE49-F238E27FC236}">
-                      <a16:creationId xmlns:a16="http://schemas.microsoft.com/office/drawing/2014/main" id="{A050C0EA-7D24-4A1D-8372-BFFA8DB982F3}"/>
-                    </a:ext>
-                  </a:extLst>
-                </p:cNvPr>
+                <p:cNvPr id="34" name="Straight Arrow Connector 33"/>
                 <p:cNvCxnSpPr/>
                 <p:nvPr/>
               </p:nvCxnSpPr>
               <p:spPr>
                 <a:xfrm>
-                  <a:off x="3076495" y="3823156"/>
+                  <a:off x="1042052" y="3581400"/>
+                  <a:ext cx="1837184" cy="0"/>
+                </a:xfrm>
+                <a:prstGeom prst="straightConnector1">
+                  <a:avLst/>
+                </a:prstGeom>
+                <a:ln w="19050">
+                  <a:solidFill>
+                    <a:srgbClr val="7030A0"/>
+                  </a:solidFill>
+                  <a:prstDash val="sysDash"/>
+                  <a:headEnd type="arrow" w="med" len="med"/>
+                  <a:tailEnd type="none" w="med" len="med"/>
+                </a:ln>
+              </p:spPr>
+              <p:style>
+                <a:lnRef idx="1">
+                  <a:schemeClr val="accent1"/>
+                </a:lnRef>
+                <a:fillRef idx="0">
+                  <a:schemeClr val="accent1"/>
+                </a:fillRef>
+                <a:effectRef idx="0">
+                  <a:schemeClr val="accent1"/>
+                </a:effectRef>
+                <a:fontRef idx="minor">
+                  <a:schemeClr val="tx1"/>
+                </a:fontRef>
+              </p:style>
+            </p:cxnSp>
+            <p:sp>
+              <p:nvSpPr>
+                <p:cNvPr id="39" name="Rectangle 62"/>
+                <p:cNvSpPr/>
+                <p:nvPr/>
+              </p:nvSpPr>
+              <p:spPr>
+                <a:xfrm>
+                  <a:off x="4740759" y="635782"/>
+                  <a:ext cx="1812439" cy="346760"/>
+                </a:xfrm>
+                <a:prstGeom prst="rect">
+                  <a:avLst/>
+                </a:prstGeom>
+                <a:solidFill>
+                  <a:schemeClr val="accent5">
+                    <a:lumMod val="75000"/>
+                  </a:schemeClr>
+                </a:solidFill>
+                <a:ln w="19050">
+                  <a:solidFill>
+                    <a:schemeClr val="accent5">
+                      <a:lumMod val="75000"/>
+                    </a:schemeClr>
+                  </a:solidFill>
+                </a:ln>
+                <a:effectLst/>
+              </p:spPr>
+              <p:style>
+                <a:lnRef idx="1">
+                  <a:schemeClr val="accent2"/>
+                </a:lnRef>
+                <a:fillRef idx="2">
+                  <a:schemeClr val="accent2"/>
+                </a:fillRef>
+                <a:effectRef idx="1">
+                  <a:schemeClr val="accent2"/>
+                </a:effectRef>
+                <a:fontRef idx="minor">
+                  <a:schemeClr val="dk1"/>
+                </a:fontRef>
+              </p:style>
+              <p:txBody>
+                <a:bodyPr rtlCol="0" anchor="ctr"/>
+                <a:lstStyle/>
+                <a:p>
+                  <a:pPr algn="ctr"/>
+                  <a:r>
+                    <a:rPr lang="en-US" sz="1600" dirty="0">
+                      <a:solidFill>
+                        <a:schemeClr val="bg1"/>
+                      </a:solidFill>
+                    </a:rPr>
+                    <a:t>:Model</a:t>
+                  </a:r>
+                  <a:endParaRPr lang="en-SG" sz="1600" dirty="0">
+                    <a:solidFill>
+                      <a:schemeClr val="bg1"/>
+                    </a:solidFill>
+                  </a:endParaRPr>
+                </a:p>
+              </p:txBody>
+            </p:sp>
+            <p:cxnSp>
+              <p:nvCxnSpPr>
+                <p:cNvPr id="40" name="Straight Connector 39"/>
+                <p:cNvCxnSpPr>
+                  <a:cxnSpLocks/>
+                </p:cNvCxnSpPr>
+                <p:nvPr/>
+              </p:nvCxnSpPr>
+              <p:spPr>
+                <a:xfrm>
+                  <a:off x="5661362" y="988836"/>
+                  <a:ext cx="0" cy="2744964"/>
+                </a:xfrm>
+                <a:prstGeom prst="line">
+                  <a:avLst/>
+                </a:prstGeom>
+                <a:ln w="19050">
+                  <a:solidFill>
+                    <a:schemeClr val="accent5">
+                      <a:lumMod val="75000"/>
+                    </a:schemeClr>
+                  </a:solidFill>
+                  <a:prstDash val="sysDash"/>
+                </a:ln>
+                <a:effectLst/>
+              </p:spPr>
+              <p:style>
+                <a:lnRef idx="1">
+                  <a:schemeClr val="accent1"/>
+                </a:lnRef>
+                <a:fillRef idx="2">
+                  <a:schemeClr val="accent1"/>
+                </a:fillRef>
+                <a:effectRef idx="1">
+                  <a:schemeClr val="accent1"/>
+                </a:effectRef>
+                <a:fontRef idx="minor">
+                  <a:schemeClr val="dk1"/>
+                </a:fontRef>
+              </p:style>
+            </p:cxnSp>
+            <p:sp>
+              <p:nvSpPr>
+                <p:cNvPr id="41" name="Rectangle 40"/>
+                <p:cNvSpPr/>
+                <p:nvPr/>
+              </p:nvSpPr>
+              <p:spPr>
+                <a:xfrm>
+                  <a:off x="5594704" y="1676401"/>
+                  <a:ext cx="143637" cy="215440"/>
+                </a:xfrm>
+                <a:prstGeom prst="rect">
+                  <a:avLst/>
+                </a:prstGeom>
+                <a:solidFill>
+                  <a:schemeClr val="accent5">
+                    <a:lumMod val="75000"/>
+                  </a:schemeClr>
+                </a:solidFill>
+                <a:ln>
+                  <a:solidFill>
+                    <a:schemeClr val="accent5">
+                      <a:lumMod val="75000"/>
+                    </a:schemeClr>
+                  </a:solidFill>
+                </a:ln>
+                <a:effectLst/>
+              </p:spPr>
+              <p:style>
+                <a:lnRef idx="1">
+                  <a:schemeClr val="accent3"/>
+                </a:lnRef>
+                <a:fillRef idx="2">
+                  <a:schemeClr val="accent3"/>
+                </a:fillRef>
+                <a:effectRef idx="1">
+                  <a:schemeClr val="accent3"/>
+                </a:effectRef>
+                <a:fontRef idx="minor">
+                  <a:schemeClr val="dk1"/>
+                </a:fontRef>
+              </p:style>
+              <p:txBody>
+                <a:bodyPr rtlCol="0" anchor="ctr"/>
+                <a:lstStyle/>
+                <a:p>
+                  <a:pPr algn="ctr"/>
+                  <a:endParaRPr lang="en-SG" sz="1400">
+                    <a:solidFill>
+                      <a:schemeClr val="dk1"/>
+                    </a:solidFill>
+                  </a:endParaRPr>
+                </a:p>
+              </p:txBody>
+            </p:sp>
+            <p:cxnSp>
+              <p:nvCxnSpPr>
+                <p:cNvPr id="42" name="Straight Arrow Connector 41"/>
+                <p:cNvCxnSpPr/>
+                <p:nvPr/>
+              </p:nvCxnSpPr>
+              <p:spPr>
+                <a:xfrm>
+                  <a:off x="3007406" y="1704681"/>
                   <a:ext cx="2568438" cy="0"/>
                 </a:xfrm>
                 <a:prstGeom prst="straightConnector1">
@@ -4449,774 +4978,416 @@
                 </a:fontRef>
               </p:style>
             </p:cxnSp>
-          </p:grpSp>
-          <p:sp>
-            <p:nvSpPr>
-              <p:cNvPr id="19" name="Rectangle 62"/>
-              <p:cNvSpPr/>
-              <p:nvPr/>
-            </p:nvSpPr>
-            <p:spPr>
-              <a:xfrm>
-                <a:off x="1913121" y="628564"/>
-                <a:ext cx="2057393" cy="344660"/>
-              </a:xfrm>
-              <a:prstGeom prst="rect">
-                <a:avLst/>
-              </a:prstGeom>
-              <a:solidFill>
-                <a:srgbClr val="7030A0"/>
-              </a:solidFill>
-              <a:ln w="19050">
-                <a:solidFill>
-                  <a:srgbClr val="7030A0"/>
-                </a:solidFill>
-              </a:ln>
-              <a:effectLst/>
-            </p:spPr>
-            <p:style>
-              <a:lnRef idx="1">
-                <a:schemeClr val="accent2"/>
-              </a:lnRef>
-              <a:fillRef idx="2">
-                <a:schemeClr val="accent2"/>
-              </a:fillRef>
-              <a:effectRef idx="1">
-                <a:schemeClr val="accent2"/>
-              </a:effectRef>
-              <a:fontRef idx="minor">
-                <a:schemeClr val="dk1"/>
-              </a:fontRef>
-            </p:style>
-            <p:txBody>
-              <a:bodyPr rtlCol="0" anchor="ctr"/>
-              <a:lstStyle/>
-              <a:p>
-                <a:pPr algn="ctr"/>
-                <a:r>
-                  <a:rPr lang="en-US" sz="1600" dirty="0">
-                    <a:solidFill>
-                      <a:schemeClr val="bg1"/>
-                    </a:solidFill>
-                  </a:rPr>
-                  <a:t>:</a:t>
-                </a:r>
-                <a:r>
-                  <a:rPr lang="en-US" sz="1600" dirty="0" err="1">
-                    <a:solidFill>
-                      <a:schemeClr val="bg1"/>
-                    </a:solidFill>
-                  </a:rPr>
-                  <a:t>AttachmentCommand</a:t>
-                </a:r>
-                <a:endParaRPr lang="en-SG" sz="1600" dirty="0">
-                  <a:solidFill>
-                    <a:schemeClr val="bg1"/>
-                  </a:solidFill>
-                </a:endParaRPr>
-              </a:p>
-            </p:txBody>
-          </p:sp>
-          <p:cxnSp>
-            <p:nvCxnSpPr>
-              <p:cNvPr id="20" name="Straight Connector 19"/>
-              <p:cNvCxnSpPr>
-                <a:cxnSpLocks/>
-              </p:cNvCxnSpPr>
-              <p:nvPr/>
-            </p:nvCxnSpPr>
-            <p:spPr>
-              <a:xfrm>
-                <a:off x="2941818" y="999453"/>
-                <a:ext cx="0" cy="2734347"/>
-              </a:xfrm>
-              <a:prstGeom prst="line">
-                <a:avLst/>
-              </a:prstGeom>
-              <a:ln w="19050">
-                <a:solidFill>
-                  <a:srgbClr val="7030A0"/>
-                </a:solidFill>
-                <a:prstDash val="sysDash"/>
-              </a:ln>
-              <a:effectLst/>
-            </p:spPr>
-            <p:style>
-              <a:lnRef idx="1">
-                <a:schemeClr val="accent1"/>
-              </a:lnRef>
-              <a:fillRef idx="2">
-                <a:schemeClr val="accent1"/>
-              </a:fillRef>
-              <a:effectRef idx="1">
-                <a:schemeClr val="accent1"/>
-              </a:effectRef>
-              <a:fontRef idx="minor">
-                <a:schemeClr val="dk1"/>
-              </a:fontRef>
-            </p:style>
-          </p:cxnSp>
-          <p:sp>
-            <p:nvSpPr>
-              <p:cNvPr id="21" name="Rectangle 20"/>
-              <p:cNvSpPr/>
-              <p:nvPr/>
-            </p:nvSpPr>
-            <p:spPr>
-              <a:xfrm>
-                <a:off x="2869810" y="1566262"/>
-                <a:ext cx="130290" cy="2015109"/>
-              </a:xfrm>
-              <a:prstGeom prst="rect">
-                <a:avLst/>
-              </a:prstGeom>
-              <a:solidFill>
-                <a:srgbClr val="7030A0"/>
-              </a:solidFill>
-              <a:ln>
-                <a:solidFill>
-                  <a:srgbClr val="7030A0"/>
-                </a:solidFill>
-              </a:ln>
-              <a:effectLst/>
-            </p:spPr>
-            <p:style>
-              <a:lnRef idx="1">
-                <a:schemeClr val="accent3"/>
-              </a:lnRef>
-              <a:fillRef idx="2">
-                <a:schemeClr val="accent3"/>
-              </a:fillRef>
-              <a:effectRef idx="1">
-                <a:schemeClr val="accent3"/>
-              </a:effectRef>
-              <a:fontRef idx="minor">
-                <a:schemeClr val="dk1"/>
-              </a:fontRef>
-            </p:style>
-            <p:txBody>
-              <a:bodyPr rtlCol="0" anchor="ctr"/>
-              <a:lstStyle/>
-              <a:p>
-                <a:pPr algn="ctr"/>
-                <a:endParaRPr lang="en-SG" sz="1400">
-                  <a:solidFill>
-                    <a:schemeClr val="dk1"/>
-                  </a:solidFill>
-                </a:endParaRPr>
-              </a:p>
-            </p:txBody>
-          </p:sp>
-          <p:cxnSp>
-            <p:nvCxnSpPr>
-              <p:cNvPr id="28" name="Straight Arrow Connector 27"/>
-              <p:cNvCxnSpPr>
-                <a:cxnSpLocks/>
-              </p:cNvCxnSpPr>
-              <p:nvPr/>
-            </p:nvCxnSpPr>
-            <p:spPr>
-              <a:xfrm>
-                <a:off x="202418" y="1566265"/>
-                <a:ext cx="2667392" cy="0"/>
-              </a:xfrm>
-              <a:prstGeom prst="straightConnector1">
-                <a:avLst/>
-              </a:prstGeom>
-              <a:ln w="19050">
-                <a:solidFill>
-                  <a:srgbClr val="0070C0"/>
-                </a:solidFill>
-                <a:tailEnd type="arrow"/>
-              </a:ln>
-            </p:spPr>
-            <p:style>
-              <a:lnRef idx="1">
-                <a:schemeClr val="accent1"/>
-              </a:lnRef>
-              <a:fillRef idx="0">
-                <a:schemeClr val="accent1"/>
-              </a:fillRef>
-              <a:effectRef idx="0">
-                <a:schemeClr val="accent1"/>
-              </a:effectRef>
-              <a:fontRef idx="minor">
-                <a:schemeClr val="tx1"/>
-              </a:fontRef>
-            </p:style>
-          </p:cxnSp>
-          <p:sp>
-            <p:nvSpPr>
-              <p:cNvPr id="29" name="TextBox 28"/>
-              <p:cNvSpPr txBox="1"/>
-              <p:nvPr/>
-            </p:nvSpPr>
-            <p:spPr>
-              <a:xfrm>
-                <a:off x="202418" y="1295400"/>
-                <a:ext cx="2600418" cy="215444"/>
-              </a:xfrm>
-              <a:prstGeom prst="rect">
-                <a:avLst/>
-              </a:prstGeom>
-              <a:noFill/>
-            </p:spPr>
-            <p:txBody>
-              <a:bodyPr wrap="square" lIns="0" tIns="0" rIns="0" bIns="0" rtlCol="0">
-                <a:spAutoFit/>
-              </a:bodyPr>
-              <a:lstStyle/>
-              <a:p>
-                <a:pPr algn="ctr"/>
-                <a:r>
-                  <a:rPr lang="en-US" sz="1400" dirty="0">
-                    <a:solidFill>
-                      <a:srgbClr val="7030A0"/>
-                    </a:solidFill>
-                  </a:rPr>
-                  <a:t>execute(model, history)</a:t>
-                </a:r>
-              </a:p>
-            </p:txBody>
-          </p:sp>
-          <p:sp>
-            <p:nvSpPr>
-              <p:cNvPr id="33" name="TextBox 32"/>
-              <p:cNvSpPr txBox="1"/>
-              <p:nvPr/>
-            </p:nvSpPr>
-            <p:spPr>
-              <a:xfrm>
-                <a:off x="3200400" y="1441318"/>
-                <a:ext cx="2438400" cy="215444"/>
-              </a:xfrm>
-              <a:prstGeom prst="rect">
-                <a:avLst/>
-              </a:prstGeom>
-              <a:noFill/>
-            </p:spPr>
-            <p:txBody>
-              <a:bodyPr wrap="square" lIns="0" tIns="0" rIns="0" bIns="0" rtlCol="0">
-                <a:spAutoFit/>
-              </a:bodyPr>
-              <a:lstStyle/>
-              <a:p>
-                <a:pPr algn="ctr"/>
-                <a:r>
-                  <a:rPr lang="en-US" sz="1400" dirty="0" err="1">
-                    <a:solidFill>
-                      <a:schemeClr val="accent5">
-                        <a:lumMod val="75000"/>
-                      </a:schemeClr>
-                    </a:solidFill>
-                  </a:rPr>
-                  <a:t>getFilteredTaskList</a:t>
-                </a:r>
-                <a:r>
-                  <a:rPr lang="en-US" sz="1400" dirty="0">
-                    <a:solidFill>
-                      <a:schemeClr val="accent5">
-                        <a:lumMod val="75000"/>
-                      </a:schemeClr>
-                    </a:solidFill>
-                  </a:rPr>
-                  <a:t>()</a:t>
-                </a:r>
-              </a:p>
-            </p:txBody>
-          </p:sp>
-          <p:cxnSp>
-            <p:nvCxnSpPr>
-              <p:cNvPr id="34" name="Straight Arrow Connector 33"/>
-              <p:cNvCxnSpPr/>
-              <p:nvPr/>
-            </p:nvCxnSpPr>
-            <p:spPr>
-              <a:xfrm>
-                <a:off x="1042052" y="3581400"/>
-                <a:ext cx="1837184" cy="0"/>
-              </a:xfrm>
-              <a:prstGeom prst="straightConnector1">
-                <a:avLst/>
-              </a:prstGeom>
-              <a:ln w="19050">
-                <a:solidFill>
-                  <a:srgbClr val="7030A0"/>
-                </a:solidFill>
-                <a:prstDash val="sysDash"/>
-                <a:headEnd type="arrow" w="med" len="med"/>
-                <a:tailEnd type="none" w="med" len="med"/>
-              </a:ln>
-            </p:spPr>
-            <p:style>
-              <a:lnRef idx="1">
-                <a:schemeClr val="accent1"/>
-              </a:lnRef>
-              <a:fillRef idx="0">
-                <a:schemeClr val="accent1"/>
-              </a:fillRef>
-              <a:effectRef idx="0">
-                <a:schemeClr val="accent1"/>
-              </a:effectRef>
-              <a:fontRef idx="minor">
-                <a:schemeClr val="tx1"/>
-              </a:fontRef>
-            </p:style>
-          </p:cxnSp>
-          <p:sp>
-            <p:nvSpPr>
-              <p:cNvPr id="39" name="Rectangle 62"/>
-              <p:cNvSpPr/>
-              <p:nvPr/>
-            </p:nvSpPr>
-            <p:spPr>
-              <a:xfrm>
-                <a:off x="4740759" y="635782"/>
-                <a:ext cx="1812439" cy="346760"/>
-              </a:xfrm>
-              <a:prstGeom prst="rect">
-                <a:avLst/>
-              </a:prstGeom>
-              <a:solidFill>
-                <a:schemeClr val="accent5">
-                  <a:lumMod val="75000"/>
-                </a:schemeClr>
-              </a:solidFill>
-              <a:ln w="19050">
-                <a:solidFill>
-                  <a:schemeClr val="accent5">
-                    <a:lumMod val="75000"/>
-                  </a:schemeClr>
-                </a:solidFill>
-              </a:ln>
-              <a:effectLst/>
-            </p:spPr>
-            <p:style>
-              <a:lnRef idx="1">
-                <a:schemeClr val="accent2"/>
-              </a:lnRef>
-              <a:fillRef idx="2">
-                <a:schemeClr val="accent2"/>
-              </a:fillRef>
-              <a:effectRef idx="1">
-                <a:schemeClr val="accent2"/>
-              </a:effectRef>
-              <a:fontRef idx="minor">
-                <a:schemeClr val="dk1"/>
-              </a:fontRef>
-            </p:style>
-            <p:txBody>
-              <a:bodyPr rtlCol="0" anchor="ctr"/>
-              <a:lstStyle/>
-              <a:p>
-                <a:pPr algn="ctr"/>
-                <a:r>
-                  <a:rPr lang="en-US" sz="1600" dirty="0">
-                    <a:solidFill>
-                      <a:schemeClr val="bg1"/>
-                    </a:solidFill>
-                  </a:rPr>
-                  <a:t>:Model</a:t>
-                </a:r>
-                <a:endParaRPr lang="en-SG" sz="1600" dirty="0">
-                  <a:solidFill>
-                    <a:schemeClr val="bg1"/>
-                  </a:solidFill>
-                </a:endParaRPr>
-              </a:p>
-            </p:txBody>
-          </p:sp>
-          <p:cxnSp>
-            <p:nvCxnSpPr>
-              <p:cNvPr id="40" name="Straight Connector 39"/>
-              <p:cNvCxnSpPr>
-                <a:cxnSpLocks/>
-              </p:cNvCxnSpPr>
-              <p:nvPr/>
-            </p:nvCxnSpPr>
-            <p:spPr>
-              <a:xfrm>
-                <a:off x="5661362" y="988836"/>
-                <a:ext cx="0" cy="2744964"/>
-              </a:xfrm>
-              <a:prstGeom prst="line">
-                <a:avLst/>
-              </a:prstGeom>
-              <a:ln w="19050">
-                <a:solidFill>
-                  <a:schemeClr val="accent5">
-                    <a:lumMod val="75000"/>
-                  </a:schemeClr>
-                </a:solidFill>
-                <a:prstDash val="sysDash"/>
-              </a:ln>
-              <a:effectLst/>
-            </p:spPr>
-            <p:style>
-              <a:lnRef idx="1">
-                <a:schemeClr val="accent1"/>
-              </a:lnRef>
-              <a:fillRef idx="2">
-                <a:schemeClr val="accent1"/>
-              </a:fillRef>
-              <a:effectRef idx="1">
-                <a:schemeClr val="accent1"/>
-              </a:effectRef>
-              <a:fontRef idx="minor">
-                <a:schemeClr val="dk1"/>
-              </a:fontRef>
-            </p:style>
-          </p:cxnSp>
-          <p:sp>
-            <p:nvSpPr>
-              <p:cNvPr id="41" name="Rectangle 40"/>
-              <p:cNvSpPr/>
-              <p:nvPr/>
-            </p:nvSpPr>
-            <p:spPr>
-              <a:xfrm>
-                <a:off x="5594704" y="1676401"/>
-                <a:ext cx="143637" cy="215440"/>
-              </a:xfrm>
-              <a:prstGeom prst="rect">
-                <a:avLst/>
-              </a:prstGeom>
-              <a:solidFill>
-                <a:schemeClr val="accent5">
-                  <a:lumMod val="75000"/>
-                </a:schemeClr>
-              </a:solidFill>
-              <a:ln>
-                <a:solidFill>
-                  <a:schemeClr val="accent5">
-                    <a:lumMod val="75000"/>
-                  </a:schemeClr>
-                </a:solidFill>
-              </a:ln>
-              <a:effectLst/>
-            </p:spPr>
-            <p:style>
-              <a:lnRef idx="1">
-                <a:schemeClr val="accent3"/>
-              </a:lnRef>
-              <a:fillRef idx="2">
-                <a:schemeClr val="accent3"/>
-              </a:fillRef>
-              <a:effectRef idx="1">
-                <a:schemeClr val="accent3"/>
-              </a:effectRef>
-              <a:fontRef idx="minor">
-                <a:schemeClr val="dk1"/>
-              </a:fontRef>
-            </p:style>
-            <p:txBody>
-              <a:bodyPr rtlCol="0" anchor="ctr"/>
-              <a:lstStyle/>
-              <a:p>
-                <a:pPr algn="ctr"/>
-                <a:endParaRPr lang="en-SG" sz="1400">
-                  <a:solidFill>
-                    <a:schemeClr val="dk1"/>
-                  </a:solidFill>
-                </a:endParaRPr>
-              </a:p>
-            </p:txBody>
-          </p:sp>
-          <p:cxnSp>
-            <p:nvCxnSpPr>
-              <p:cNvPr id="42" name="Straight Arrow Connector 41"/>
-              <p:cNvCxnSpPr/>
-              <p:nvPr/>
-            </p:nvCxnSpPr>
-            <p:spPr>
-              <a:xfrm>
-                <a:off x="3007406" y="1704681"/>
-                <a:ext cx="2568438" cy="0"/>
-              </a:xfrm>
-              <a:prstGeom prst="straightConnector1">
-                <a:avLst/>
-              </a:prstGeom>
-              <a:ln w="19050">
-                <a:solidFill>
-                  <a:srgbClr val="7030A0"/>
-                </a:solidFill>
-                <a:tailEnd type="arrow"/>
-              </a:ln>
-            </p:spPr>
-            <p:style>
-              <a:lnRef idx="1">
-                <a:schemeClr val="accent1"/>
-              </a:lnRef>
-              <a:fillRef idx="0">
-                <a:schemeClr val="accent1"/>
-              </a:fillRef>
-              <a:effectRef idx="0">
-                <a:schemeClr val="accent1"/>
-              </a:effectRef>
-              <a:fontRef idx="minor">
-                <a:schemeClr val="tx1"/>
-              </a:fontRef>
-            </p:style>
-          </p:cxnSp>
-          <p:sp>
-            <p:nvSpPr>
-              <p:cNvPr id="53" name="Rectangle 62"/>
-              <p:cNvSpPr/>
-              <p:nvPr/>
-            </p:nvSpPr>
-            <p:spPr>
-              <a:xfrm>
-                <a:off x="7162800" y="643840"/>
-                <a:ext cx="1812438" cy="346760"/>
-              </a:xfrm>
-              <a:prstGeom prst="rect">
-                <a:avLst/>
-              </a:prstGeom>
-              <a:solidFill>
-                <a:schemeClr val="accent6">
-                  <a:lumMod val="75000"/>
-                </a:schemeClr>
-              </a:solidFill>
-              <a:ln w="19050">
+            <p:sp>
+              <p:nvSpPr>
+                <p:cNvPr id="53" name="Rectangle 62"/>
+                <p:cNvSpPr/>
+                <p:nvPr/>
+              </p:nvSpPr>
+              <p:spPr>
+                <a:xfrm>
+                  <a:off x="7162800" y="643840"/>
+                  <a:ext cx="1812438" cy="346760"/>
+                </a:xfrm>
+                <a:prstGeom prst="rect">
+                  <a:avLst/>
+                </a:prstGeom>
                 <a:solidFill>
                   <a:schemeClr val="accent6">
                     <a:lumMod val="75000"/>
                   </a:schemeClr>
                 </a:solidFill>
-              </a:ln>
-              <a:effectLst/>
-            </p:spPr>
-            <p:style>
-              <a:lnRef idx="1">
-                <a:schemeClr val="accent2"/>
-              </a:lnRef>
-              <a:fillRef idx="2">
-                <a:schemeClr val="accent2"/>
-              </a:fillRef>
-              <a:effectRef idx="1">
-                <a:schemeClr val="accent2"/>
-              </a:effectRef>
-              <a:fontRef idx="minor">
-                <a:schemeClr val="dk1"/>
-              </a:fontRef>
-            </p:style>
-            <p:txBody>
-              <a:bodyPr rtlCol="0" anchor="ctr"/>
-              <a:lstStyle/>
-              <a:p>
-                <a:pPr algn="ctr"/>
-                <a:r>
-                  <a:rPr lang="en-US" sz="1600" dirty="0">
+                <a:ln w="19050">
+                  <a:solidFill>
+                    <a:schemeClr val="accent6">
+                      <a:lumMod val="75000"/>
+                    </a:schemeClr>
+                  </a:solidFill>
+                </a:ln>
+                <a:effectLst/>
+              </p:spPr>
+              <p:style>
+                <a:lnRef idx="1">
+                  <a:schemeClr val="accent2"/>
+                </a:lnRef>
+                <a:fillRef idx="2">
+                  <a:schemeClr val="accent2"/>
+                </a:fillRef>
+                <a:effectRef idx="1">
+                  <a:schemeClr val="accent2"/>
+                </a:effectRef>
+                <a:fontRef idx="minor">
+                  <a:schemeClr val="dk1"/>
+                </a:fontRef>
+              </p:style>
+              <p:txBody>
+                <a:bodyPr rtlCol="0" anchor="ctr"/>
+                <a:lstStyle/>
+                <a:p>
+                  <a:pPr algn="ctr"/>
+                  <a:r>
+                    <a:rPr lang="en-US" sz="1600" dirty="0">
+                      <a:solidFill>
+                        <a:schemeClr val="bg1"/>
+                      </a:solidFill>
+                    </a:rPr>
+                    <a:t>:</a:t>
+                  </a:r>
+                  <a:r>
+                    <a:rPr lang="en-US" sz="1600" dirty="0" err="1">
+                      <a:solidFill>
+                        <a:schemeClr val="bg1"/>
+                      </a:solidFill>
+                    </a:rPr>
+                    <a:t>AttachmentAction</a:t>
+                  </a:r>
+                  <a:endParaRPr lang="en-SG" sz="1600" dirty="0">
                     <a:solidFill>
                       <a:schemeClr val="bg1"/>
                     </a:solidFill>
-                  </a:rPr>
-                  <a:t>:</a:t>
-                </a:r>
-                <a:r>
-                  <a:rPr lang="en-US" sz="1600" dirty="0" err="1">
-                    <a:solidFill>
-                      <a:schemeClr val="bg1"/>
-                    </a:solidFill>
-                  </a:rPr>
-                  <a:t>AttachmentAction</a:t>
-                </a:r>
-                <a:endParaRPr lang="en-SG" sz="1600" dirty="0">
+                  </a:endParaRPr>
+                </a:p>
+              </p:txBody>
+            </p:sp>
+            <p:cxnSp>
+              <p:nvCxnSpPr>
+                <p:cNvPr id="54" name="Straight Connector 53"/>
+                <p:cNvCxnSpPr>
+                  <a:cxnSpLocks/>
+                </p:cNvCxnSpPr>
+                <p:nvPr/>
+              </p:nvCxnSpPr>
+              <p:spPr>
+                <a:xfrm>
+                  <a:off x="8073963" y="947652"/>
+                  <a:ext cx="0" cy="2786148"/>
+                </a:xfrm>
+                <a:prstGeom prst="line">
+                  <a:avLst/>
+                </a:prstGeom>
+                <a:ln w="19050">
                   <a:solidFill>
-                    <a:schemeClr val="bg1"/>
+                    <a:schemeClr val="accent6">
+                      <a:lumMod val="75000"/>
+                    </a:schemeClr>
                   </a:solidFill>
-                </a:endParaRPr>
-              </a:p>
-            </p:txBody>
-          </p:sp>
-          <p:cxnSp>
-            <p:nvCxnSpPr>
-              <p:cNvPr id="54" name="Straight Connector 53"/>
-              <p:cNvCxnSpPr>
-                <a:cxnSpLocks/>
-              </p:cNvCxnSpPr>
-              <p:nvPr/>
-            </p:nvCxnSpPr>
-            <p:spPr>
-              <a:xfrm>
-                <a:off x="8073963" y="947652"/>
-                <a:ext cx="0" cy="2786148"/>
-              </a:xfrm>
-              <a:prstGeom prst="line">
-                <a:avLst/>
-              </a:prstGeom>
-              <a:ln w="19050">
+                  <a:prstDash val="sysDash"/>
+                </a:ln>
+                <a:effectLst/>
+              </p:spPr>
+              <p:style>
+                <a:lnRef idx="1">
+                  <a:schemeClr val="accent1"/>
+                </a:lnRef>
+                <a:fillRef idx="2">
+                  <a:schemeClr val="accent1"/>
+                </a:fillRef>
+                <a:effectRef idx="1">
+                  <a:schemeClr val="accent1"/>
+                </a:effectRef>
+                <a:fontRef idx="minor">
+                  <a:schemeClr val="dk1"/>
+                </a:fontRef>
+              </p:style>
+            </p:cxnSp>
+            <p:sp>
+              <p:nvSpPr>
+                <p:cNvPr id="55" name="Rectangle 54"/>
+                <p:cNvSpPr/>
+                <p:nvPr/>
+              </p:nvSpPr>
+              <p:spPr>
+                <a:xfrm>
+                  <a:off x="8028922" y="2028817"/>
+                  <a:ext cx="124478" cy="287409"/>
+                </a:xfrm>
+                <a:prstGeom prst="rect">
+                  <a:avLst/>
+                </a:prstGeom>
                 <a:solidFill>
                   <a:schemeClr val="accent6">
                     <a:lumMod val="75000"/>
                   </a:schemeClr>
                 </a:solidFill>
-                <a:prstDash val="sysDash"/>
-              </a:ln>
-              <a:effectLst/>
-            </p:spPr>
-            <p:style>
-              <a:lnRef idx="1">
-                <a:schemeClr val="accent1"/>
-              </a:lnRef>
-              <a:fillRef idx="2">
-                <a:schemeClr val="accent1"/>
-              </a:fillRef>
-              <a:effectRef idx="1">
-                <a:schemeClr val="accent1"/>
-              </a:effectRef>
-              <a:fontRef idx="minor">
-                <a:schemeClr val="dk1"/>
-              </a:fontRef>
-            </p:style>
-          </p:cxnSp>
-          <p:sp>
-            <p:nvSpPr>
-              <p:cNvPr id="55" name="Rectangle 54"/>
-              <p:cNvSpPr/>
-              <p:nvPr/>
-            </p:nvSpPr>
-            <p:spPr>
-              <a:xfrm>
-                <a:off x="8028922" y="2028817"/>
-                <a:ext cx="124478" cy="287409"/>
-              </a:xfrm>
-              <a:prstGeom prst="rect">
-                <a:avLst/>
-              </a:prstGeom>
-              <a:solidFill>
-                <a:schemeClr val="accent6">
-                  <a:lumMod val="75000"/>
-                </a:schemeClr>
-              </a:solidFill>
-              <a:ln>
-                <a:solidFill>
-                  <a:schemeClr val="accent6">
-                    <a:lumMod val="75000"/>
-                  </a:schemeClr>
-                </a:solidFill>
-              </a:ln>
-              <a:effectLst/>
-            </p:spPr>
-            <p:style>
-              <a:lnRef idx="1">
-                <a:schemeClr val="accent3"/>
-              </a:lnRef>
-              <a:fillRef idx="2">
-                <a:schemeClr val="accent3"/>
-              </a:fillRef>
-              <a:effectRef idx="1">
-                <a:schemeClr val="accent3"/>
-              </a:effectRef>
-              <a:fontRef idx="minor">
-                <a:schemeClr val="dk1"/>
-              </a:fontRef>
-            </p:style>
-            <p:txBody>
-              <a:bodyPr rtlCol="0" anchor="ctr"/>
-              <a:lstStyle/>
-              <a:p>
-                <a:pPr algn="ctr"/>
-                <a:endParaRPr lang="en-SG" sz="1400">
+                <a:ln>
                   <a:solidFill>
-                    <a:schemeClr val="dk1"/>
+                    <a:schemeClr val="accent6">
+                      <a:lumMod val="75000"/>
+                    </a:schemeClr>
                   </a:solidFill>
-                </a:endParaRPr>
-              </a:p>
-            </p:txBody>
-          </p:sp>
-          <p:grpSp>
-            <p:nvGrpSpPr>
-              <p:cNvPr id="31" name="Group 30">
-                <a:extLst>
-                  <a:ext uri="{FF2B5EF4-FFF2-40B4-BE49-F238E27FC236}">
-                    <a16:creationId xmlns:a16="http://schemas.microsoft.com/office/drawing/2014/main" id="{2C5E074B-AFCD-42E8-9C10-B528EC520C56}"/>
-                  </a:ext>
-                </a:extLst>
-              </p:cNvPr>
-              <p:cNvGrpSpPr/>
-              <p:nvPr/>
-            </p:nvGrpSpPr>
-            <p:grpSpPr>
-              <a:xfrm>
-                <a:off x="2942870" y="2434177"/>
-                <a:ext cx="217351" cy="961027"/>
-                <a:chOff x="2942870" y="2437650"/>
-                <a:chExt cx="217351" cy="961027"/>
-              </a:xfrm>
-            </p:grpSpPr>
-            <p:sp>
-              <p:nvSpPr>
-                <p:cNvPr id="71" name="Freeform 58">
+                </a:ln>
+                <a:effectLst/>
+              </p:spPr>
+              <p:style>
+                <a:lnRef idx="1">
+                  <a:schemeClr val="accent3"/>
+                </a:lnRef>
+                <a:fillRef idx="2">
+                  <a:schemeClr val="accent3"/>
+                </a:fillRef>
+                <a:effectRef idx="1">
+                  <a:schemeClr val="accent3"/>
+                </a:effectRef>
+                <a:fontRef idx="minor">
+                  <a:schemeClr val="dk1"/>
+                </a:fontRef>
+              </p:style>
+              <p:txBody>
+                <a:bodyPr rtlCol="0" anchor="ctr"/>
+                <a:lstStyle/>
+                <a:p>
+                  <a:pPr algn="ctr"/>
+                  <a:endParaRPr lang="en-SG" sz="1400">
+                    <a:solidFill>
+                      <a:schemeClr val="dk1"/>
+                    </a:solidFill>
+                  </a:endParaRPr>
+                </a:p>
+              </p:txBody>
+            </p:sp>
+            <p:grpSp>
+              <p:nvGrpSpPr>
+                <p:cNvPr id="31" name="Group 30">
                   <a:extLst>
                     <a:ext uri="{FF2B5EF4-FFF2-40B4-BE49-F238E27FC236}">
-                      <a16:creationId xmlns:a16="http://schemas.microsoft.com/office/drawing/2014/main" id="{11D81225-E361-4653-9C06-31F3FDF98C02}"/>
+                      <a16:creationId xmlns:a16="http://schemas.microsoft.com/office/drawing/2014/main" id="{2C5E074B-AFCD-42E8-9C10-B528EC520C56}"/>
                     </a:ext>
                   </a:extLst>
                 </p:cNvPr>
-                <p:cNvSpPr/>
+                <p:cNvGrpSpPr/>
+                <p:nvPr/>
+              </p:nvGrpSpPr>
+              <p:grpSpPr>
+                <a:xfrm>
+                  <a:off x="2942870" y="2434177"/>
+                  <a:ext cx="217351" cy="961027"/>
+                  <a:chOff x="2942870" y="2437650"/>
+                  <a:chExt cx="217351" cy="961027"/>
+                </a:xfrm>
+              </p:grpSpPr>
+              <p:sp>
+                <p:nvSpPr>
+                  <p:cNvPr id="71" name="Freeform 58">
+                    <a:extLst>
+                      <a:ext uri="{FF2B5EF4-FFF2-40B4-BE49-F238E27FC236}">
+                        <a16:creationId xmlns:a16="http://schemas.microsoft.com/office/drawing/2014/main" id="{11D81225-E361-4653-9C06-31F3FDF98C02}"/>
+                      </a:ext>
+                    </a:extLst>
+                  </p:cNvPr>
+                  <p:cNvSpPr/>
+                  <p:nvPr/>
+                </p:nvSpPr>
+                <p:spPr>
+                  <a:xfrm rot="18999002" flipV="1">
+                    <a:off x="2992769" y="2437650"/>
+                    <a:ext cx="167452" cy="116880"/>
+                  </a:xfrm>
+                  <a:custGeom>
+                    <a:avLst/>
+                    <a:gdLst>
+                      <a:gd name="connsiteX0" fmla="*/ 0 w 226400"/>
+                      <a:gd name="connsiteY0" fmla="*/ 32920 h 171466"/>
+                      <a:gd name="connsiteX1" fmla="*/ 157018 w 226400"/>
+                      <a:gd name="connsiteY1" fmla="*/ 5211 h 171466"/>
+                      <a:gd name="connsiteX2" fmla="*/ 221673 w 226400"/>
+                      <a:gd name="connsiteY2" fmla="*/ 125284 h 171466"/>
+                      <a:gd name="connsiteX3" fmla="*/ 36945 w 226400"/>
+                      <a:gd name="connsiteY3" fmla="*/ 171466 h 171466"/>
+                    </a:gdLst>
+                    <a:ahLst/>
+                    <a:cxnLst>
+                      <a:cxn ang="0">
+                        <a:pos x="connsiteX0" y="connsiteY0"/>
+                      </a:cxn>
+                      <a:cxn ang="0">
+                        <a:pos x="connsiteX1" y="connsiteY1"/>
+                      </a:cxn>
+                      <a:cxn ang="0">
+                        <a:pos x="connsiteX2" y="connsiteY2"/>
+                      </a:cxn>
+                      <a:cxn ang="0">
+                        <a:pos x="connsiteX3" y="connsiteY3"/>
+                      </a:cxn>
+                    </a:cxnLst>
+                    <a:rect l="l" t="t" r="r" b="b"/>
+                    <a:pathLst>
+                      <a:path w="226400" h="171466">
+                        <a:moveTo>
+                          <a:pt x="0" y="32920"/>
+                        </a:moveTo>
+                        <a:cubicBezTo>
+                          <a:pt x="60036" y="11368"/>
+                          <a:pt x="120073" y="-10183"/>
+                          <a:pt x="157018" y="5211"/>
+                        </a:cubicBezTo>
+                        <a:cubicBezTo>
+                          <a:pt x="193963" y="20605"/>
+                          <a:pt x="241685" y="97575"/>
+                          <a:pt x="221673" y="125284"/>
+                        </a:cubicBezTo>
+                        <a:cubicBezTo>
+                          <a:pt x="201661" y="152993"/>
+                          <a:pt x="119303" y="162229"/>
+                          <a:pt x="36945" y="171466"/>
+                        </a:cubicBezTo>
+                      </a:path>
+                    </a:pathLst>
+                  </a:custGeom>
+                  <a:ln w="19050">
+                    <a:solidFill>
+                      <a:srgbClr val="7030A0"/>
+                    </a:solidFill>
+                    <a:headEnd type="arrow" w="med" len="med"/>
+                    <a:tailEnd type="none" w="med" len="med"/>
+                  </a:ln>
+                </p:spPr>
+                <p:style>
+                  <a:lnRef idx="1">
+                    <a:schemeClr val="accent1"/>
+                  </a:lnRef>
+                  <a:fillRef idx="0">
+                    <a:schemeClr val="accent1"/>
+                  </a:fillRef>
+                  <a:effectRef idx="0">
+                    <a:schemeClr val="accent1"/>
+                  </a:effectRef>
+                  <a:fontRef idx="minor">
+                    <a:schemeClr val="tx1"/>
+                  </a:fontRef>
+                </p:style>
+                <p:txBody>
+                  <a:bodyPr rtlCol="0" anchor="ctr"/>
+                  <a:lstStyle/>
+                  <a:p>
+                    <a:pPr algn="ctr"/>
+                    <a:endParaRPr lang="en-SG"/>
+                  </a:p>
+                </p:txBody>
+              </p:sp>
+              <p:sp>
+                <p:nvSpPr>
+                  <p:cNvPr id="73" name="Rectangle 72">
+                    <a:extLst>
+                      <a:ext uri="{FF2B5EF4-FFF2-40B4-BE49-F238E27FC236}">
+                        <a16:creationId xmlns:a16="http://schemas.microsoft.com/office/drawing/2014/main" id="{51092907-9B23-4940-8199-D931AB144E1A}"/>
+                      </a:ext>
+                    </a:extLst>
+                  </p:cNvPr>
+                  <p:cNvSpPr/>
+                  <p:nvPr/>
+                </p:nvSpPr>
+                <p:spPr>
+                  <a:xfrm flipH="1">
+                    <a:off x="2942870" y="2538130"/>
+                    <a:ext cx="113430" cy="860547"/>
+                  </a:xfrm>
+                  <a:prstGeom prst="rect">
+                    <a:avLst/>
+                  </a:prstGeom>
+                  <a:solidFill>
+                    <a:srgbClr val="7030A0"/>
+                  </a:solidFill>
+                  <a:ln>
+                    <a:solidFill>
+                      <a:schemeClr val="bg1"/>
+                    </a:solidFill>
+                  </a:ln>
+                  <a:effectLst/>
+                </p:spPr>
+                <p:style>
+                  <a:lnRef idx="1">
+                    <a:schemeClr val="accent3"/>
+                  </a:lnRef>
+                  <a:fillRef idx="2">
+                    <a:schemeClr val="accent3"/>
+                  </a:fillRef>
+                  <a:effectRef idx="1">
+                    <a:schemeClr val="accent3"/>
+                  </a:effectRef>
+                  <a:fontRef idx="minor">
+                    <a:schemeClr val="dk1"/>
+                  </a:fontRef>
+                </p:style>
+                <p:txBody>
+                  <a:bodyPr rtlCol="0" anchor="ctr"/>
+                  <a:lstStyle/>
+                  <a:p>
+                    <a:pPr algn="ctr"/>
+                    <a:endParaRPr lang="en-SG" sz="1400">
+                      <a:solidFill>
+                        <a:schemeClr val="dk1"/>
+                      </a:solidFill>
+                    </a:endParaRPr>
+                  </a:p>
+                </p:txBody>
+              </p:sp>
+            </p:grpSp>
+            <p:sp>
+              <p:nvSpPr>
+                <p:cNvPr id="75" name="TextBox 74">
+                  <a:extLst>
+                    <a:ext uri="{FF2B5EF4-FFF2-40B4-BE49-F238E27FC236}">
+                      <a16:creationId xmlns:a16="http://schemas.microsoft.com/office/drawing/2014/main" id="{E6E38CAC-60CD-4573-A774-1361FF05C3C8}"/>
+                    </a:ext>
+                  </a:extLst>
+                </p:cNvPr>
+                <p:cNvSpPr txBox="1"/>
                 <p:nvPr/>
               </p:nvSpPr>
               <p:spPr>
-                <a:xfrm rot="18999002" flipV="1">
-                  <a:off x="2992769" y="2437650"/>
-                  <a:ext cx="167452" cy="116880"/>
+                <a:xfrm>
+                  <a:off x="2279916" y="2523979"/>
+                  <a:ext cx="680301" cy="430887"/>
                 </a:xfrm>
-                <a:custGeom>
+                <a:prstGeom prst="rect">
                   <a:avLst/>
-                  <a:gdLst>
-                    <a:gd name="connsiteX0" fmla="*/ 0 w 226400"/>
-                    <a:gd name="connsiteY0" fmla="*/ 32920 h 171466"/>
-                    <a:gd name="connsiteX1" fmla="*/ 157018 w 226400"/>
-                    <a:gd name="connsiteY1" fmla="*/ 5211 h 171466"/>
-                    <a:gd name="connsiteX2" fmla="*/ 221673 w 226400"/>
-                    <a:gd name="connsiteY2" fmla="*/ 125284 h 171466"/>
-                    <a:gd name="connsiteX3" fmla="*/ 36945 w 226400"/>
-                    <a:gd name="connsiteY3" fmla="*/ 171466 h 171466"/>
-                  </a:gdLst>
-                  <a:ahLst/>
-                  <a:cxnLst>
-                    <a:cxn ang="0">
-                      <a:pos x="connsiteX0" y="connsiteY0"/>
-                    </a:cxn>
-                    <a:cxn ang="0">
-                      <a:pos x="connsiteX1" y="connsiteY1"/>
-                    </a:cxn>
-                    <a:cxn ang="0">
-                      <a:pos x="connsiteX2" y="connsiteY2"/>
-                    </a:cxn>
-                    <a:cxn ang="0">
-                      <a:pos x="connsiteX3" y="connsiteY3"/>
-                    </a:cxn>
-                  </a:cxnLst>
-                  <a:rect l="l" t="t" r="r" b="b"/>
-                  <a:pathLst>
-                    <a:path w="226400" h="171466">
-                      <a:moveTo>
-                        <a:pt x="0" y="32920"/>
-                      </a:moveTo>
-                      <a:cubicBezTo>
-                        <a:pt x="60036" y="11368"/>
-                        <a:pt x="120073" y="-10183"/>
-                        <a:pt x="157018" y="5211"/>
-                      </a:cubicBezTo>
-                      <a:cubicBezTo>
-                        <a:pt x="193963" y="20605"/>
-                        <a:pt x="241685" y="97575"/>
-                        <a:pt x="221673" y="125284"/>
-                      </a:cubicBezTo>
-                      <a:cubicBezTo>
-                        <a:pt x="201661" y="152993"/>
-                        <a:pt x="119303" y="162229"/>
-                        <a:pt x="36945" y="171466"/>
-                      </a:cubicBezTo>
-                    </a:path>
-                  </a:pathLst>
-                </a:custGeom>
+                </a:prstGeom>
+                <a:noFill/>
+              </p:spPr>
+              <p:txBody>
+                <a:bodyPr wrap="square" lIns="0" tIns="0" rIns="0" bIns="0" rtlCol="0">
+                  <a:spAutoFit/>
+                </a:bodyPr>
+                <a:lstStyle/>
+                <a:p>
+                  <a:r>
+                    <a:rPr lang="en-US" sz="1400" dirty="0">
+                      <a:solidFill>
+                        <a:srgbClr val="7030A0"/>
+                      </a:solidFill>
+                    </a:rPr>
+                    <a:t>Update Model</a:t>
+                  </a:r>
+                </a:p>
+              </p:txBody>
+            </p:sp>
+            <p:cxnSp>
+              <p:nvCxnSpPr>
+                <p:cNvPr id="56" name="Straight Arrow Connector 55">
+                  <a:extLst>
+                    <a:ext uri="{FF2B5EF4-FFF2-40B4-BE49-F238E27FC236}">
+                      <a16:creationId xmlns:a16="http://schemas.microsoft.com/office/drawing/2014/main" id="{26EA0FC8-EC7D-4D73-A592-DE223F0A31BF}"/>
+                    </a:ext>
+                  </a:extLst>
+                </p:cNvPr>
+                <p:cNvCxnSpPr/>
+                <p:nvPr/>
+              </p:nvCxnSpPr>
+              <p:spPr>
+                <a:xfrm>
+                  <a:off x="3048000" y="1905000"/>
+                  <a:ext cx="2549946" cy="0"/>
+                </a:xfrm>
+                <a:prstGeom prst="straightConnector1">
+                  <a:avLst/>
+                </a:prstGeom>
                 <a:ln w="19050">
                   <a:solidFill>
-                    <a:srgbClr val="7030A0"/>
+                    <a:schemeClr val="accent5">
+                      <a:lumMod val="75000"/>
+                    </a:schemeClr>
                   </a:solidFill>
+                  <a:prstDash val="sysDash"/>
                   <a:headEnd type="arrow" w="med" len="med"/>
                   <a:tailEnd type="none" w="med" len="med"/>
                 </a:ln>
@@ -5235,21 +5406,712 @@
                   <a:schemeClr val="tx1"/>
                 </a:fontRef>
               </p:style>
+            </p:cxnSp>
+            <p:cxnSp>
+              <p:nvCxnSpPr>
+                <p:cNvPr id="57" name="Straight Arrow Connector 56">
+                  <a:extLst>
+                    <a:ext uri="{FF2B5EF4-FFF2-40B4-BE49-F238E27FC236}">
+                      <a16:creationId xmlns:a16="http://schemas.microsoft.com/office/drawing/2014/main" id="{32F3404B-1601-414B-95B2-7E3A6DAD2BF6}"/>
+                    </a:ext>
+                  </a:extLst>
+                </p:cNvPr>
+                <p:cNvCxnSpPr>
+                  <a:cxnSpLocks/>
+                </p:cNvCxnSpPr>
+                <p:nvPr/>
+              </p:nvCxnSpPr>
+              <p:spPr>
+                <a:xfrm>
+                  <a:off x="2994162" y="2031583"/>
+                  <a:ext cx="5034760" cy="0"/>
+                </a:xfrm>
+                <a:prstGeom prst="straightConnector1">
+                  <a:avLst/>
+                </a:prstGeom>
+                <a:ln w="19050">
+                  <a:solidFill>
+                    <a:srgbClr val="7030A0"/>
+                  </a:solidFill>
+                  <a:tailEnd type="arrow"/>
+                </a:ln>
+              </p:spPr>
+              <p:style>
+                <a:lnRef idx="1">
+                  <a:schemeClr val="accent1"/>
+                </a:lnRef>
+                <a:fillRef idx="0">
+                  <a:schemeClr val="accent1"/>
+                </a:fillRef>
+                <a:effectRef idx="0">
+                  <a:schemeClr val="accent1"/>
+                </a:effectRef>
+                <a:fontRef idx="minor">
+                  <a:schemeClr val="tx1"/>
+                </a:fontRef>
+              </p:style>
+            </p:cxnSp>
+            <p:sp>
+              <p:nvSpPr>
+                <p:cNvPr id="62" name="TextBox 61">
+                  <a:extLst>
+                    <a:ext uri="{FF2B5EF4-FFF2-40B4-BE49-F238E27FC236}">
+                      <a16:creationId xmlns:a16="http://schemas.microsoft.com/office/drawing/2014/main" id="{ACFB368B-BE7F-49BC-BA12-BE0B2ABC5B05}"/>
+                    </a:ext>
+                  </a:extLst>
+                </p:cNvPr>
+                <p:cNvSpPr txBox="1"/>
+                <p:nvPr/>
+              </p:nvSpPr>
+              <p:spPr>
+                <a:xfrm>
+                  <a:off x="5773466" y="1752600"/>
+                  <a:ext cx="2187568" cy="215444"/>
+                </a:xfrm>
+                <a:prstGeom prst="rect">
+                  <a:avLst/>
+                </a:prstGeom>
+                <a:noFill/>
+              </p:spPr>
               <p:txBody>
-                <a:bodyPr rtlCol="0" anchor="ctr"/>
+                <a:bodyPr wrap="square" lIns="0" tIns="0" rIns="0" bIns="0" rtlCol="0">
+                  <a:spAutoFit/>
+                </a:bodyPr>
                 <a:lstStyle/>
                 <a:p>
                   <a:pPr algn="ctr"/>
-                  <a:endParaRPr lang="en-SG"/>
+                  <a:r>
+                    <a:rPr lang="en-US" sz="1400" dirty="0">
+                      <a:solidFill>
+                        <a:schemeClr val="accent6">
+                          <a:lumMod val="75000"/>
+                        </a:schemeClr>
+                      </a:solidFill>
+                    </a:rPr>
+                    <a:t>perform(</a:t>
+                  </a:r>
+                  <a:r>
+                    <a:rPr lang="en-US" sz="1400" dirty="0" err="1">
+                      <a:solidFill>
+                        <a:schemeClr val="accent6">
+                          <a:lumMod val="75000"/>
+                        </a:schemeClr>
+                      </a:solidFill>
+                    </a:rPr>
+                    <a:t>taskToEdit</a:t>
+                  </a:r>
+                  <a:r>
+                    <a:rPr lang="en-US" sz="1400" dirty="0">
+                      <a:solidFill>
+                        <a:schemeClr val="accent6">
+                          <a:lumMod val="75000"/>
+                        </a:schemeClr>
+                      </a:solidFill>
+                    </a:rPr>
+                    <a:t>)</a:t>
+                  </a:r>
+                </a:p>
+              </p:txBody>
+            </p:sp>
+            <p:cxnSp>
+              <p:nvCxnSpPr>
+                <p:cNvPr id="65" name="Straight Arrow Connector 64">
+                  <a:extLst>
+                    <a:ext uri="{FF2B5EF4-FFF2-40B4-BE49-F238E27FC236}">
+                      <a16:creationId xmlns:a16="http://schemas.microsoft.com/office/drawing/2014/main" id="{CF31DB19-7F3D-4CEA-B282-5BEF38E55426}"/>
+                    </a:ext>
+                  </a:extLst>
+                </p:cNvPr>
+                <p:cNvCxnSpPr>
+                  <a:cxnSpLocks/>
+                </p:cNvCxnSpPr>
+                <p:nvPr/>
+              </p:nvCxnSpPr>
+              <p:spPr>
+                <a:xfrm flipH="1">
+                  <a:off x="3023906" y="2286000"/>
+                  <a:ext cx="5053294" cy="0"/>
+                </a:xfrm>
+                <a:prstGeom prst="straightConnector1">
+                  <a:avLst/>
+                </a:prstGeom>
+                <a:ln w="19050">
+                  <a:solidFill>
+                    <a:schemeClr val="accent6">
+                      <a:lumMod val="75000"/>
+                    </a:schemeClr>
+                  </a:solidFill>
+                  <a:prstDash val="sysDash"/>
+                  <a:headEnd type="none" w="med" len="med"/>
+                  <a:tailEnd type="arrow" w="med" len="med"/>
+                </a:ln>
+              </p:spPr>
+              <p:style>
+                <a:lnRef idx="1">
+                  <a:schemeClr val="accent1"/>
+                </a:lnRef>
+                <a:fillRef idx="0">
+                  <a:schemeClr val="accent1"/>
+                </a:fillRef>
+                <a:effectRef idx="0">
+                  <a:schemeClr val="accent1"/>
+                </a:effectRef>
+                <a:fontRef idx="minor">
+                  <a:schemeClr val="tx1"/>
+                </a:fontRef>
+              </p:style>
+            </p:cxnSp>
+            <p:sp>
+              <p:nvSpPr>
+                <p:cNvPr id="66" name="TextBox 65">
+                  <a:extLst>
+                    <a:ext uri="{FF2B5EF4-FFF2-40B4-BE49-F238E27FC236}">
+                      <a16:creationId xmlns:a16="http://schemas.microsoft.com/office/drawing/2014/main" id="{A74463E8-F58A-4D6F-9F1F-2042E5F1BA22}"/>
+                    </a:ext>
+                  </a:extLst>
+                </p:cNvPr>
+                <p:cNvSpPr txBox="1"/>
+                <p:nvPr/>
+              </p:nvSpPr>
+              <p:spPr>
+                <a:xfrm>
+                  <a:off x="5612618" y="2070556"/>
+                  <a:ext cx="2600418" cy="215444"/>
+                </a:xfrm>
+                <a:prstGeom prst="rect">
+                  <a:avLst/>
+                </a:prstGeom>
+                <a:noFill/>
+              </p:spPr>
+              <p:txBody>
+                <a:bodyPr wrap="square" lIns="0" tIns="0" rIns="0" bIns="0" rtlCol="0">
+                  <a:spAutoFit/>
+                </a:bodyPr>
+                <a:lstStyle/>
+                <a:p>
+                  <a:pPr algn="ctr"/>
+                  <a:r>
+                    <a:rPr lang="en-US" sz="1400" dirty="0" err="1">
+                      <a:solidFill>
+                        <a:srgbClr val="7030A0"/>
+                      </a:solidFill>
+                    </a:rPr>
+                    <a:t>ActionResult</a:t>
+                  </a:r>
+                  <a:endParaRPr lang="en-US" sz="1400" dirty="0">
+                    <a:solidFill>
+                      <a:srgbClr val="7030A0"/>
+                    </a:solidFill>
+                  </a:endParaRPr>
+                </a:p>
+              </p:txBody>
+            </p:sp>
+            <p:grpSp>
+              <p:nvGrpSpPr>
+                <p:cNvPr id="67" name="Group 66">
+                  <a:extLst>
+                    <a:ext uri="{FF2B5EF4-FFF2-40B4-BE49-F238E27FC236}">
+                      <a16:creationId xmlns:a16="http://schemas.microsoft.com/office/drawing/2014/main" id="{3EAF3E80-E694-444F-917B-3DA749D93492}"/>
+                    </a:ext>
+                  </a:extLst>
+                </p:cNvPr>
+                <p:cNvGrpSpPr/>
+                <p:nvPr/>
+              </p:nvGrpSpPr>
+              <p:grpSpPr>
+                <a:xfrm flipH="1">
+                  <a:off x="8089242" y="1981200"/>
+                  <a:ext cx="217349" cy="270072"/>
+                  <a:chOff x="1028134" y="5612032"/>
+                  <a:chExt cx="217349" cy="270072"/>
+                </a:xfrm>
+              </p:grpSpPr>
+              <p:sp>
+                <p:nvSpPr>
+                  <p:cNvPr id="68" name="Freeform 58">
+                    <a:extLst>
+                      <a:ext uri="{FF2B5EF4-FFF2-40B4-BE49-F238E27FC236}">
+                        <a16:creationId xmlns:a16="http://schemas.microsoft.com/office/drawing/2014/main" id="{A39D8D0C-3E82-4377-9F9B-066EDF1553B1}"/>
+                      </a:ext>
+                    </a:extLst>
+                  </p:cNvPr>
+                  <p:cNvSpPr/>
+                  <p:nvPr/>
+                </p:nvSpPr>
+                <p:spPr>
+                  <a:xfrm rot="2600998" flipH="1" flipV="1">
+                    <a:off x="1028134" y="5612032"/>
+                    <a:ext cx="167452" cy="116880"/>
+                  </a:xfrm>
+                  <a:custGeom>
+                    <a:avLst/>
+                    <a:gdLst>
+                      <a:gd name="connsiteX0" fmla="*/ 0 w 226400"/>
+                      <a:gd name="connsiteY0" fmla="*/ 32920 h 171466"/>
+                      <a:gd name="connsiteX1" fmla="*/ 157018 w 226400"/>
+                      <a:gd name="connsiteY1" fmla="*/ 5211 h 171466"/>
+                      <a:gd name="connsiteX2" fmla="*/ 221673 w 226400"/>
+                      <a:gd name="connsiteY2" fmla="*/ 125284 h 171466"/>
+                      <a:gd name="connsiteX3" fmla="*/ 36945 w 226400"/>
+                      <a:gd name="connsiteY3" fmla="*/ 171466 h 171466"/>
+                    </a:gdLst>
+                    <a:ahLst/>
+                    <a:cxnLst>
+                      <a:cxn ang="0">
+                        <a:pos x="connsiteX0" y="connsiteY0"/>
+                      </a:cxn>
+                      <a:cxn ang="0">
+                        <a:pos x="connsiteX1" y="connsiteY1"/>
+                      </a:cxn>
+                      <a:cxn ang="0">
+                        <a:pos x="connsiteX2" y="connsiteY2"/>
+                      </a:cxn>
+                      <a:cxn ang="0">
+                        <a:pos x="connsiteX3" y="connsiteY3"/>
+                      </a:cxn>
+                    </a:cxnLst>
+                    <a:rect l="l" t="t" r="r" b="b"/>
+                    <a:pathLst>
+                      <a:path w="226400" h="171466">
+                        <a:moveTo>
+                          <a:pt x="0" y="32920"/>
+                        </a:moveTo>
+                        <a:cubicBezTo>
+                          <a:pt x="60036" y="11368"/>
+                          <a:pt x="120073" y="-10183"/>
+                          <a:pt x="157018" y="5211"/>
+                        </a:cubicBezTo>
+                        <a:cubicBezTo>
+                          <a:pt x="193963" y="20605"/>
+                          <a:pt x="241685" y="97575"/>
+                          <a:pt x="221673" y="125284"/>
+                        </a:cubicBezTo>
+                        <a:cubicBezTo>
+                          <a:pt x="201661" y="152993"/>
+                          <a:pt x="119303" y="162229"/>
+                          <a:pt x="36945" y="171466"/>
+                        </a:cubicBezTo>
+                      </a:path>
+                    </a:pathLst>
+                  </a:custGeom>
+                  <a:ln w="19050">
+                    <a:solidFill>
+                      <a:schemeClr val="accent6">
+                        <a:lumMod val="75000"/>
+                      </a:schemeClr>
+                    </a:solidFill>
+                    <a:headEnd type="arrow" w="med" len="med"/>
+                    <a:tailEnd type="none" w="med" len="med"/>
+                  </a:ln>
+                </p:spPr>
+                <p:style>
+                  <a:lnRef idx="1">
+                    <a:schemeClr val="accent1"/>
+                  </a:lnRef>
+                  <a:fillRef idx="0">
+                    <a:schemeClr val="accent1"/>
+                  </a:fillRef>
+                  <a:effectRef idx="0">
+                    <a:schemeClr val="accent1"/>
+                  </a:effectRef>
+                  <a:fontRef idx="minor">
+                    <a:schemeClr val="tx1"/>
+                  </a:fontRef>
+                </p:style>
+                <p:txBody>
+                  <a:bodyPr rtlCol="0" anchor="ctr"/>
+                  <a:lstStyle/>
+                  <a:p>
+                    <a:pPr algn="ctr"/>
+                    <a:endParaRPr lang="en-SG"/>
+                  </a:p>
+                </p:txBody>
+              </p:sp>
+              <p:sp>
+                <p:nvSpPr>
+                  <p:cNvPr id="69" name="Rectangle 68">
+                    <a:extLst>
+                      <a:ext uri="{FF2B5EF4-FFF2-40B4-BE49-F238E27FC236}">
+                        <a16:creationId xmlns:a16="http://schemas.microsoft.com/office/drawing/2014/main" id="{384E82E8-ECF2-47A6-987A-ADC58D1530B9}"/>
+                      </a:ext>
+                    </a:extLst>
+                  </p:cNvPr>
+                  <p:cNvSpPr/>
+                  <p:nvPr/>
+                </p:nvSpPr>
+                <p:spPr>
+                  <a:xfrm>
+                    <a:off x="1147403" y="5712513"/>
+                    <a:ext cx="98080" cy="169591"/>
+                  </a:xfrm>
+                  <a:prstGeom prst="rect">
+                    <a:avLst/>
+                  </a:prstGeom>
+                  <a:solidFill>
+                    <a:schemeClr val="accent6">
+                      <a:lumMod val="75000"/>
+                    </a:schemeClr>
+                  </a:solidFill>
+                  <a:ln>
+                    <a:solidFill>
+                      <a:schemeClr val="bg1"/>
+                    </a:solidFill>
+                  </a:ln>
+                  <a:effectLst/>
+                </p:spPr>
+                <p:style>
+                  <a:lnRef idx="1">
+                    <a:schemeClr val="accent3"/>
+                  </a:lnRef>
+                  <a:fillRef idx="2">
+                    <a:schemeClr val="accent3"/>
+                  </a:fillRef>
+                  <a:effectRef idx="1">
+                    <a:schemeClr val="accent3"/>
+                  </a:effectRef>
+                  <a:fontRef idx="minor">
+                    <a:schemeClr val="dk1"/>
+                  </a:fontRef>
+                </p:style>
+                <p:txBody>
+                  <a:bodyPr rtlCol="0" anchor="ctr"/>
+                  <a:lstStyle/>
+                  <a:p>
+                    <a:pPr algn="ctr"/>
+                    <a:endParaRPr lang="en-SG" sz="1400">
+                      <a:solidFill>
+                        <a:schemeClr val="dk1"/>
+                      </a:solidFill>
+                    </a:endParaRPr>
+                  </a:p>
+                </p:txBody>
+              </p:sp>
+            </p:grpSp>
+            <p:sp>
+              <p:nvSpPr>
+                <p:cNvPr id="70" name="TextBox 69">
+                  <a:extLst>
+                    <a:ext uri="{FF2B5EF4-FFF2-40B4-BE49-F238E27FC236}">
+                      <a16:creationId xmlns:a16="http://schemas.microsoft.com/office/drawing/2014/main" id="{EC13D990-E232-4908-BAFB-38A2A1F8F050}"/>
+                    </a:ext>
+                  </a:extLst>
+                </p:cNvPr>
+                <p:cNvSpPr txBox="1"/>
+                <p:nvPr/>
+              </p:nvSpPr>
+              <p:spPr>
+                <a:xfrm>
+                  <a:off x="8334205" y="1905000"/>
+                  <a:ext cx="733595" cy="646331"/>
+                </a:xfrm>
+                <a:prstGeom prst="rect">
+                  <a:avLst/>
+                </a:prstGeom>
+                <a:noFill/>
+              </p:spPr>
+              <p:txBody>
+                <a:bodyPr wrap="square" lIns="0" tIns="0" rIns="0" bIns="0" rtlCol="0">
+                  <a:spAutoFit/>
+                </a:bodyPr>
+                <a:lstStyle/>
+                <a:p>
+                  <a:r>
+                    <a:rPr lang="en-US" sz="1400" dirty="0">
+                      <a:solidFill>
+                        <a:schemeClr val="accent6">
+                          <a:lumMod val="75000"/>
+                        </a:schemeClr>
+                      </a:solidFill>
+                    </a:rPr>
+                    <a:t>Action Specific Methods</a:t>
+                  </a:r>
                 </a:p>
               </p:txBody>
             </p:sp>
             <p:sp>
               <p:nvSpPr>
-                <p:cNvPr id="73" name="Rectangle 72">
+                <p:cNvPr id="85" name="TextBox 84">
                   <a:extLst>
                     <a:ext uri="{FF2B5EF4-FFF2-40B4-BE49-F238E27FC236}">
-                      <a16:creationId xmlns:a16="http://schemas.microsoft.com/office/drawing/2014/main" id="{51092907-9B23-4940-8199-D931AB144E1A}"/>
+                      <a16:creationId xmlns:a16="http://schemas.microsoft.com/office/drawing/2014/main" id="{977E1736-072B-4DB2-BA29-88067856E6C5}"/>
+                    </a:ext>
+                  </a:extLst>
+                </p:cNvPr>
+                <p:cNvSpPr txBox="1"/>
+                <p:nvPr/>
+              </p:nvSpPr>
+              <p:spPr>
+                <a:xfrm>
+                  <a:off x="609600" y="3332167"/>
+                  <a:ext cx="2600418" cy="215444"/>
+                </a:xfrm>
+                <a:prstGeom prst="rect">
+                  <a:avLst/>
+                </a:prstGeom>
+                <a:noFill/>
+                <a:ln>
+                  <a:noFill/>
+                </a:ln>
+              </p:spPr>
+              <p:txBody>
+                <a:bodyPr wrap="square" lIns="0" tIns="0" rIns="0" bIns="0" rtlCol="0">
+                  <a:spAutoFit/>
+                </a:bodyPr>
+                <a:lstStyle/>
+                <a:p>
+                  <a:pPr algn="ctr"/>
+                  <a:r>
+                    <a:rPr lang="en-US" sz="1400" dirty="0" err="1">
+                      <a:solidFill>
+                        <a:srgbClr val="0070C0"/>
+                      </a:solidFill>
+                    </a:rPr>
+                    <a:t>CommandResult</a:t>
+                  </a:r>
+                  <a:endParaRPr lang="en-US" sz="1400" dirty="0">
+                    <a:solidFill>
+                      <a:srgbClr val="0070C0"/>
+                    </a:solidFill>
+                  </a:endParaRPr>
+                </a:p>
+              </p:txBody>
+            </p:sp>
+            <p:grpSp>
+              <p:nvGrpSpPr>
+                <p:cNvPr id="109" name="Group 108">
+                  <a:extLst>
+                    <a:ext uri="{FF2B5EF4-FFF2-40B4-BE49-F238E27FC236}">
+                      <a16:creationId xmlns:a16="http://schemas.microsoft.com/office/drawing/2014/main" id="{8D8295EB-DB8A-474E-B3F8-2FE62003792D}"/>
+                    </a:ext>
+                  </a:extLst>
+                </p:cNvPr>
+                <p:cNvGrpSpPr/>
+                <p:nvPr/>
+              </p:nvGrpSpPr>
+              <p:grpSpPr>
+                <a:xfrm>
+                  <a:off x="3048000" y="2375356"/>
+                  <a:ext cx="2602899" cy="215444"/>
+                  <a:chOff x="3076495" y="3442156"/>
+                  <a:chExt cx="2602899" cy="215444"/>
+                </a:xfrm>
+              </p:grpSpPr>
+              <p:sp>
+                <p:nvSpPr>
+                  <p:cNvPr id="110" name="TextBox 109">
+                    <a:extLst>
+                      <a:ext uri="{FF2B5EF4-FFF2-40B4-BE49-F238E27FC236}">
+                        <a16:creationId xmlns:a16="http://schemas.microsoft.com/office/drawing/2014/main" id="{1CBF52E4-56D8-4979-AB18-F56695BA0B5D}"/>
+                      </a:ext>
+                    </a:extLst>
+                  </p:cNvPr>
+                  <p:cNvSpPr txBox="1"/>
+                  <p:nvPr/>
+                </p:nvSpPr>
+                <p:spPr>
+                  <a:xfrm>
+                    <a:off x="3240994" y="3442156"/>
+                    <a:ext cx="2438400" cy="215444"/>
+                  </a:xfrm>
+                  <a:prstGeom prst="rect">
+                    <a:avLst/>
+                  </a:prstGeom>
+                  <a:noFill/>
+                </p:spPr>
+                <p:txBody>
+                  <a:bodyPr wrap="square" lIns="0" tIns="0" rIns="0" bIns="0" rtlCol="0">
+                    <a:spAutoFit/>
+                  </a:bodyPr>
+                  <a:lstStyle/>
+                  <a:p>
+                    <a:pPr algn="ctr"/>
+                    <a:r>
+                      <a:rPr lang="en-US" sz="1400" dirty="0" err="1">
+                        <a:solidFill>
+                          <a:schemeClr val="accent5">
+                            <a:lumMod val="75000"/>
+                          </a:schemeClr>
+                        </a:solidFill>
+                      </a:rPr>
+                      <a:t>updateTask</a:t>
+                    </a:r>
+                    <a:r>
+                      <a:rPr lang="en-US" sz="1400" dirty="0">
+                        <a:solidFill>
+                          <a:schemeClr val="accent5">
+                            <a:lumMod val="75000"/>
+                          </a:schemeClr>
+                        </a:solidFill>
+                      </a:rPr>
+                      <a:t>(…)</a:t>
+                    </a:r>
+                  </a:p>
+                </p:txBody>
+              </p:sp>
+              <p:cxnSp>
+                <p:nvCxnSpPr>
+                  <p:cNvPr id="111" name="Straight Arrow Connector 110">
+                    <a:extLst>
+                      <a:ext uri="{FF2B5EF4-FFF2-40B4-BE49-F238E27FC236}">
+                        <a16:creationId xmlns:a16="http://schemas.microsoft.com/office/drawing/2014/main" id="{166DED16-B1D3-406E-B121-081E05980D24}"/>
+                      </a:ext>
+                    </a:extLst>
+                  </p:cNvPr>
+                  <p:cNvCxnSpPr/>
+                  <p:nvPr/>
+                </p:nvCxnSpPr>
+                <p:spPr>
+                  <a:xfrm>
+                    <a:off x="3076495" y="3657600"/>
+                    <a:ext cx="2568438" cy="0"/>
+                  </a:xfrm>
+                  <a:prstGeom prst="straightConnector1">
+                    <a:avLst/>
+                  </a:prstGeom>
+                  <a:ln w="19050">
+                    <a:solidFill>
+                      <a:srgbClr val="7030A0"/>
+                    </a:solidFill>
+                    <a:tailEnd type="arrow"/>
+                  </a:ln>
+                </p:spPr>
+                <p:style>
+                  <a:lnRef idx="1">
+                    <a:schemeClr val="accent1"/>
+                  </a:lnRef>
+                  <a:fillRef idx="0">
+                    <a:schemeClr val="accent1"/>
+                  </a:fillRef>
+                  <a:effectRef idx="0">
+                    <a:schemeClr val="accent1"/>
+                  </a:effectRef>
+                  <a:fontRef idx="minor">
+                    <a:schemeClr val="tx1"/>
+                  </a:fontRef>
+                </p:style>
+              </p:cxnSp>
+            </p:grpSp>
+            <p:grpSp>
+              <p:nvGrpSpPr>
+                <p:cNvPr id="112" name="Group 111">
+                  <a:extLst>
+                    <a:ext uri="{FF2B5EF4-FFF2-40B4-BE49-F238E27FC236}">
+                      <a16:creationId xmlns:a16="http://schemas.microsoft.com/office/drawing/2014/main" id="{7BE142AE-4C03-40A7-9DDE-01626A6C0159}"/>
+                    </a:ext>
+                  </a:extLst>
+                </p:cNvPr>
+                <p:cNvGrpSpPr/>
+                <p:nvPr/>
+              </p:nvGrpSpPr>
+              <p:grpSpPr>
+                <a:xfrm>
+                  <a:off x="3048000" y="2680156"/>
+                  <a:ext cx="2602899" cy="215444"/>
+                  <a:chOff x="3076495" y="3531512"/>
+                  <a:chExt cx="2602899" cy="215444"/>
+                </a:xfrm>
+              </p:grpSpPr>
+              <p:sp>
+                <p:nvSpPr>
+                  <p:cNvPr id="113" name="TextBox 112">
+                    <a:extLst>
+                      <a:ext uri="{FF2B5EF4-FFF2-40B4-BE49-F238E27FC236}">
+                        <a16:creationId xmlns:a16="http://schemas.microsoft.com/office/drawing/2014/main" id="{2927C1E5-DA2E-4D55-ACEB-DCC191B49EDF}"/>
+                      </a:ext>
+                    </a:extLst>
+                  </p:cNvPr>
+                  <p:cNvSpPr txBox="1"/>
+                  <p:nvPr/>
+                </p:nvSpPr>
+                <p:spPr>
+                  <a:xfrm>
+                    <a:off x="3240994" y="3531512"/>
+                    <a:ext cx="2438400" cy="215444"/>
+                  </a:xfrm>
+                  <a:prstGeom prst="rect">
+                    <a:avLst/>
+                  </a:prstGeom>
+                  <a:noFill/>
+                </p:spPr>
+                <p:txBody>
+                  <a:bodyPr wrap="square" lIns="0" tIns="0" rIns="0" bIns="0" rtlCol="0">
+                    <a:spAutoFit/>
+                  </a:bodyPr>
+                  <a:lstStyle/>
+                  <a:p>
+                    <a:pPr algn="ctr"/>
+                    <a:r>
+                      <a:rPr lang="en-US" sz="1400" dirty="0" err="1">
+                        <a:solidFill>
+                          <a:schemeClr val="accent5">
+                            <a:lumMod val="75000"/>
+                          </a:schemeClr>
+                        </a:solidFill>
+                      </a:rPr>
+                      <a:t>updateFilteredTaskList</a:t>
+                    </a:r>
+                    <a:r>
+                      <a:rPr lang="en-US" sz="1400" dirty="0">
+                        <a:solidFill>
+                          <a:schemeClr val="accent5">
+                            <a:lumMod val="75000"/>
+                          </a:schemeClr>
+                        </a:solidFill>
+                      </a:rPr>
+                      <a:t>(…)</a:t>
+                    </a:r>
+                  </a:p>
+                </p:txBody>
+              </p:sp>
+              <p:cxnSp>
+                <p:nvCxnSpPr>
+                  <p:cNvPr id="114" name="Straight Arrow Connector 113">
+                    <a:extLst>
+                      <a:ext uri="{FF2B5EF4-FFF2-40B4-BE49-F238E27FC236}">
+                        <a16:creationId xmlns:a16="http://schemas.microsoft.com/office/drawing/2014/main" id="{9AA3BC36-99BF-4661-B824-09F5CF393EA5}"/>
+                      </a:ext>
+                    </a:extLst>
+                  </p:cNvPr>
+                  <p:cNvCxnSpPr/>
+                  <p:nvPr/>
+                </p:nvCxnSpPr>
+                <p:spPr>
+                  <a:xfrm>
+                    <a:off x="3076495" y="3746956"/>
+                    <a:ext cx="2568438" cy="0"/>
+                  </a:xfrm>
+                  <a:prstGeom prst="straightConnector1">
+                    <a:avLst/>
+                  </a:prstGeom>
+                  <a:ln w="19050">
+                    <a:solidFill>
+                      <a:srgbClr val="7030A0"/>
+                    </a:solidFill>
+                    <a:tailEnd type="arrow"/>
+                  </a:ln>
+                </p:spPr>
+                <p:style>
+                  <a:lnRef idx="1">
+                    <a:schemeClr val="accent1"/>
+                  </a:lnRef>
+                  <a:fillRef idx="0">
+                    <a:schemeClr val="accent1"/>
+                  </a:fillRef>
+                  <a:effectRef idx="0">
+                    <a:schemeClr val="accent1"/>
+                  </a:effectRef>
+                  <a:fontRef idx="minor">
+                    <a:schemeClr val="tx1"/>
+                  </a:fontRef>
+                </p:style>
+              </p:cxnSp>
+            </p:grpSp>
+            <p:sp>
+              <p:nvSpPr>
+                <p:cNvPr id="116" name="Rectangle 115">
+                  <a:extLst>
+                    <a:ext uri="{FF2B5EF4-FFF2-40B4-BE49-F238E27FC236}">
+                      <a16:creationId xmlns:a16="http://schemas.microsoft.com/office/drawing/2014/main" id="{198144D1-FA0B-499C-B8A2-62D8DF4ED90E}"/>
                     </a:ext>
                   </a:extLst>
                 </p:cNvPr>
@@ -5257,19 +6119,145 @@
                 <p:nvPr/>
               </p:nvSpPr>
               <p:spPr>
-                <a:xfrm flipH="1">
-                  <a:off x="2942870" y="2538130"/>
-                  <a:ext cx="113430" cy="860547"/>
+                <a:xfrm>
+                  <a:off x="5600308" y="2590800"/>
+                  <a:ext cx="143637" cy="108000"/>
                 </a:xfrm>
                 <a:prstGeom prst="rect">
                   <a:avLst/>
                 </a:prstGeom>
                 <a:solidFill>
-                  <a:srgbClr val="7030A0"/>
+                  <a:schemeClr val="accent5">
+                    <a:lumMod val="75000"/>
+                  </a:schemeClr>
                 </a:solidFill>
                 <a:ln>
                   <a:solidFill>
-                    <a:schemeClr val="bg1"/>
+                    <a:schemeClr val="accent5">
+                      <a:lumMod val="75000"/>
+                    </a:schemeClr>
+                  </a:solidFill>
+                </a:ln>
+                <a:effectLst/>
+              </p:spPr>
+              <p:style>
+                <a:lnRef idx="1">
+                  <a:schemeClr val="accent3"/>
+                </a:lnRef>
+                <a:fillRef idx="2">
+                  <a:schemeClr val="accent3"/>
+                </a:fillRef>
+                <a:effectRef idx="1">
+                  <a:schemeClr val="accent3"/>
+                </a:effectRef>
+                <a:fontRef idx="minor">
+                  <a:schemeClr val="dk1"/>
+                </a:fontRef>
+              </p:style>
+              <p:txBody>
+                <a:bodyPr rtlCol="0" anchor="ctr"/>
+                <a:lstStyle/>
+                <a:p>
+                  <a:pPr algn="ctr"/>
+                  <a:endParaRPr lang="en-SG" sz="1400">
+                    <a:solidFill>
+                      <a:schemeClr val="dk1"/>
+                    </a:solidFill>
+                  </a:endParaRPr>
+                </a:p>
+              </p:txBody>
+            </p:sp>
+            <p:sp>
+              <p:nvSpPr>
+                <p:cNvPr id="117" name="Rectangle 116">
+                  <a:extLst>
+                    <a:ext uri="{FF2B5EF4-FFF2-40B4-BE49-F238E27FC236}">
+                      <a16:creationId xmlns:a16="http://schemas.microsoft.com/office/drawing/2014/main" id="{EE40C86B-F218-4FB1-B9F3-0B23563950F6}"/>
+                    </a:ext>
+                  </a:extLst>
+                </p:cNvPr>
+                <p:cNvSpPr/>
+                <p:nvPr/>
+              </p:nvSpPr>
+              <p:spPr>
+                <a:xfrm>
+                  <a:off x="5601092" y="2875178"/>
+                  <a:ext cx="143637" cy="108000"/>
+                </a:xfrm>
+                <a:prstGeom prst="rect">
+                  <a:avLst/>
+                </a:prstGeom>
+                <a:solidFill>
+                  <a:schemeClr val="accent5">
+                    <a:lumMod val="75000"/>
+                  </a:schemeClr>
+                </a:solidFill>
+                <a:ln>
+                  <a:solidFill>
+                    <a:schemeClr val="accent5">
+                      <a:lumMod val="75000"/>
+                    </a:schemeClr>
+                  </a:solidFill>
+                </a:ln>
+                <a:effectLst/>
+              </p:spPr>
+              <p:style>
+                <a:lnRef idx="1">
+                  <a:schemeClr val="accent3"/>
+                </a:lnRef>
+                <a:fillRef idx="2">
+                  <a:schemeClr val="accent3"/>
+                </a:fillRef>
+                <a:effectRef idx="1">
+                  <a:schemeClr val="accent3"/>
+                </a:effectRef>
+                <a:fontRef idx="minor">
+                  <a:schemeClr val="dk1"/>
+                </a:fontRef>
+              </p:style>
+              <p:txBody>
+                <a:bodyPr rtlCol="0" anchor="ctr"/>
+                <a:lstStyle/>
+                <a:p>
+                  <a:pPr algn="ctr"/>
+                  <a:endParaRPr lang="en-SG" sz="1400">
+                    <a:solidFill>
+                      <a:schemeClr val="dk1"/>
+                    </a:solidFill>
+                  </a:endParaRPr>
+                </a:p>
+              </p:txBody>
+            </p:sp>
+            <p:sp>
+              <p:nvSpPr>
+                <p:cNvPr id="118" name="Rectangle 117">
+                  <a:extLst>
+                    <a:ext uri="{FF2B5EF4-FFF2-40B4-BE49-F238E27FC236}">
+                      <a16:creationId xmlns:a16="http://schemas.microsoft.com/office/drawing/2014/main" id="{6CDE3CA2-2E94-4B27-8F41-A2AE7551A3E4}"/>
+                    </a:ext>
+                  </a:extLst>
+                </p:cNvPr>
+                <p:cNvSpPr/>
+                <p:nvPr/>
+              </p:nvSpPr>
+              <p:spPr>
+                <a:xfrm>
+                  <a:off x="5600428" y="3204733"/>
+                  <a:ext cx="143637" cy="108000"/>
+                </a:xfrm>
+                <a:prstGeom prst="rect">
+                  <a:avLst/>
+                </a:prstGeom>
+                <a:solidFill>
+                  <a:schemeClr val="accent5">
+                    <a:lumMod val="75000"/>
+                  </a:schemeClr>
+                </a:solidFill>
+                <a:ln>
+                  <a:solidFill>
+                    <a:schemeClr val="accent5">
+                      <a:lumMod val="75000"/>
+                    </a:schemeClr>
                   </a:solidFill>
                 </a:ln>
                 <a:effectLst/>
@@ -5302,1113 +6290,146 @@
               </p:txBody>
             </p:sp>
           </p:grpSp>
-          <p:sp>
-            <p:nvSpPr>
-              <p:cNvPr id="75" name="TextBox 74">
-                <a:extLst>
-                  <a:ext uri="{FF2B5EF4-FFF2-40B4-BE49-F238E27FC236}">
-                    <a16:creationId xmlns:a16="http://schemas.microsoft.com/office/drawing/2014/main" id="{E6E38CAC-60CD-4573-A774-1361FF05C3C8}"/>
-                  </a:ext>
-                </a:extLst>
-              </p:cNvPr>
-              <p:cNvSpPr txBox="1"/>
-              <p:nvPr/>
-            </p:nvSpPr>
-            <p:spPr>
-              <a:xfrm>
-                <a:off x="2279916" y="2523979"/>
-                <a:ext cx="680301" cy="430887"/>
-              </a:xfrm>
-              <a:prstGeom prst="rect">
-                <a:avLst/>
-              </a:prstGeom>
-              <a:noFill/>
-            </p:spPr>
-            <p:txBody>
-              <a:bodyPr wrap="square" lIns="0" tIns="0" rIns="0" bIns="0" rtlCol="0">
-                <a:spAutoFit/>
-              </a:bodyPr>
-              <a:lstStyle/>
-              <a:p>
-                <a:r>
-                  <a:rPr lang="en-US" sz="1400" dirty="0">
-                    <a:solidFill>
-                      <a:srgbClr val="7030A0"/>
-                    </a:solidFill>
-                  </a:rPr>
-                  <a:t>Update Model</a:t>
-                </a:r>
-              </a:p>
-            </p:txBody>
-          </p:sp>
-          <p:cxnSp>
-            <p:nvCxnSpPr>
-              <p:cNvPr id="56" name="Straight Arrow Connector 55">
-                <a:extLst>
-                  <a:ext uri="{FF2B5EF4-FFF2-40B4-BE49-F238E27FC236}">
-                    <a16:creationId xmlns:a16="http://schemas.microsoft.com/office/drawing/2014/main" id="{26EA0FC8-EC7D-4D73-A592-DE223F0A31BF}"/>
-                  </a:ext>
-                </a:extLst>
-              </p:cNvPr>
-              <p:cNvCxnSpPr/>
-              <p:nvPr/>
-            </p:nvCxnSpPr>
-            <p:spPr>
-              <a:xfrm>
-                <a:off x="3048000" y="1905000"/>
-                <a:ext cx="2549946" cy="0"/>
-              </a:xfrm>
-              <a:prstGeom prst="straightConnector1">
-                <a:avLst/>
-              </a:prstGeom>
-              <a:ln w="19050">
-                <a:solidFill>
-                  <a:schemeClr val="accent5">
-                    <a:lumMod val="75000"/>
-                  </a:schemeClr>
-                </a:solidFill>
-                <a:prstDash val="sysDash"/>
-                <a:headEnd type="arrow" w="med" len="med"/>
-                <a:tailEnd type="none" w="med" len="med"/>
-              </a:ln>
-            </p:spPr>
-            <p:style>
-              <a:lnRef idx="1">
-                <a:schemeClr val="accent1"/>
-              </a:lnRef>
-              <a:fillRef idx="0">
-                <a:schemeClr val="accent1"/>
-              </a:fillRef>
-              <a:effectRef idx="0">
-                <a:schemeClr val="accent1"/>
-              </a:effectRef>
-              <a:fontRef idx="minor">
-                <a:schemeClr val="tx1"/>
-              </a:fontRef>
-            </p:style>
-          </p:cxnSp>
-          <p:cxnSp>
-            <p:nvCxnSpPr>
-              <p:cNvPr id="57" name="Straight Arrow Connector 56">
-                <a:extLst>
-                  <a:ext uri="{FF2B5EF4-FFF2-40B4-BE49-F238E27FC236}">
-                    <a16:creationId xmlns:a16="http://schemas.microsoft.com/office/drawing/2014/main" id="{32F3404B-1601-414B-95B2-7E3A6DAD2BF6}"/>
-                  </a:ext>
-                </a:extLst>
-              </p:cNvPr>
-              <p:cNvCxnSpPr>
-                <a:cxnSpLocks/>
-              </p:cNvCxnSpPr>
-              <p:nvPr/>
-            </p:nvCxnSpPr>
-            <p:spPr>
-              <a:xfrm>
-                <a:off x="2994162" y="2031583"/>
-                <a:ext cx="5034760" cy="0"/>
-              </a:xfrm>
-              <a:prstGeom prst="straightConnector1">
-                <a:avLst/>
-              </a:prstGeom>
-              <a:ln w="19050">
-                <a:solidFill>
-                  <a:srgbClr val="7030A0"/>
-                </a:solidFill>
-                <a:tailEnd type="arrow"/>
-              </a:ln>
-            </p:spPr>
-            <p:style>
-              <a:lnRef idx="1">
-                <a:schemeClr val="accent1"/>
-              </a:lnRef>
-              <a:fillRef idx="0">
-                <a:schemeClr val="accent1"/>
-              </a:fillRef>
-              <a:effectRef idx="0">
-                <a:schemeClr val="accent1"/>
-              </a:effectRef>
-              <a:fontRef idx="minor">
-                <a:schemeClr val="tx1"/>
-              </a:fontRef>
-            </p:style>
-          </p:cxnSp>
-          <p:sp>
-            <p:nvSpPr>
-              <p:cNvPr id="62" name="TextBox 61">
-                <a:extLst>
-                  <a:ext uri="{FF2B5EF4-FFF2-40B4-BE49-F238E27FC236}">
-                    <a16:creationId xmlns:a16="http://schemas.microsoft.com/office/drawing/2014/main" id="{ACFB368B-BE7F-49BC-BA12-BE0B2ABC5B05}"/>
-                  </a:ext>
-                </a:extLst>
-              </p:cNvPr>
-              <p:cNvSpPr txBox="1"/>
-              <p:nvPr/>
-            </p:nvSpPr>
-            <p:spPr>
-              <a:xfrm>
-                <a:off x="5773466" y="1752600"/>
-                <a:ext cx="2187568" cy="215444"/>
-              </a:xfrm>
-              <a:prstGeom prst="rect">
-                <a:avLst/>
-              </a:prstGeom>
-              <a:noFill/>
-            </p:spPr>
-            <p:txBody>
-              <a:bodyPr wrap="square" lIns="0" tIns="0" rIns="0" bIns="0" rtlCol="0">
-                <a:spAutoFit/>
-              </a:bodyPr>
-              <a:lstStyle/>
-              <a:p>
-                <a:pPr algn="ctr"/>
-                <a:r>
-                  <a:rPr lang="en-US" sz="1400" dirty="0">
-                    <a:solidFill>
-                      <a:schemeClr val="accent6">
-                        <a:lumMod val="75000"/>
-                      </a:schemeClr>
-                    </a:solidFill>
-                  </a:rPr>
-                  <a:t>perform(</a:t>
-                </a:r>
-                <a:r>
-                  <a:rPr lang="en-US" sz="1400" dirty="0" err="1">
-                    <a:solidFill>
-                      <a:schemeClr val="accent6">
-                        <a:lumMod val="75000"/>
-                      </a:schemeClr>
-                    </a:solidFill>
-                  </a:rPr>
-                  <a:t>taskToEdit</a:t>
-                </a:r>
-                <a:r>
-                  <a:rPr lang="en-US" sz="1400" dirty="0">
-                    <a:solidFill>
-                      <a:schemeClr val="accent6">
-                        <a:lumMod val="75000"/>
-                      </a:schemeClr>
-                    </a:solidFill>
-                  </a:rPr>
-                  <a:t>)</a:t>
-                </a:r>
-              </a:p>
-            </p:txBody>
-          </p:sp>
-          <p:cxnSp>
-            <p:nvCxnSpPr>
-              <p:cNvPr id="65" name="Straight Arrow Connector 64">
-                <a:extLst>
-                  <a:ext uri="{FF2B5EF4-FFF2-40B4-BE49-F238E27FC236}">
-                    <a16:creationId xmlns:a16="http://schemas.microsoft.com/office/drawing/2014/main" id="{CF31DB19-7F3D-4CEA-B282-5BEF38E55426}"/>
-                  </a:ext>
-                </a:extLst>
-              </p:cNvPr>
-              <p:cNvCxnSpPr>
-                <a:cxnSpLocks/>
-              </p:cNvCxnSpPr>
-              <p:nvPr/>
-            </p:nvCxnSpPr>
-            <p:spPr>
-              <a:xfrm flipH="1">
-                <a:off x="3023906" y="2286000"/>
-                <a:ext cx="5053294" cy="0"/>
-              </a:xfrm>
-              <a:prstGeom prst="straightConnector1">
-                <a:avLst/>
-              </a:prstGeom>
-              <a:ln w="19050">
-                <a:solidFill>
-                  <a:schemeClr val="accent6">
-                    <a:lumMod val="75000"/>
-                  </a:schemeClr>
-                </a:solidFill>
-                <a:prstDash val="sysDash"/>
-                <a:headEnd type="none" w="med" len="med"/>
-                <a:tailEnd type="arrow" w="med" len="med"/>
-              </a:ln>
-            </p:spPr>
-            <p:style>
-              <a:lnRef idx="1">
-                <a:schemeClr val="accent1"/>
-              </a:lnRef>
-              <a:fillRef idx="0">
-                <a:schemeClr val="accent1"/>
-              </a:fillRef>
-              <a:effectRef idx="0">
-                <a:schemeClr val="accent1"/>
-              </a:effectRef>
-              <a:fontRef idx="minor">
-                <a:schemeClr val="tx1"/>
-              </a:fontRef>
-            </p:style>
-          </p:cxnSp>
-          <p:sp>
-            <p:nvSpPr>
-              <p:cNvPr id="66" name="TextBox 65">
-                <a:extLst>
-                  <a:ext uri="{FF2B5EF4-FFF2-40B4-BE49-F238E27FC236}">
-                    <a16:creationId xmlns:a16="http://schemas.microsoft.com/office/drawing/2014/main" id="{A74463E8-F58A-4D6F-9F1F-2042E5F1BA22}"/>
-                  </a:ext>
-                </a:extLst>
-              </p:cNvPr>
-              <p:cNvSpPr txBox="1"/>
-              <p:nvPr/>
-            </p:nvSpPr>
-            <p:spPr>
-              <a:xfrm>
-                <a:off x="5612618" y="2070556"/>
-                <a:ext cx="2600418" cy="215444"/>
-              </a:xfrm>
-              <a:prstGeom prst="rect">
-                <a:avLst/>
-              </a:prstGeom>
-              <a:noFill/>
-            </p:spPr>
-            <p:txBody>
-              <a:bodyPr wrap="square" lIns="0" tIns="0" rIns="0" bIns="0" rtlCol="0">
-                <a:spAutoFit/>
-              </a:bodyPr>
-              <a:lstStyle/>
-              <a:p>
-                <a:pPr algn="ctr"/>
-                <a:r>
-                  <a:rPr lang="en-US" sz="1400" dirty="0" err="1">
-                    <a:solidFill>
-                      <a:srgbClr val="7030A0"/>
-                    </a:solidFill>
-                  </a:rPr>
-                  <a:t>ActionResult</a:t>
-                </a:r>
-                <a:endParaRPr lang="en-US" sz="1400" dirty="0">
-                  <a:solidFill>
-                    <a:srgbClr val="7030A0"/>
-                  </a:solidFill>
-                </a:endParaRPr>
-              </a:p>
-            </p:txBody>
-          </p:sp>
-          <p:grpSp>
-            <p:nvGrpSpPr>
-              <p:cNvPr id="67" name="Group 66">
-                <a:extLst>
-                  <a:ext uri="{FF2B5EF4-FFF2-40B4-BE49-F238E27FC236}">
-                    <a16:creationId xmlns:a16="http://schemas.microsoft.com/office/drawing/2014/main" id="{3EAF3E80-E694-444F-917B-3DA749D93492}"/>
-                  </a:ext>
-                </a:extLst>
-              </p:cNvPr>
-              <p:cNvGrpSpPr/>
-              <p:nvPr/>
-            </p:nvGrpSpPr>
-            <p:grpSpPr>
-              <a:xfrm flipH="1">
-                <a:off x="8089242" y="1981200"/>
-                <a:ext cx="217349" cy="270072"/>
-                <a:chOff x="1028134" y="5612032"/>
-                <a:chExt cx="217349" cy="270072"/>
-              </a:xfrm>
-            </p:grpSpPr>
-            <p:sp>
-              <p:nvSpPr>
-                <p:cNvPr id="68" name="Freeform 58">
-                  <a:extLst>
-                    <a:ext uri="{FF2B5EF4-FFF2-40B4-BE49-F238E27FC236}">
-                      <a16:creationId xmlns:a16="http://schemas.microsoft.com/office/drawing/2014/main" id="{A39D8D0C-3E82-4377-9F9B-066EDF1553B1}"/>
-                    </a:ext>
-                  </a:extLst>
-                </p:cNvPr>
-                <p:cNvSpPr/>
-                <p:nvPr/>
-              </p:nvSpPr>
-              <p:spPr>
-                <a:xfrm rot="2600998" flipH="1" flipV="1">
-                  <a:off x="1028134" y="5612032"/>
-                  <a:ext cx="167452" cy="116880"/>
-                </a:xfrm>
-                <a:custGeom>
-                  <a:avLst/>
-                  <a:gdLst>
-                    <a:gd name="connsiteX0" fmla="*/ 0 w 226400"/>
-                    <a:gd name="connsiteY0" fmla="*/ 32920 h 171466"/>
-                    <a:gd name="connsiteX1" fmla="*/ 157018 w 226400"/>
-                    <a:gd name="connsiteY1" fmla="*/ 5211 h 171466"/>
-                    <a:gd name="connsiteX2" fmla="*/ 221673 w 226400"/>
-                    <a:gd name="connsiteY2" fmla="*/ 125284 h 171466"/>
-                    <a:gd name="connsiteX3" fmla="*/ 36945 w 226400"/>
-                    <a:gd name="connsiteY3" fmla="*/ 171466 h 171466"/>
-                  </a:gdLst>
-                  <a:ahLst/>
-                  <a:cxnLst>
-                    <a:cxn ang="0">
-                      <a:pos x="connsiteX0" y="connsiteY0"/>
-                    </a:cxn>
-                    <a:cxn ang="0">
-                      <a:pos x="connsiteX1" y="connsiteY1"/>
-                    </a:cxn>
-                    <a:cxn ang="0">
-                      <a:pos x="connsiteX2" y="connsiteY2"/>
-                    </a:cxn>
-                    <a:cxn ang="0">
-                      <a:pos x="connsiteX3" y="connsiteY3"/>
-                    </a:cxn>
-                  </a:cxnLst>
-                  <a:rect l="l" t="t" r="r" b="b"/>
-                  <a:pathLst>
-                    <a:path w="226400" h="171466">
-                      <a:moveTo>
-                        <a:pt x="0" y="32920"/>
-                      </a:moveTo>
-                      <a:cubicBezTo>
-                        <a:pt x="60036" y="11368"/>
-                        <a:pt x="120073" y="-10183"/>
-                        <a:pt x="157018" y="5211"/>
-                      </a:cubicBezTo>
-                      <a:cubicBezTo>
-                        <a:pt x="193963" y="20605"/>
-                        <a:pt x="241685" y="97575"/>
-                        <a:pt x="221673" y="125284"/>
-                      </a:cubicBezTo>
-                      <a:cubicBezTo>
-                        <a:pt x="201661" y="152993"/>
-                        <a:pt x="119303" y="162229"/>
-                        <a:pt x="36945" y="171466"/>
-                      </a:cubicBezTo>
-                    </a:path>
-                  </a:pathLst>
-                </a:custGeom>
-                <a:ln w="19050">
-                  <a:solidFill>
-                    <a:schemeClr val="accent6">
-                      <a:lumMod val="75000"/>
-                    </a:schemeClr>
-                  </a:solidFill>
-                  <a:headEnd type="arrow" w="med" len="med"/>
-                  <a:tailEnd type="none" w="med" len="med"/>
-                </a:ln>
-              </p:spPr>
-              <p:style>
-                <a:lnRef idx="1">
-                  <a:schemeClr val="accent1"/>
-                </a:lnRef>
-                <a:fillRef idx="0">
-                  <a:schemeClr val="accent1"/>
-                </a:fillRef>
-                <a:effectRef idx="0">
-                  <a:schemeClr val="accent1"/>
-                </a:effectRef>
-                <a:fontRef idx="minor">
-                  <a:schemeClr val="tx1"/>
-                </a:fontRef>
-              </p:style>
-              <p:txBody>
-                <a:bodyPr rtlCol="0" anchor="ctr"/>
-                <a:lstStyle/>
-                <a:p>
-                  <a:pPr algn="ctr"/>
-                  <a:endParaRPr lang="en-SG"/>
-                </a:p>
-              </p:txBody>
-            </p:sp>
-            <p:sp>
-              <p:nvSpPr>
-                <p:cNvPr id="69" name="Rectangle 68">
-                  <a:extLst>
-                    <a:ext uri="{FF2B5EF4-FFF2-40B4-BE49-F238E27FC236}">
-                      <a16:creationId xmlns:a16="http://schemas.microsoft.com/office/drawing/2014/main" id="{384E82E8-ECF2-47A6-987A-ADC58D1530B9}"/>
-                    </a:ext>
-                  </a:extLst>
-                </p:cNvPr>
-                <p:cNvSpPr/>
-                <p:nvPr/>
-              </p:nvSpPr>
-              <p:spPr>
-                <a:xfrm>
-                  <a:off x="1147403" y="5712513"/>
-                  <a:ext cx="98080" cy="169591"/>
-                </a:xfrm>
-                <a:prstGeom prst="rect">
-                  <a:avLst/>
-                </a:prstGeom>
-                <a:solidFill>
-                  <a:schemeClr val="accent6">
-                    <a:lumMod val="75000"/>
-                  </a:schemeClr>
-                </a:solidFill>
-                <a:ln>
-                  <a:solidFill>
-                    <a:schemeClr val="bg1"/>
-                  </a:solidFill>
-                </a:ln>
-                <a:effectLst/>
-              </p:spPr>
-              <p:style>
-                <a:lnRef idx="1">
-                  <a:schemeClr val="accent3"/>
-                </a:lnRef>
-                <a:fillRef idx="2">
-                  <a:schemeClr val="accent3"/>
-                </a:fillRef>
-                <a:effectRef idx="1">
-                  <a:schemeClr val="accent3"/>
-                </a:effectRef>
-                <a:fontRef idx="minor">
-                  <a:schemeClr val="dk1"/>
-                </a:fontRef>
-              </p:style>
-              <p:txBody>
-                <a:bodyPr rtlCol="0" anchor="ctr"/>
-                <a:lstStyle/>
-                <a:p>
-                  <a:pPr algn="ctr"/>
-                  <a:endParaRPr lang="en-SG" sz="1400">
-                    <a:solidFill>
-                      <a:schemeClr val="dk1"/>
-                    </a:solidFill>
-                  </a:endParaRPr>
-                </a:p>
-              </p:txBody>
-            </p:sp>
-          </p:grpSp>
-          <p:sp>
-            <p:nvSpPr>
-              <p:cNvPr id="70" name="TextBox 69">
-                <a:extLst>
-                  <a:ext uri="{FF2B5EF4-FFF2-40B4-BE49-F238E27FC236}">
-                    <a16:creationId xmlns:a16="http://schemas.microsoft.com/office/drawing/2014/main" id="{EC13D990-E232-4908-BAFB-38A2A1F8F050}"/>
-                  </a:ext>
-                </a:extLst>
-              </p:cNvPr>
-              <p:cNvSpPr txBox="1"/>
-              <p:nvPr/>
-            </p:nvSpPr>
-            <p:spPr>
-              <a:xfrm>
-                <a:off x="8334205" y="1905000"/>
-                <a:ext cx="733595" cy="646331"/>
-              </a:xfrm>
-              <a:prstGeom prst="rect">
-                <a:avLst/>
-              </a:prstGeom>
-              <a:noFill/>
-            </p:spPr>
-            <p:txBody>
-              <a:bodyPr wrap="square" lIns="0" tIns="0" rIns="0" bIns="0" rtlCol="0">
-                <a:spAutoFit/>
-              </a:bodyPr>
-              <a:lstStyle/>
-              <a:p>
-                <a:r>
-                  <a:rPr lang="en-US" sz="1400" dirty="0">
-                    <a:solidFill>
-                      <a:schemeClr val="accent6">
-                        <a:lumMod val="75000"/>
-                      </a:schemeClr>
-                    </a:solidFill>
-                  </a:rPr>
-                  <a:t>Action Specific Methods</a:t>
-                </a:r>
-              </a:p>
-            </p:txBody>
-          </p:sp>
-          <p:sp>
-            <p:nvSpPr>
-              <p:cNvPr id="85" name="TextBox 84">
-                <a:extLst>
-                  <a:ext uri="{FF2B5EF4-FFF2-40B4-BE49-F238E27FC236}">
-                    <a16:creationId xmlns:a16="http://schemas.microsoft.com/office/drawing/2014/main" id="{977E1736-072B-4DB2-BA29-88067856E6C5}"/>
-                  </a:ext>
-                </a:extLst>
-              </p:cNvPr>
-              <p:cNvSpPr txBox="1"/>
-              <p:nvPr/>
-            </p:nvSpPr>
-            <p:spPr>
-              <a:xfrm>
-                <a:off x="609600" y="3332167"/>
-                <a:ext cx="2600418" cy="215444"/>
-              </a:xfrm>
-              <a:prstGeom prst="rect">
-                <a:avLst/>
-              </a:prstGeom>
-              <a:noFill/>
-              <a:ln>
-                <a:noFill/>
-              </a:ln>
-            </p:spPr>
-            <p:txBody>
-              <a:bodyPr wrap="square" lIns="0" tIns="0" rIns="0" bIns="0" rtlCol="0">
-                <a:spAutoFit/>
-              </a:bodyPr>
-              <a:lstStyle/>
-              <a:p>
-                <a:pPr algn="ctr"/>
-                <a:r>
-                  <a:rPr lang="en-US" sz="1400" dirty="0" err="1">
-                    <a:solidFill>
-                      <a:srgbClr val="0070C0"/>
-                    </a:solidFill>
-                  </a:rPr>
-                  <a:t>CommandResult</a:t>
-                </a:r>
-                <a:endParaRPr lang="en-US" sz="1400" dirty="0">
-                  <a:solidFill>
-                    <a:srgbClr val="0070C0"/>
-                  </a:solidFill>
-                </a:endParaRPr>
-              </a:p>
-            </p:txBody>
-          </p:sp>
-          <p:grpSp>
-            <p:nvGrpSpPr>
-              <p:cNvPr id="109" name="Group 108">
-                <a:extLst>
-                  <a:ext uri="{FF2B5EF4-FFF2-40B4-BE49-F238E27FC236}">
-                    <a16:creationId xmlns:a16="http://schemas.microsoft.com/office/drawing/2014/main" id="{8D8295EB-DB8A-474E-B3F8-2FE62003792D}"/>
-                  </a:ext>
-                </a:extLst>
-              </p:cNvPr>
-              <p:cNvGrpSpPr/>
-              <p:nvPr/>
-            </p:nvGrpSpPr>
-            <p:grpSpPr>
-              <a:xfrm>
-                <a:off x="3048000" y="2375356"/>
-                <a:ext cx="2602899" cy="215444"/>
-                <a:chOff x="3076495" y="3442156"/>
-                <a:chExt cx="2602899" cy="215444"/>
-              </a:xfrm>
-            </p:grpSpPr>
-            <p:sp>
-              <p:nvSpPr>
-                <p:cNvPr id="110" name="TextBox 109">
-                  <a:extLst>
-                    <a:ext uri="{FF2B5EF4-FFF2-40B4-BE49-F238E27FC236}">
-                      <a16:creationId xmlns:a16="http://schemas.microsoft.com/office/drawing/2014/main" id="{1CBF52E4-56D8-4979-AB18-F56695BA0B5D}"/>
-                    </a:ext>
-                  </a:extLst>
-                </p:cNvPr>
-                <p:cNvSpPr txBox="1"/>
-                <p:nvPr/>
-              </p:nvSpPr>
-              <p:spPr>
-                <a:xfrm>
-                  <a:off x="3240994" y="3442156"/>
-                  <a:ext cx="2438400" cy="215444"/>
-                </a:xfrm>
-                <a:prstGeom prst="rect">
-                  <a:avLst/>
-                </a:prstGeom>
-                <a:noFill/>
-              </p:spPr>
-              <p:txBody>
-                <a:bodyPr wrap="square" lIns="0" tIns="0" rIns="0" bIns="0" rtlCol="0">
-                  <a:spAutoFit/>
-                </a:bodyPr>
-                <a:lstStyle/>
-                <a:p>
-                  <a:pPr algn="ctr"/>
-                  <a:r>
-                    <a:rPr lang="en-US" sz="1400" dirty="0" err="1">
-                      <a:solidFill>
-                        <a:schemeClr val="accent5">
-                          <a:lumMod val="75000"/>
-                        </a:schemeClr>
-                      </a:solidFill>
-                    </a:rPr>
-                    <a:t>updateTask</a:t>
-                  </a:r>
-                  <a:r>
-                    <a:rPr lang="en-US" sz="1400" dirty="0">
-                      <a:solidFill>
-                        <a:schemeClr val="accent5">
-                          <a:lumMod val="75000"/>
-                        </a:schemeClr>
-                      </a:solidFill>
-                    </a:rPr>
-                    <a:t>(…)</a:t>
-                  </a:r>
-                </a:p>
-              </p:txBody>
-            </p:sp>
-            <p:cxnSp>
-              <p:nvCxnSpPr>
-                <p:cNvPr id="111" name="Straight Arrow Connector 110">
-                  <a:extLst>
-                    <a:ext uri="{FF2B5EF4-FFF2-40B4-BE49-F238E27FC236}">
-                      <a16:creationId xmlns:a16="http://schemas.microsoft.com/office/drawing/2014/main" id="{166DED16-B1D3-406E-B121-081E05980D24}"/>
-                    </a:ext>
-                  </a:extLst>
-                </p:cNvPr>
-                <p:cNvCxnSpPr/>
-                <p:nvPr/>
-              </p:nvCxnSpPr>
-              <p:spPr>
-                <a:xfrm>
-                  <a:off x="3076495" y="3657600"/>
-                  <a:ext cx="2568438" cy="0"/>
-                </a:xfrm>
-                <a:prstGeom prst="straightConnector1">
-                  <a:avLst/>
-                </a:prstGeom>
-                <a:ln w="19050">
-                  <a:solidFill>
-                    <a:srgbClr val="7030A0"/>
-                  </a:solidFill>
-                  <a:tailEnd type="arrow"/>
-                </a:ln>
-              </p:spPr>
-              <p:style>
-                <a:lnRef idx="1">
-                  <a:schemeClr val="accent1"/>
-                </a:lnRef>
-                <a:fillRef idx="0">
-                  <a:schemeClr val="accent1"/>
-                </a:fillRef>
-                <a:effectRef idx="0">
-                  <a:schemeClr val="accent1"/>
-                </a:effectRef>
-                <a:fontRef idx="minor">
-                  <a:schemeClr val="tx1"/>
-                </a:fontRef>
-              </p:style>
-            </p:cxnSp>
-          </p:grpSp>
-          <p:grpSp>
-            <p:nvGrpSpPr>
-              <p:cNvPr id="112" name="Group 111">
-                <a:extLst>
-                  <a:ext uri="{FF2B5EF4-FFF2-40B4-BE49-F238E27FC236}">
-                    <a16:creationId xmlns:a16="http://schemas.microsoft.com/office/drawing/2014/main" id="{7BE142AE-4C03-40A7-9DDE-01626A6C0159}"/>
-                  </a:ext>
-                </a:extLst>
-              </p:cNvPr>
-              <p:cNvGrpSpPr/>
-              <p:nvPr/>
-            </p:nvGrpSpPr>
-            <p:grpSpPr>
-              <a:xfrm>
-                <a:off x="3048000" y="2680156"/>
-                <a:ext cx="2602899" cy="215444"/>
-                <a:chOff x="3076495" y="3531512"/>
-                <a:chExt cx="2602899" cy="215444"/>
-              </a:xfrm>
-            </p:grpSpPr>
-            <p:sp>
-              <p:nvSpPr>
-                <p:cNvPr id="113" name="TextBox 112">
-                  <a:extLst>
-                    <a:ext uri="{FF2B5EF4-FFF2-40B4-BE49-F238E27FC236}">
-                      <a16:creationId xmlns:a16="http://schemas.microsoft.com/office/drawing/2014/main" id="{2927C1E5-DA2E-4D55-ACEB-DCC191B49EDF}"/>
-                    </a:ext>
-                  </a:extLst>
-                </p:cNvPr>
-                <p:cNvSpPr txBox="1"/>
-                <p:nvPr/>
-              </p:nvSpPr>
-              <p:spPr>
-                <a:xfrm>
-                  <a:off x="3240994" y="3531512"/>
-                  <a:ext cx="2438400" cy="215444"/>
-                </a:xfrm>
-                <a:prstGeom prst="rect">
-                  <a:avLst/>
-                </a:prstGeom>
-                <a:noFill/>
-              </p:spPr>
-              <p:txBody>
-                <a:bodyPr wrap="square" lIns="0" tIns="0" rIns="0" bIns="0" rtlCol="0">
-                  <a:spAutoFit/>
-                </a:bodyPr>
-                <a:lstStyle/>
-                <a:p>
-                  <a:pPr algn="ctr"/>
-                  <a:r>
-                    <a:rPr lang="en-US" sz="1400" dirty="0" err="1">
-                      <a:solidFill>
-                        <a:schemeClr val="accent5">
-                          <a:lumMod val="75000"/>
-                        </a:schemeClr>
-                      </a:solidFill>
-                    </a:rPr>
-                    <a:t>updateFilteredTaskList</a:t>
-                  </a:r>
-                  <a:r>
-                    <a:rPr lang="en-US" sz="1400" dirty="0">
-                      <a:solidFill>
-                        <a:schemeClr val="accent5">
-                          <a:lumMod val="75000"/>
-                        </a:schemeClr>
-                      </a:solidFill>
-                    </a:rPr>
-                    <a:t>(…)</a:t>
-                  </a:r>
-                </a:p>
-              </p:txBody>
-            </p:sp>
-            <p:cxnSp>
-              <p:nvCxnSpPr>
-                <p:cNvPr id="114" name="Straight Arrow Connector 113">
-                  <a:extLst>
-                    <a:ext uri="{FF2B5EF4-FFF2-40B4-BE49-F238E27FC236}">
-                      <a16:creationId xmlns:a16="http://schemas.microsoft.com/office/drawing/2014/main" id="{9AA3BC36-99BF-4661-B824-09F5CF393EA5}"/>
-                    </a:ext>
-                  </a:extLst>
-                </p:cNvPr>
-                <p:cNvCxnSpPr/>
-                <p:nvPr/>
-              </p:nvCxnSpPr>
-              <p:spPr>
-                <a:xfrm>
-                  <a:off x="3076495" y="3746956"/>
-                  <a:ext cx="2568438" cy="0"/>
-                </a:xfrm>
-                <a:prstGeom prst="straightConnector1">
-                  <a:avLst/>
-                </a:prstGeom>
-                <a:ln w="19050">
-                  <a:solidFill>
-                    <a:srgbClr val="7030A0"/>
-                  </a:solidFill>
-                  <a:tailEnd type="arrow"/>
-                </a:ln>
-              </p:spPr>
-              <p:style>
-                <a:lnRef idx="1">
-                  <a:schemeClr val="accent1"/>
-                </a:lnRef>
-                <a:fillRef idx="0">
-                  <a:schemeClr val="accent1"/>
-                </a:fillRef>
-                <a:effectRef idx="0">
-                  <a:schemeClr val="accent1"/>
-                </a:effectRef>
-                <a:fontRef idx="minor">
-                  <a:schemeClr val="tx1"/>
-                </a:fontRef>
-              </p:style>
-            </p:cxnSp>
-          </p:grpSp>
-          <p:sp>
-            <p:nvSpPr>
-              <p:cNvPr id="116" name="Rectangle 115">
-                <a:extLst>
-                  <a:ext uri="{FF2B5EF4-FFF2-40B4-BE49-F238E27FC236}">
-                    <a16:creationId xmlns:a16="http://schemas.microsoft.com/office/drawing/2014/main" id="{198144D1-FA0B-499C-B8A2-62D8DF4ED90E}"/>
-                  </a:ext>
-                </a:extLst>
-              </p:cNvPr>
-              <p:cNvSpPr/>
-              <p:nvPr/>
-            </p:nvSpPr>
-            <p:spPr>
-              <a:xfrm>
-                <a:off x="5600308" y="2590800"/>
-                <a:ext cx="143637" cy="108000"/>
-              </a:xfrm>
-              <a:prstGeom prst="rect">
-                <a:avLst/>
-              </a:prstGeom>
+        </p:grpSp>
+        <p:cxnSp>
+          <p:nvCxnSpPr>
+            <p:cNvPr id="46" name="Straight Arrow Connector 45">
+              <a:extLst>
+                <a:ext uri="{FF2B5EF4-FFF2-40B4-BE49-F238E27FC236}">
+                  <a16:creationId xmlns:a16="http://schemas.microsoft.com/office/drawing/2014/main" id="{398BFE20-E806-4DC1-8620-BC2B6A672809}"/>
+                </a:ext>
+              </a:extLst>
+            </p:cNvPr>
+            <p:cNvCxnSpPr/>
+            <p:nvPr/>
+          </p:nvCxnSpPr>
+          <p:spPr>
+            <a:xfrm>
+              <a:off x="3048000" y="2685854"/>
+              <a:ext cx="2549946" cy="0"/>
+            </a:xfrm>
+            <a:prstGeom prst="straightConnector1">
+              <a:avLst/>
+            </a:prstGeom>
+            <a:ln w="19050">
               <a:solidFill>
                 <a:schemeClr val="accent5">
                   <a:lumMod val="75000"/>
                 </a:schemeClr>
               </a:solidFill>
-              <a:ln>
-                <a:solidFill>
-                  <a:schemeClr val="accent5">
-                    <a:lumMod val="75000"/>
-                  </a:schemeClr>
-                </a:solidFill>
-              </a:ln>
-              <a:effectLst/>
-            </p:spPr>
-            <p:style>
-              <a:lnRef idx="1">
-                <a:schemeClr val="accent3"/>
-              </a:lnRef>
-              <a:fillRef idx="2">
-                <a:schemeClr val="accent3"/>
-              </a:fillRef>
-              <a:effectRef idx="1">
-                <a:schemeClr val="accent3"/>
-              </a:effectRef>
-              <a:fontRef idx="minor">
-                <a:schemeClr val="dk1"/>
-              </a:fontRef>
-            </p:style>
-            <p:txBody>
-              <a:bodyPr rtlCol="0" anchor="ctr"/>
-              <a:lstStyle/>
-              <a:p>
-                <a:pPr algn="ctr"/>
-                <a:endParaRPr lang="en-SG" sz="1400">
-                  <a:solidFill>
-                    <a:schemeClr val="dk1"/>
-                  </a:solidFill>
-                </a:endParaRPr>
-              </a:p>
-            </p:txBody>
-          </p:sp>
-          <p:sp>
-            <p:nvSpPr>
-              <p:cNvPr id="117" name="Rectangle 116">
-                <a:extLst>
-                  <a:ext uri="{FF2B5EF4-FFF2-40B4-BE49-F238E27FC236}">
-                    <a16:creationId xmlns:a16="http://schemas.microsoft.com/office/drawing/2014/main" id="{EE40C86B-F218-4FB1-B9F3-0B23563950F6}"/>
-                  </a:ext>
-                </a:extLst>
-              </p:cNvPr>
-              <p:cNvSpPr/>
-              <p:nvPr/>
-            </p:nvSpPr>
-            <p:spPr>
-              <a:xfrm>
-                <a:off x="5601092" y="2875178"/>
-                <a:ext cx="143637" cy="108000"/>
-              </a:xfrm>
-              <a:prstGeom prst="rect">
-                <a:avLst/>
-              </a:prstGeom>
+              <a:prstDash val="sysDash"/>
+              <a:headEnd type="arrow" w="med" len="med"/>
+              <a:tailEnd type="none" w="med" len="med"/>
+            </a:ln>
+          </p:spPr>
+          <p:style>
+            <a:lnRef idx="1">
+              <a:schemeClr val="accent1"/>
+            </a:lnRef>
+            <a:fillRef idx="0">
+              <a:schemeClr val="accent1"/>
+            </a:fillRef>
+            <a:effectRef idx="0">
+              <a:schemeClr val="accent1"/>
+            </a:effectRef>
+            <a:fontRef idx="minor">
+              <a:schemeClr val="tx1"/>
+            </a:fontRef>
+          </p:style>
+        </p:cxnSp>
+        <p:cxnSp>
+          <p:nvCxnSpPr>
+            <p:cNvPr id="47" name="Straight Arrow Connector 46">
+              <a:extLst>
+                <a:ext uri="{FF2B5EF4-FFF2-40B4-BE49-F238E27FC236}">
+                  <a16:creationId xmlns:a16="http://schemas.microsoft.com/office/drawing/2014/main" id="{45973CC0-B92D-4CDE-B99B-ACF7A6333276}"/>
+                </a:ext>
+              </a:extLst>
+            </p:cNvPr>
+            <p:cNvCxnSpPr/>
+            <p:nvPr/>
+          </p:nvCxnSpPr>
+          <p:spPr>
+            <a:xfrm>
+              <a:off x="3048000" y="2971800"/>
+              <a:ext cx="2549946" cy="0"/>
+            </a:xfrm>
+            <a:prstGeom prst="straightConnector1">
+              <a:avLst/>
+            </a:prstGeom>
+            <a:ln w="19050">
               <a:solidFill>
                 <a:schemeClr val="accent5">
                   <a:lumMod val="75000"/>
                 </a:schemeClr>
               </a:solidFill>
-              <a:ln>
-                <a:solidFill>
-                  <a:schemeClr val="accent5">
-                    <a:lumMod val="75000"/>
-                  </a:schemeClr>
-                </a:solidFill>
-              </a:ln>
-              <a:effectLst/>
-            </p:spPr>
-            <p:style>
-              <a:lnRef idx="1">
-                <a:schemeClr val="accent3"/>
-              </a:lnRef>
-              <a:fillRef idx="2">
-                <a:schemeClr val="accent3"/>
-              </a:fillRef>
-              <a:effectRef idx="1">
-                <a:schemeClr val="accent3"/>
-              </a:effectRef>
-              <a:fontRef idx="minor">
-                <a:schemeClr val="dk1"/>
-              </a:fontRef>
-            </p:style>
-            <p:txBody>
-              <a:bodyPr rtlCol="0" anchor="ctr"/>
-              <a:lstStyle/>
-              <a:p>
-                <a:pPr algn="ctr"/>
-                <a:endParaRPr lang="en-SG" sz="1400">
-                  <a:solidFill>
-                    <a:schemeClr val="dk1"/>
-                  </a:solidFill>
-                </a:endParaRPr>
-              </a:p>
-            </p:txBody>
-          </p:sp>
-          <p:sp>
-            <p:nvSpPr>
-              <p:cNvPr id="118" name="Rectangle 117">
-                <a:extLst>
-                  <a:ext uri="{FF2B5EF4-FFF2-40B4-BE49-F238E27FC236}">
-                    <a16:creationId xmlns:a16="http://schemas.microsoft.com/office/drawing/2014/main" id="{6CDE3CA2-2E94-4B27-8F41-A2AE7551A3E4}"/>
-                  </a:ext>
-                </a:extLst>
-              </p:cNvPr>
-              <p:cNvSpPr/>
-              <p:nvPr/>
-            </p:nvSpPr>
-            <p:spPr>
-              <a:xfrm>
-                <a:off x="5600428" y="3204733"/>
-                <a:ext cx="143637" cy="108000"/>
-              </a:xfrm>
-              <a:prstGeom prst="rect">
-                <a:avLst/>
-              </a:prstGeom>
+              <a:prstDash val="sysDash"/>
+              <a:headEnd type="arrow" w="med" len="med"/>
+              <a:tailEnd type="none" w="med" len="med"/>
+            </a:ln>
+          </p:spPr>
+          <p:style>
+            <a:lnRef idx="1">
+              <a:schemeClr val="accent1"/>
+            </a:lnRef>
+            <a:fillRef idx="0">
+              <a:schemeClr val="accent1"/>
+            </a:fillRef>
+            <a:effectRef idx="0">
+              <a:schemeClr val="accent1"/>
+            </a:effectRef>
+            <a:fontRef idx="minor">
+              <a:schemeClr val="tx1"/>
+            </a:fontRef>
+          </p:style>
+        </p:cxnSp>
+        <p:cxnSp>
+          <p:nvCxnSpPr>
+            <p:cNvPr id="48" name="Straight Arrow Connector 47">
+              <a:extLst>
+                <a:ext uri="{FF2B5EF4-FFF2-40B4-BE49-F238E27FC236}">
+                  <a16:creationId xmlns:a16="http://schemas.microsoft.com/office/drawing/2014/main" id="{76C07624-5A18-4352-8724-1C7D2C6887F2}"/>
+                </a:ext>
+              </a:extLst>
+            </p:cNvPr>
+            <p:cNvCxnSpPr/>
+            <p:nvPr/>
+          </p:nvCxnSpPr>
+          <p:spPr>
+            <a:xfrm>
+              <a:off x="3048000" y="3295454"/>
+              <a:ext cx="2549946" cy="0"/>
+            </a:xfrm>
+            <a:prstGeom prst="straightConnector1">
+              <a:avLst/>
+            </a:prstGeom>
+            <a:ln w="19050">
               <a:solidFill>
                 <a:schemeClr val="accent5">
                   <a:lumMod val="75000"/>
                 </a:schemeClr>
               </a:solidFill>
-              <a:ln>
-                <a:solidFill>
-                  <a:schemeClr val="accent5">
-                    <a:lumMod val="75000"/>
-                  </a:schemeClr>
-                </a:solidFill>
-              </a:ln>
-              <a:effectLst/>
-            </p:spPr>
-            <p:style>
-              <a:lnRef idx="1">
-                <a:schemeClr val="accent3"/>
-              </a:lnRef>
-              <a:fillRef idx="2">
-                <a:schemeClr val="accent3"/>
-              </a:fillRef>
-              <a:effectRef idx="1">
-                <a:schemeClr val="accent3"/>
-              </a:effectRef>
-              <a:fontRef idx="minor">
-                <a:schemeClr val="dk1"/>
-              </a:fontRef>
-            </p:style>
-            <p:txBody>
-              <a:bodyPr rtlCol="0" anchor="ctr"/>
-              <a:lstStyle/>
-              <a:p>
-                <a:pPr algn="ctr"/>
-                <a:endParaRPr lang="en-SG" sz="1400">
-                  <a:solidFill>
-                    <a:schemeClr val="dk1"/>
-                  </a:solidFill>
-                </a:endParaRPr>
-              </a:p>
-            </p:txBody>
-          </p:sp>
-        </p:grpSp>
+              <a:prstDash val="sysDash"/>
+              <a:headEnd type="arrow" w="med" len="med"/>
+              <a:tailEnd type="none" w="med" len="med"/>
+            </a:ln>
+          </p:spPr>
+          <p:style>
+            <a:lnRef idx="1">
+              <a:schemeClr val="accent1"/>
+            </a:lnRef>
+            <a:fillRef idx="0">
+              <a:schemeClr val="accent1"/>
+            </a:fillRef>
+            <a:effectRef idx="0">
+              <a:schemeClr val="accent1"/>
+            </a:effectRef>
+            <a:fontRef idx="minor">
+              <a:schemeClr val="tx1"/>
+            </a:fontRef>
+          </p:style>
+        </p:cxnSp>
       </p:grpSp>
-      <p:cxnSp>
-        <p:nvCxnSpPr>
-          <p:cNvPr id="46" name="Straight Arrow Connector 45">
-            <a:extLst>
-              <a:ext uri="{FF2B5EF4-FFF2-40B4-BE49-F238E27FC236}">
-                <a16:creationId xmlns:a16="http://schemas.microsoft.com/office/drawing/2014/main" id="{398BFE20-E806-4DC1-8620-BC2B6A672809}"/>
-              </a:ext>
-            </a:extLst>
-          </p:cNvPr>
-          <p:cNvCxnSpPr/>
-          <p:nvPr/>
-        </p:nvCxnSpPr>
-        <p:spPr>
-          <a:xfrm>
-            <a:off x="3048000" y="2685854"/>
-            <a:ext cx="2549946" cy="0"/>
-          </a:xfrm>
-          <a:prstGeom prst="straightConnector1">
-            <a:avLst/>
-          </a:prstGeom>
-          <a:ln w="19050">
-            <a:solidFill>
-              <a:schemeClr val="accent5">
-                <a:lumMod val="75000"/>
-              </a:schemeClr>
-            </a:solidFill>
-            <a:prstDash val="sysDash"/>
-            <a:headEnd type="arrow" w="med" len="med"/>
-            <a:tailEnd type="none" w="med" len="med"/>
-          </a:ln>
-        </p:spPr>
-        <p:style>
-          <a:lnRef idx="1">
-            <a:schemeClr val="accent1"/>
-          </a:lnRef>
-          <a:fillRef idx="0">
-            <a:schemeClr val="accent1"/>
-          </a:fillRef>
-          <a:effectRef idx="0">
-            <a:schemeClr val="accent1"/>
-          </a:effectRef>
-          <a:fontRef idx="minor">
-            <a:schemeClr val="tx1"/>
-          </a:fontRef>
-        </p:style>
-      </p:cxnSp>
-      <p:cxnSp>
-        <p:nvCxnSpPr>
-          <p:cNvPr id="47" name="Straight Arrow Connector 46">
-            <a:extLst>
-              <a:ext uri="{FF2B5EF4-FFF2-40B4-BE49-F238E27FC236}">
-                <a16:creationId xmlns:a16="http://schemas.microsoft.com/office/drawing/2014/main" id="{45973CC0-B92D-4CDE-B99B-ACF7A6333276}"/>
-              </a:ext>
-            </a:extLst>
-          </p:cNvPr>
-          <p:cNvCxnSpPr/>
-          <p:nvPr/>
-        </p:nvCxnSpPr>
-        <p:spPr>
-          <a:xfrm>
-            <a:off x="3048000" y="2971800"/>
-            <a:ext cx="2549946" cy="0"/>
-          </a:xfrm>
-          <a:prstGeom prst="straightConnector1">
-            <a:avLst/>
-          </a:prstGeom>
-          <a:ln w="19050">
-            <a:solidFill>
-              <a:schemeClr val="accent5">
-                <a:lumMod val="75000"/>
-              </a:schemeClr>
-            </a:solidFill>
-            <a:prstDash val="sysDash"/>
-            <a:headEnd type="arrow" w="med" len="med"/>
-            <a:tailEnd type="none" w="med" len="med"/>
-          </a:ln>
-        </p:spPr>
-        <p:style>
-          <a:lnRef idx="1">
-            <a:schemeClr val="accent1"/>
-          </a:lnRef>
-          <a:fillRef idx="0">
-            <a:schemeClr val="accent1"/>
-          </a:fillRef>
-          <a:effectRef idx="0">
-            <a:schemeClr val="accent1"/>
-          </a:effectRef>
-          <a:fontRef idx="minor">
-            <a:schemeClr val="tx1"/>
-          </a:fontRef>
-        </p:style>
-      </p:cxnSp>
-      <p:cxnSp>
-        <p:nvCxnSpPr>
-          <p:cNvPr id="48" name="Straight Arrow Connector 47">
-            <a:extLst>
-              <a:ext uri="{FF2B5EF4-FFF2-40B4-BE49-F238E27FC236}">
-                <a16:creationId xmlns:a16="http://schemas.microsoft.com/office/drawing/2014/main" id="{76C07624-5A18-4352-8724-1C7D2C6887F2}"/>
-              </a:ext>
-            </a:extLst>
-          </p:cNvPr>
-          <p:cNvCxnSpPr/>
-          <p:nvPr/>
-        </p:nvCxnSpPr>
-        <p:spPr>
-          <a:xfrm>
-            <a:off x="3048000" y="3295454"/>
-            <a:ext cx="2549946" cy="0"/>
-          </a:xfrm>
-          <a:prstGeom prst="straightConnector1">
-            <a:avLst/>
-          </a:prstGeom>
-          <a:ln w="19050">
-            <a:solidFill>
-              <a:schemeClr val="accent5">
-                <a:lumMod val="75000"/>
-              </a:schemeClr>
-            </a:solidFill>
-            <a:prstDash val="sysDash"/>
-            <a:headEnd type="arrow" w="med" len="med"/>
-            <a:tailEnd type="none" w="med" len="med"/>
-          </a:ln>
-        </p:spPr>
-        <p:style>
-          <a:lnRef idx="1">
-            <a:schemeClr val="accent1"/>
-          </a:lnRef>
-          <a:fillRef idx="0">
-            <a:schemeClr val="accent1"/>
-          </a:fillRef>
-          <a:effectRef idx="0">
-            <a:schemeClr val="accent1"/>
-          </a:effectRef>
-          <a:fontRef idx="minor">
-            <a:schemeClr val="tx1"/>
-          </a:fontRef>
-        </p:style>
-      </p:cxnSp>
     </p:spTree>
     <p:extLst>
       <p:ext uri="{BB962C8B-B14F-4D97-AF65-F5344CB8AC3E}">
